--- a/dbflute/etc/doc/ref/session/resource/sc2008spring_a2_dbflute.pptx
+++ b/dbflute/etc/doc/ref/session/resource/sc2008spring_a2_dbflute.pptx
@@ -378,9 +378,14 @@
             </a:lvl1pPr>
           </a:lstStyle>
           <a:p>
-            <a:fld id="{8BEDAFCB-E8D3-45DD-B6F7-A6CAEFBC5A8D}" type="datetimeFigureOut">
+            <a:pPr>
+              <a:defRPr/>
+            </a:pPr>
+            <a:fld id="{0954C96A-C953-435A-8429-3DD441023B63}" type="datetimeFigureOut">
               <a:rPr lang="ja-JP" altLang="en-US"/>
-              <a:pPr/>
+              <a:pPr>
+                <a:defRPr/>
+              </a:pPr>
               <a:t>2008/5/21</a:t>
             </a:fld>
             <a:endParaRPr lang="en-US" altLang="ja-JP"/>
@@ -417,12 +422,15 @@
               <a:spcAft>
                 <a:spcPct val="0"/>
               </a:spcAft>
-              <a:defRPr smtClean="0">
+              <a:defRPr>
                 <a:latin typeface="Rockwell"/>
               </a:defRPr>
             </a:lvl1pPr>
           </a:lstStyle>
           <a:p>
+            <a:pPr>
+              <a:defRPr/>
+            </a:pPr>
             <a:endParaRPr lang="ja-JP" altLang="en-US"/>
           </a:p>
         </p:txBody>
@@ -466,9 +474,14 @@
             </a:lvl1pPr>
           </a:lstStyle>
           <a:p>
-            <a:fld id="{EAA6B7E2-7864-42E7-9DD3-9E419F8D5811}" type="slidenum">
+            <a:pPr>
+              <a:defRPr/>
+            </a:pPr>
+            <a:fld id="{6979CC23-F0FD-4040-ADA5-095239CFAB81}" type="slidenum">
               <a:rPr lang="ja-JP" altLang="en-US"/>
-              <a:pPr/>
+              <a:pPr>
+                <a:defRPr/>
+              </a:pPr>
               <a:t>&lt;#&gt;</a:t>
             </a:fld>
             <a:endParaRPr lang="en-US" altLang="ja-JP"/>
@@ -896,7 +909,7 @@
             <a:pPr>
               <a:defRPr/>
             </a:pPr>
-            <a:fld id="{7975DBA5-A27E-41B1-BE6B-C758076C0F02}" type="datetimeFigureOut">
+            <a:fld id="{586301F6-50FA-48EE-B06E-CCFE0E7453C7}" type="datetimeFigureOut">
               <a:rPr lang="ja-JP" altLang="en-US"/>
               <a:pPr>
                 <a:defRPr/>
@@ -955,7 +968,7 @@
             <a:pPr>
               <a:defRPr/>
             </a:pPr>
-            <a:fld id="{E91DB786-042B-40FA-B73E-CEA1B19389A9}" type="slidenum">
+            <a:fld id="{AB64213B-1268-40A2-B4E2-97247B98D993}" type="slidenum">
               <a:rPr lang="ja-JP" altLang="en-US"/>
               <a:pPr>
                 <a:defRPr/>
@@ -1504,7 +1517,7 @@
             <a:pPr>
               <a:defRPr/>
             </a:pPr>
-            <a:fld id="{668DD792-FE9A-4447-A4C4-7E3B73BDD52B}" type="datetimeFigureOut">
+            <a:fld id="{4A53DCA2-C207-46D7-BF61-C8541BD67FD6}" type="datetimeFigureOut">
               <a:rPr lang="ja-JP" altLang="en-US"/>
               <a:pPr>
                 <a:defRPr/>
@@ -1563,7 +1576,7 @@
             <a:pPr>
               <a:defRPr/>
             </a:pPr>
-            <a:fld id="{D388B04E-D276-4853-8072-D984E04BE09E}" type="slidenum">
+            <a:fld id="{41FE0563-C0E3-407A-BDF6-A40C0D054D98}" type="slidenum">
               <a:rPr lang="ja-JP" altLang="en-US"/>
               <a:pPr>
                 <a:defRPr/>
@@ -1644,7 +1657,7 @@
             <a:pPr>
               <a:defRPr/>
             </a:pPr>
-            <a:fld id="{9ABC3B25-955D-4448-B842-3E9D6597FC1F}" type="datetimeFigureOut">
+            <a:fld id="{E286B8ED-43F3-409B-956C-9EE60BC78E44}" type="datetimeFigureOut">
               <a:rPr lang="ja-JP" altLang="en-US"/>
               <a:pPr>
                 <a:defRPr/>
@@ -1703,7 +1716,7 @@
             <a:pPr>
               <a:defRPr/>
             </a:pPr>
-            <a:fld id="{F6BC87E5-DF23-442E-BC6B-D627230D668D}" type="slidenum">
+            <a:fld id="{53DD54DB-367A-41A9-A9B3-39CA2774C948}" type="slidenum">
               <a:rPr lang="ja-JP" altLang="en-US"/>
               <a:pPr>
                 <a:defRPr/>
@@ -1761,7 +1774,7 @@
             <a:pPr>
               <a:defRPr/>
             </a:pPr>
-            <a:fld id="{24354B73-FD0A-483A-B714-55EBE3CE4287}" type="datetimeFigureOut">
+            <a:fld id="{1BAD0849-BB25-49DF-A082-9F68F37163E2}" type="datetimeFigureOut">
               <a:rPr lang="ja-JP" altLang="en-US"/>
               <a:pPr>
                 <a:defRPr/>
@@ -1820,7 +1833,7 @@
             <a:pPr>
               <a:defRPr/>
             </a:pPr>
-            <a:fld id="{AA50CCDF-1F77-45E3-8846-69B42A99BED1}" type="slidenum">
+            <a:fld id="{ED5C800D-01ED-47A9-A76D-A354DEDAFDCD}" type="slidenum">
               <a:rPr lang="ja-JP" altLang="en-US"/>
               <a:pPr>
                 <a:defRPr/>
@@ -2095,7 +2108,7 @@
             <a:pPr>
               <a:defRPr/>
             </a:pPr>
-            <a:fld id="{6A062338-48E0-41A8-AF1B-911BD98AD7D2}" type="datetimeFigureOut">
+            <a:fld id="{7C05ACC4-6741-4968-B5ED-5AB170B73DE5}" type="datetimeFigureOut">
               <a:rPr lang="ja-JP" altLang="en-US"/>
               <a:pPr>
                 <a:defRPr/>
@@ -2154,7 +2167,7 @@
             <a:pPr>
               <a:defRPr/>
             </a:pPr>
-            <a:fld id="{C15A6CB7-E227-4E8B-A4E1-197196104152}" type="slidenum">
+            <a:fld id="{0638FED3-E8F5-4BEA-B3D0-93CC3D4DBAB5}" type="slidenum">
               <a:rPr lang="ja-JP" altLang="en-US"/>
               <a:pPr>
                 <a:defRPr/>
@@ -2214,7 +2227,7 @@
           </p:nvSpPr>
           <p:spPr>
             <a:xfrm>
-              <a:off x="1522886" y="380938"/>
+              <a:off x="1521380" y="380868"/>
               <a:ext cx="3657600" cy="4724340"/>
             </a:xfrm>
             <a:prstGeom prst="rect">
@@ -2516,7 +2529,7 @@
             <a:pPr>
               <a:defRPr/>
             </a:pPr>
-            <a:fld id="{83ED3B28-D3FF-4A49-ADB2-12BE7C21239A}" type="datetimeFigureOut">
+            <a:fld id="{00F540A4-7500-4A47-A434-0387D9F4069F}" type="datetimeFigureOut">
               <a:rPr lang="ja-JP" altLang="en-US"/>
               <a:pPr>
                 <a:defRPr/>
@@ -2575,7 +2588,7 @@
             <a:pPr>
               <a:defRPr/>
             </a:pPr>
-            <a:fld id="{4FFD1661-94E8-4D1A-9DA1-C0C8D2D045EE}" type="slidenum">
+            <a:fld id="{D6AD5DD9-6759-465D-B73F-2D40F80EADB2}" type="slidenum">
               <a:rPr lang="ja-JP" altLang="en-US"/>
               <a:pPr>
                 <a:defRPr/>
@@ -2635,7 +2648,7 @@
           </p:nvSpPr>
           <p:spPr>
             <a:xfrm>
-              <a:off x="1522986" y="380761"/>
+              <a:off x="1521575" y="380483"/>
               <a:ext cx="3657600" cy="4725550"/>
             </a:xfrm>
             <a:prstGeom prst="rect">
@@ -3141,7 +3154,7 @@
             <a:pPr>
               <a:defRPr/>
             </a:pPr>
-            <a:fld id="{677E95CC-E2E2-4080-A4E8-96C8428389AB}" type="datetimeFigureOut">
+            <a:fld id="{0F75DA2B-9ED6-45EC-9E35-8FFF1345A0F7}" type="datetimeFigureOut">
               <a:rPr lang="ja-JP" altLang="en-US"/>
               <a:pPr>
                 <a:defRPr/>
@@ -3200,7 +3213,7 @@
             <a:pPr>
               <a:defRPr/>
             </a:pPr>
-            <a:fld id="{6315A0D6-1BC6-4931-85A3-96EE8650C092}" type="slidenum">
+            <a:fld id="{F0DD963C-D319-42FC-B394-B2FAE01D88ED}" type="slidenum">
               <a:rPr lang="ja-JP" altLang="en-US"/>
               <a:pPr>
                 <a:defRPr/>
@@ -3565,7 +3578,7 @@
             <a:pPr>
               <a:defRPr/>
             </a:pPr>
-            <a:fld id="{943AD9BA-6A7B-47F9-8966-18C3770B9B76}" type="datetimeFigureOut">
+            <a:fld id="{B673C210-92E5-4935-9CE2-CEE9E8D6F4F2}" type="datetimeFigureOut">
               <a:rPr lang="ja-JP" altLang="en-US"/>
               <a:pPr>
                 <a:defRPr/>
@@ -3624,7 +3637,7 @@
             <a:pPr>
               <a:defRPr/>
             </a:pPr>
-            <a:fld id="{D3B074DD-47B3-4C39-9156-9385E1937A3C}" type="slidenum">
+            <a:fld id="{98A5FC3F-EA13-4392-A8DA-AA9E7E5D5823}" type="slidenum">
               <a:rPr lang="ja-JP" altLang="en-US"/>
               <a:pPr>
                 <a:defRPr/>
@@ -3684,7 +3697,7 @@
           </p:nvSpPr>
           <p:spPr>
             <a:xfrm>
-              <a:off x="1522807" y="380904"/>
+              <a:off x="1521346" y="380797"/>
               <a:ext cx="3657600" cy="4723767"/>
             </a:xfrm>
             <a:prstGeom prst="rect">
@@ -4193,7 +4206,7 @@
             <a:pPr>
               <a:defRPr/>
             </a:pPr>
-            <a:fld id="{66DFF70C-938D-46B3-B0AF-C42F36E19DD7}" type="datetimeFigureOut">
+            <a:fld id="{996082AC-947A-4075-AD4C-E8463A19321E}" type="datetimeFigureOut">
               <a:rPr lang="ja-JP" altLang="en-US"/>
               <a:pPr>
                 <a:defRPr/>
@@ -4252,7 +4265,7 @@
             <a:pPr>
               <a:defRPr/>
             </a:pPr>
-            <a:fld id="{23574561-8AC6-4FE0-8929-ED05DCEBD57F}" type="slidenum">
+            <a:fld id="{6C1AF895-6F54-45D8-8DFF-E5A021BFFD8F}" type="slidenum">
               <a:rPr lang="ja-JP" altLang="en-US"/>
               <a:pPr>
                 <a:defRPr/>
@@ -4429,7 +4442,7 @@
             <a:pPr>
               <a:defRPr/>
             </a:pPr>
-            <a:fld id="{9416EA49-D8F4-4835-AB96-9E9C528375C6}" type="datetimeFigureOut">
+            <a:fld id="{E57098B0-3F96-47A3-93EF-DD3FA938BCBD}" type="datetimeFigureOut">
               <a:rPr lang="ja-JP" altLang="en-US"/>
               <a:pPr>
                 <a:defRPr/>
@@ -4488,7 +4501,7 @@
             <a:pPr>
               <a:defRPr/>
             </a:pPr>
-            <a:fld id="{7C93A5D6-A577-41F8-A892-D0BC393BADE7}" type="slidenum">
+            <a:fld id="{1133EFFF-E0FA-484C-8BF0-B95FAD976522}" type="slidenum">
               <a:rPr lang="ja-JP" altLang="en-US"/>
               <a:pPr>
                 <a:defRPr/>
@@ -4653,7 +4666,7 @@
             <a:pPr>
               <a:defRPr/>
             </a:pPr>
-            <a:fld id="{01EB8CF6-1B53-4C8B-AC4E-DAF0135E62A8}" type="datetimeFigureOut">
+            <a:fld id="{16CF2BD3-BEB0-44A6-BDF7-A7F6DE48EDE0}" type="datetimeFigureOut">
               <a:rPr lang="ja-JP" altLang="en-US"/>
               <a:pPr>
                 <a:defRPr/>
@@ -4712,7 +4725,7 @@
             <a:pPr>
               <a:defRPr/>
             </a:pPr>
-            <a:fld id="{9AD043D0-8AC5-44F3-8A82-5C7BECF28FA5}" type="slidenum">
+            <a:fld id="{8DD802B0-6E94-40FA-87B3-3AF23C9E2D45}" type="slidenum">
               <a:rPr lang="ja-JP" altLang="en-US"/>
               <a:pPr>
                 <a:defRPr/>
@@ -4899,7 +4912,7 @@
             <a:pPr>
               <a:defRPr/>
             </a:pPr>
-            <a:fld id="{991188A6-0B0D-426A-B5E2-99C64F2CC24F}" type="datetimeFigureOut">
+            <a:fld id="{34AD1303-AC21-499C-857D-35352008CC23}" type="datetimeFigureOut">
               <a:rPr lang="ja-JP" altLang="en-US"/>
               <a:pPr>
                 <a:defRPr/>
@@ -4958,7 +4971,7 @@
             <a:pPr>
               <a:defRPr/>
             </a:pPr>
-            <a:fld id="{091A81D8-B23E-4773-8245-21F4187F069C}" type="slidenum">
+            <a:fld id="{A3027099-E151-4C00-B6A7-6217B5BD4D2E}" type="slidenum">
               <a:rPr lang="ja-JP" altLang="en-US"/>
               <a:pPr>
                 <a:defRPr/>
@@ -5332,7 +5345,7 @@
           <a:bodyPr/>
           <a:lstStyle>
             <a:lvl1pPr algn="l">
-              <a:defRPr sz="1100" smtClean="0">
+              <a:defRPr sz="1100">
                 <a:latin typeface="Rockwell" pitchFamily="18" charset="0"/>
               </a:defRPr>
             </a:lvl1pPr>
@@ -5341,7 +5354,7 @@
             <a:pPr>
               <a:defRPr/>
             </a:pPr>
-            <a:fld id="{7B119167-BC95-4574-988D-6981686CAF88}" type="datetimeFigureOut">
+            <a:fld id="{49EA3AC6-80A9-478F-B703-E2DAF815011B}" type="datetimeFigureOut">
               <a:rPr lang="ja-JP" altLang="en-US"/>
               <a:pPr>
                 <a:defRPr/>
@@ -5403,7 +5416,7 @@
           <a:bodyPr/>
           <a:lstStyle>
             <a:lvl1pPr>
-              <a:defRPr sz="1100" smtClean="0">
+              <a:defRPr sz="1100">
                 <a:solidFill>
                   <a:schemeClr val="tx1"/>
                 </a:solidFill>
@@ -5415,7 +5428,7 @@
             <a:pPr>
               <a:defRPr/>
             </a:pPr>
-            <a:fld id="{84DBDF9E-84B1-423E-9C6B-2823E44DCD17}" type="slidenum">
+            <a:fld id="{9F9983C9-AFE0-4138-83B0-4838754C5ADA}" type="slidenum">
               <a:rPr lang="ja-JP" altLang="en-US"/>
               <a:pPr>
                 <a:defRPr/>
@@ -5651,7 +5664,7 @@
             <a:pPr>
               <a:defRPr/>
             </a:pPr>
-            <a:fld id="{A541C317-C289-414E-8B0A-8657A98A9E5B}" type="datetimeFigureOut">
+            <a:fld id="{6E940E7D-E075-4A3A-BD6D-CF0358BCE70F}" type="datetimeFigureOut">
               <a:rPr lang="ja-JP" altLang="en-US"/>
               <a:pPr>
                 <a:defRPr/>
@@ -5710,7 +5723,7 @@
             <a:pPr>
               <a:defRPr/>
             </a:pPr>
-            <a:fld id="{BBD9E9F9-F307-4CA4-8567-7C3B2806753D}" type="slidenum">
+            <a:fld id="{CB30E4D8-2DDD-41F5-AA08-DC20E5AC0108}" type="slidenum">
               <a:rPr lang="ja-JP" altLang="en-US"/>
               <a:pPr>
                 <a:defRPr/>
@@ -6079,7 +6092,7 @@
             <a:pPr>
               <a:defRPr/>
             </a:pPr>
-            <a:fld id="{B915B1BC-4BBE-4FF8-9E6B-E0764BDF46DB}" type="datetimeFigureOut">
+            <a:fld id="{BD0557EA-FEFE-48B2-8798-E628C9D70B2C}" type="datetimeFigureOut">
               <a:rPr lang="ja-JP" altLang="en-US"/>
               <a:pPr>
                 <a:defRPr/>
@@ -6138,7 +6151,7 @@
             <a:pPr>
               <a:defRPr/>
             </a:pPr>
-            <a:fld id="{3D8235BB-D14F-4DBF-A978-078ABB26BFB0}" type="slidenum">
+            <a:fld id="{7ED13E94-46D5-40F2-BAD6-05AF510D2EAE}" type="slidenum">
               <a:rPr lang="ja-JP" altLang="en-US"/>
               <a:pPr>
                 <a:defRPr/>
@@ -6212,7 +6225,7 @@
           </p:nvSpPr>
           <p:spPr>
             <a:xfrm>
-              <a:off x="1523326" y="380823"/>
+              <a:off x="1522260" y="380607"/>
               <a:ext cx="3657600" cy="4723475"/>
             </a:xfrm>
             <a:prstGeom prst="rect">
@@ -6517,7 +6530,7 @@
             <a:pPr>
               <a:defRPr/>
             </a:pPr>
-            <a:fld id="{DBE27B42-5DE1-4CA7-81AF-58E2D1EFD4D9}" type="datetimeFigureOut">
+            <a:fld id="{1AA0FFBF-09AC-48DA-AF17-C35D56E6D3BA}" type="datetimeFigureOut">
               <a:rPr lang="ja-JP" altLang="en-US"/>
               <a:pPr>
                 <a:defRPr/>
@@ -6576,7 +6589,7 @@
             <a:pPr>
               <a:defRPr/>
             </a:pPr>
-            <a:fld id="{1237A274-0778-49B0-8ED6-A5F83FFE6BD1}" type="slidenum">
+            <a:fld id="{67A3BBC9-C4C5-4DE1-BE86-A5F7D230C7B3}" type="slidenum">
               <a:rPr lang="ja-JP" altLang="en-US"/>
               <a:pPr>
                 <a:defRPr/>
@@ -6891,7 +6904,7 @@
             <a:pPr>
               <a:defRPr/>
             </a:pPr>
-            <a:fld id="{9174838B-8898-4D28-AAB5-250E9E799DAB}" type="datetimeFigureOut">
+            <a:fld id="{528C5B6E-A92A-4490-96F5-B727845BD130}" type="datetimeFigureOut">
               <a:rPr lang="ja-JP" altLang="en-US"/>
               <a:pPr>
                 <a:defRPr/>
@@ -6950,7 +6963,7 @@
             <a:pPr>
               <a:defRPr/>
             </a:pPr>
-            <a:fld id="{BA3535F0-EF06-496C-8B9C-C038A74EF70E}" type="slidenum">
+            <a:fld id="{EF390086-8CAF-43EB-9AF2-6638B7358112}" type="slidenum">
               <a:rPr lang="ja-JP" altLang="en-US"/>
               <a:pPr>
                 <a:defRPr/>
@@ -7549,7 +7562,7 @@
             <a:pPr>
               <a:defRPr/>
             </a:pPr>
-            <a:fld id="{FA320D1F-FD4D-44CB-9AC7-F443C86BE7E7}" type="datetimeFigureOut">
+            <a:fld id="{8E04216E-8B4E-4F5C-B5F8-3CA580B600D3}" type="datetimeFigureOut">
               <a:rPr lang="ja-JP" altLang="en-US"/>
               <a:pPr>
                 <a:defRPr/>
@@ -7608,7 +7621,7 @@
             <a:pPr>
               <a:defRPr/>
             </a:pPr>
-            <a:fld id="{0F05536E-D1A6-40C4-BB1F-BDF7AFBDD29A}" type="slidenum">
+            <a:fld id="{37EB0503-2D09-48C0-8175-576A9E05DCA1}" type="slidenum">
               <a:rPr lang="ja-JP" altLang="en-US"/>
               <a:pPr>
                 <a:defRPr/>
@@ -7923,7 +7936,7 @@
             <a:pPr>
               <a:defRPr/>
             </a:pPr>
-            <a:fld id="{6A3AE8B9-00BA-4B16-B99E-C2E123E16E4D}" type="datetimeFigureOut">
+            <a:fld id="{3835C2DD-9AC0-454D-89F6-2180DAD9F443}" type="datetimeFigureOut">
               <a:rPr lang="ja-JP" altLang="en-US"/>
               <a:pPr>
                 <a:defRPr/>
@@ -7982,7 +7995,7 @@
             <a:pPr>
               <a:defRPr/>
             </a:pPr>
-            <a:fld id="{A17771BA-76CB-4F56-A859-DD5093B62096}" type="slidenum">
+            <a:fld id="{08CF9F79-CC08-4806-8F94-A399B747A269}" type="slidenum">
               <a:rPr lang="ja-JP" altLang="en-US"/>
               <a:pPr>
                 <a:defRPr/>
@@ -8196,7 +8209,7 @@
               <a:spcAft>
                 <a:spcPts val="0"/>
               </a:spcAft>
-              <a:defRPr sz="1100" smtClean="0">
+              <a:defRPr sz="1100">
                 <a:solidFill>
                   <a:schemeClr val="tx1"/>
                 </a:solidFill>
@@ -8209,7 +8222,7 @@
             <a:pPr>
               <a:defRPr/>
             </a:pPr>
-            <a:fld id="{C6EA7170-2B60-4566-914C-A99FC8355228}" type="datetimeFigureOut">
+            <a:fld id="{FDD40048-BB95-4FAA-A8BB-5A947A1C55BF}" type="datetimeFigureOut">
               <a:rPr lang="ja-JP" altLang="en-US"/>
               <a:pPr>
                 <a:defRPr/>
@@ -8295,7 +8308,7 @@
               <a:spcAft>
                 <a:spcPts val="0"/>
               </a:spcAft>
-              <a:defRPr sz="8200" smtClean="0">
+              <a:defRPr sz="8200">
                 <a:gradFill>
                   <a:gsLst>
                     <a:gs pos="0">
@@ -8320,7 +8333,7 @@
             <a:pPr>
               <a:defRPr/>
             </a:pPr>
-            <a:fld id="{3ABFFD38-95F7-4F1C-81EE-11CC40100E8B}" type="slidenum">
+            <a:fld id="{8737311D-985A-4B47-A27A-2A5EC442D1C9}" type="slidenum">
               <a:rPr lang="ja-JP" altLang="en-US"/>
               <a:pPr>
                 <a:defRPr/>
@@ -8358,7 +8371,7 @@
   </p:sldLayoutIdLst>
   <p:txStyles>
     <p:titleStyle>
-      <a:lvl1pPr algn="ctr" rtl="0" fontAlgn="base">
+      <a:lvl1pPr algn="ctr" rtl="0" eaLnBrk="0" fontAlgn="base" hangingPunct="0">
         <a:spcBef>
           <a:spcPct val="0"/>
         </a:spcBef>
@@ -8374,7 +8387,7 @@
           <a:cs typeface="+mj-cs"/>
         </a:defRPr>
       </a:lvl1pPr>
-      <a:lvl2pPr algn="ctr" rtl="0" fontAlgn="base">
+      <a:lvl2pPr algn="ctr" rtl="0" eaLnBrk="0" fontAlgn="base" hangingPunct="0">
         <a:spcBef>
           <a:spcPct val="0"/>
         </a:spcBef>
@@ -8389,7 +8402,7 @@
           <a:ea typeface="ＭＳ Ｐ明朝" pitchFamily="18" charset="-128"/>
         </a:defRPr>
       </a:lvl2pPr>
-      <a:lvl3pPr algn="ctr" rtl="0" fontAlgn="base">
+      <a:lvl3pPr algn="ctr" rtl="0" eaLnBrk="0" fontAlgn="base" hangingPunct="0">
         <a:spcBef>
           <a:spcPct val="0"/>
         </a:spcBef>
@@ -8404,7 +8417,7 @@
           <a:ea typeface="ＭＳ Ｐ明朝" pitchFamily="18" charset="-128"/>
         </a:defRPr>
       </a:lvl3pPr>
-      <a:lvl4pPr algn="ctr" rtl="0" fontAlgn="base">
+      <a:lvl4pPr algn="ctr" rtl="0" eaLnBrk="0" fontAlgn="base" hangingPunct="0">
         <a:spcBef>
           <a:spcPct val="0"/>
         </a:spcBef>
@@ -8419,7 +8432,7 @@
           <a:ea typeface="ＭＳ Ｐ明朝" pitchFamily="18" charset="-128"/>
         </a:defRPr>
       </a:lvl4pPr>
-      <a:lvl5pPr algn="ctr" rtl="0" fontAlgn="base">
+      <a:lvl5pPr algn="ctr" rtl="0" eaLnBrk="0" fontAlgn="base" hangingPunct="0">
         <a:spcBef>
           <a:spcPct val="0"/>
         </a:spcBef>
@@ -8496,7 +8509,7 @@
       </a:lvl9pPr>
     </p:titleStyle>
     <p:bodyStyle>
-      <a:lvl1pPr marL="463550" indent="-463550" algn="l" rtl="0" fontAlgn="base">
+      <a:lvl1pPr marL="463550" indent="-463550" algn="l" rtl="0" eaLnBrk="0" fontAlgn="base" hangingPunct="0">
         <a:spcBef>
           <a:spcPts val="2000"/>
         </a:spcBef>
@@ -8516,7 +8529,7 @@
           <a:cs typeface="+mn-cs"/>
         </a:defRPr>
       </a:lvl1pPr>
-      <a:lvl2pPr marL="914400" indent="-457200" algn="l" rtl="0" fontAlgn="base">
+      <a:lvl2pPr marL="914400" indent="-457200" algn="l" rtl="0" eaLnBrk="0" fontAlgn="base" hangingPunct="0">
         <a:spcBef>
           <a:spcPts val="600"/>
         </a:spcBef>
@@ -8536,7 +8549,7 @@
           <a:cs typeface="+mn-cs"/>
         </a:defRPr>
       </a:lvl2pPr>
-      <a:lvl3pPr marL="1255713" indent="-341313" algn="l" rtl="0" fontAlgn="base">
+      <a:lvl3pPr marL="1255713" indent="-341313" algn="l" rtl="0" eaLnBrk="0" fontAlgn="base" hangingPunct="0">
         <a:spcBef>
           <a:spcPts val="600"/>
         </a:spcBef>
@@ -8556,7 +8569,7 @@
           <a:cs typeface="+mn-cs"/>
         </a:defRPr>
       </a:lvl3pPr>
-      <a:lvl4pPr marL="1597025" indent="-341313" algn="l" rtl="0" fontAlgn="base">
+      <a:lvl4pPr marL="1597025" indent="-341313" algn="l" rtl="0" eaLnBrk="0" fontAlgn="base" hangingPunct="0">
         <a:spcBef>
           <a:spcPts val="600"/>
         </a:spcBef>
@@ -8567,7 +8580,7 @@
         <a:buBlip>
           <a:blip r:embed="rId24"/>
         </a:buBlip>
-        <a:defRPr kumimoji="1" kern="1200">
+        <a:defRPr kumimoji="1" sz="2000" kern="1200">
           <a:solidFill>
             <a:schemeClr val="tx1"/>
           </a:solidFill>
@@ -8576,7 +8589,7 @@
           <a:cs typeface="+mn-cs"/>
         </a:defRPr>
       </a:lvl4pPr>
-      <a:lvl5pPr marL="1938338" indent="-341313" algn="l" rtl="0" fontAlgn="base">
+      <a:lvl5pPr marL="1938338" indent="-341313" algn="l" rtl="0" eaLnBrk="0" fontAlgn="base" hangingPunct="0">
         <a:spcBef>
           <a:spcPts val="600"/>
         </a:spcBef>
@@ -8587,7 +8600,7 @@
         <a:buBlip>
           <a:blip r:embed="rId24"/>
         </a:buBlip>
-        <a:defRPr kumimoji="1" kern="1200">
+        <a:defRPr kumimoji="1" sz="2000" kern="1200">
           <a:solidFill>
             <a:schemeClr val="tx1"/>
           </a:solidFill>
@@ -8775,7 +8788,7 @@
       </p:grpSpPr>
       <p:sp>
         <p:nvSpPr>
-          <p:cNvPr id="25" name="Rectangle 27"/>
+          <p:cNvPr id="22529" name="Rectangle 27"/>
           <p:cNvSpPr>
             <a:spLocks noChangeArrowheads="1"/>
           </p:cNvSpPr>
@@ -8783,8 +8796,8 @@
         </p:nvSpPr>
         <p:spPr bwMode="auto">
           <a:xfrm>
-            <a:off x="2454275" y="3494088"/>
-            <a:ext cx="3125788" cy="1006475"/>
+            <a:off x="960438" y="2565400"/>
+            <a:ext cx="7859712" cy="1006475"/>
           </a:xfrm>
           <a:prstGeom prst="rect">
             <a:avLst/>
@@ -8812,6 +8825,16 @@
                 <a:ea typeface="ＭＳ 明朝" pitchFamily="17" charset="-128"/>
               </a:rPr>
               <a:t>DBFlute</a:t>
+            </a:r>
+            <a:r>
+              <a:rPr lang="ja-JP" altLang="en-US" sz="6000" b="1" i="1">
+                <a:solidFill>
+                  <a:srgbClr val="595959"/>
+                </a:solidFill>
+                <a:latin typeface="Times New Roman" pitchFamily="18" charset="0"/>
+                <a:ea typeface="ＭＳ 明朝" pitchFamily="17" charset="-128"/>
+              </a:rPr>
+              <a:t>はどうなの？</a:t>
             </a:r>
           </a:p>
         </p:txBody>
@@ -8833,7 +8856,7 @@
         </p:blipFill>
         <p:spPr bwMode="auto">
           <a:xfrm>
-            <a:off x="5486400" y="1462088"/>
+            <a:off x="5197475" y="3779838"/>
             <a:ext cx="1524000" cy="2032000"/>
           </a:xfrm>
           <a:prstGeom prst="rect">
@@ -8865,7 +8888,7 @@
         </p:blipFill>
         <p:spPr bwMode="auto">
           <a:xfrm>
-            <a:off x="1676400" y="3276600"/>
+            <a:off x="384175" y="2349500"/>
             <a:ext cx="3302000" cy="1778000"/>
           </a:xfrm>
           <a:prstGeom prst="rect">
@@ -8880,6 +8903,47 @@
           </a:ln>
         </p:spPr>
       </p:pic>
+      <p:sp>
+        <p:nvSpPr>
+          <p:cNvPr id="22533" name="Text Box 5"/>
+          <p:cNvSpPr txBox="1">
+            <a:spLocks noChangeArrowheads="1"/>
+          </p:cNvSpPr>
+          <p:nvPr/>
+        </p:nvSpPr>
+        <p:spPr bwMode="auto">
+          <a:xfrm>
+            <a:off x="5580063" y="406400"/>
+            <a:ext cx="3073400" cy="366713"/>
+          </a:xfrm>
+          <a:prstGeom prst="rect">
+            <a:avLst/>
+          </a:prstGeom>
+          <a:noFill/>
+          <a:ln w="9525">
+            <a:noFill/>
+            <a:miter lim="800000"/>
+            <a:headEnd/>
+            <a:tailEnd/>
+          </a:ln>
+          <a:effectLst/>
+        </p:spPr>
+        <p:txBody>
+          <a:bodyPr wrap="none">
+            <a:spAutoFit/>
+          </a:bodyPr>
+          <a:lstStyle/>
+          <a:p>
+            <a:pPr defTabSz="914400"/>
+            <a:r>
+              <a:rPr lang="en-US" altLang="ja-JP">
+                <a:latin typeface="Times New Roman" pitchFamily="18" charset="0"/>
+              </a:rPr>
+              <a:t>Seasar Conference 2008 Spring</a:t>
+            </a:r>
+          </a:p>
+        </p:txBody>
+      </p:sp>
     </p:spTree>
   </p:cSld>
   <p:clrMapOvr>
@@ -9511,6 +9575,7 @@
           <a:bodyPr/>
           <a:lstStyle/>
           <a:p>
+            <a:pPr eaLnBrk="1" hangingPunct="1"/>
             <a:r>
               <a:rPr lang="en-US" altLang="ja-JP" smtClean="0">
                 <a:latin typeface="Times New Roman" pitchFamily="18" charset="0"/>
@@ -9573,6 +9638,7 @@
           <a:bodyPr/>
           <a:lstStyle/>
           <a:p>
+            <a:pPr eaLnBrk="1" hangingPunct="1"/>
             <a:r>
               <a:rPr lang="en-US" altLang="ja-JP" smtClean="0">
                 <a:latin typeface="Times New Roman" pitchFamily="18" charset="0"/>
@@ -9626,7 +9692,7 @@
           <a:lstStyle/>
           <a:p>
             <a:endParaRPr lang="ja-JP" altLang="en-US">
-              <a:latin typeface="Goudy Old Style"/>
+              <a:latin typeface="メイリオ"/>
               <a:ea typeface="Osaka−等幅"/>
               <a:cs typeface="Osaka−等幅"/>
             </a:endParaRPr>
@@ -9666,7 +9732,7 @@
           <a:lstStyle/>
           <a:p>
             <a:endParaRPr lang="ja-JP" altLang="en-US">
-              <a:latin typeface="Goudy Old Style"/>
+              <a:latin typeface="メイリオ"/>
               <a:ea typeface="Osaka−等幅"/>
               <a:cs typeface="Osaka−等幅"/>
             </a:endParaRPr>
@@ -9716,7 +9782,7 @@
           <a:lstStyle/>
           <a:p>
             <a:endParaRPr lang="ja-JP" altLang="en-US">
-              <a:latin typeface="Goudy Old Style"/>
+              <a:latin typeface="メイリオ"/>
               <a:ea typeface="Osaka−等幅"/>
               <a:cs typeface="Osaka−等幅"/>
             </a:endParaRPr>
@@ -9766,7 +9832,7 @@
           <a:lstStyle/>
           <a:p>
             <a:endParaRPr lang="ja-JP" altLang="en-US">
-              <a:latin typeface="Goudy Old Style"/>
+              <a:latin typeface="メイリオ"/>
               <a:ea typeface="Osaka−等幅"/>
               <a:cs typeface="Osaka−等幅"/>
             </a:endParaRPr>
@@ -9809,7 +9875,7 @@
                 <a:solidFill>
                   <a:srgbClr val="000000"/>
                 </a:solidFill>
-                <a:latin typeface="Osaka−等幅"/>
+                <a:latin typeface="メイリオ"/>
                 <a:ea typeface="Osaka−等幅"/>
                 <a:cs typeface="HGP創英角ｺﾞｼｯｸUB" pitchFamily="50" charset="-128"/>
               </a:rPr>
@@ -9819,7 +9885,7 @@
               <a:solidFill>
                 <a:srgbClr val="000000"/>
               </a:solidFill>
-              <a:latin typeface="Osaka−等幅"/>
+              <a:latin typeface="メイリオ"/>
               <a:ea typeface="Osaka−等幅"/>
               <a:cs typeface="HGP創英角ｺﾞｼｯｸUB" pitchFamily="50" charset="-128"/>
             </a:endParaRPr>
@@ -9831,7 +9897,7 @@
                 <a:solidFill>
                   <a:srgbClr val="000000"/>
                 </a:solidFill>
-                <a:latin typeface="Osaka−等幅"/>
+                <a:latin typeface="メイリオ"/>
                 <a:ea typeface="Osaka−等幅"/>
                 <a:cs typeface="HGP創英角ｺﾞｼｯｸUB" pitchFamily="50" charset="-128"/>
               </a:rPr>
@@ -9841,7 +9907,7 @@
               <a:solidFill>
                 <a:srgbClr val="000000"/>
               </a:solidFill>
-              <a:latin typeface="Osaka−等幅"/>
+              <a:latin typeface="メイリオ"/>
               <a:ea typeface="Osaka−等幅"/>
               <a:cs typeface="HGP創英角ｺﾞｼｯｸUB" pitchFamily="50" charset="-128"/>
             </a:endParaRPr>
@@ -9852,7 +9918,7 @@
               <a:solidFill>
                 <a:srgbClr val="000000"/>
               </a:solidFill>
-              <a:latin typeface="Osaka−等幅"/>
+              <a:latin typeface="メイリオ"/>
               <a:ea typeface="Osaka−等幅"/>
               <a:cs typeface="HGP創英角ｺﾞｼｯｸUB" pitchFamily="50" charset="-128"/>
             </a:endParaRPr>
@@ -9864,7 +9930,7 @@
                 <a:solidFill>
                   <a:srgbClr val="000000"/>
                 </a:solidFill>
-                <a:latin typeface="Osaka−等幅"/>
+                <a:latin typeface="メイリオ"/>
                 <a:ea typeface="Osaka−等幅"/>
                 <a:cs typeface="HGP創英角ｺﾞｼｯｸUB" pitchFamily="50" charset="-128"/>
               </a:rPr>
@@ -9875,7 +9941,7 @@
                 <a:solidFill>
                   <a:srgbClr val="000000"/>
                 </a:solidFill>
-                <a:latin typeface="Osaka−等幅"/>
+                <a:latin typeface="メイリオ"/>
                 <a:ea typeface="Osaka−等幅"/>
                 <a:cs typeface="HGP創英角ｺﾞｼｯｸUB" pitchFamily="50" charset="-128"/>
               </a:rPr>
@@ -9886,7 +9952,7 @@
                 <a:solidFill>
                   <a:srgbClr val="000000"/>
                 </a:solidFill>
-                <a:latin typeface="Osaka−等幅"/>
+                <a:latin typeface="メイリオ"/>
                 <a:ea typeface="Osaka−等幅"/>
                 <a:cs typeface="HGP創英角ｺﾞｼｯｸUB" pitchFamily="50" charset="-128"/>
               </a:rPr>
@@ -9897,7 +9963,7 @@
                 <a:solidFill>
                   <a:srgbClr val="000000"/>
                 </a:solidFill>
-                <a:latin typeface="Osaka−等幅"/>
+                <a:latin typeface="メイリオ"/>
                 <a:ea typeface="Osaka−等幅"/>
                 <a:cs typeface="HGP創英角ｺﾞｼｯｸUB" pitchFamily="50" charset="-128"/>
               </a:rPr>
@@ -9908,7 +9974,7 @@
                 <a:solidFill>
                   <a:srgbClr val="000000"/>
                 </a:solidFill>
-                <a:latin typeface="Osaka−等幅"/>
+                <a:latin typeface="メイリオ"/>
                 <a:ea typeface="Osaka−等幅"/>
                 <a:cs typeface="HGP創英角ｺﾞｼｯｸUB" pitchFamily="50" charset="-128"/>
               </a:rPr>
@@ -9919,17 +9985,31 @@
                 <a:solidFill>
                   <a:srgbClr val="000000"/>
                 </a:solidFill>
-                <a:latin typeface="Osaka−等幅"/>
+                <a:latin typeface="メイリオ"/>
                 <a:ea typeface="Osaka−等幅"/>
                 <a:cs typeface="HGP創英角ｺﾞｼｯｸUB" pitchFamily="50" charset="-128"/>
               </a:rPr>
-              <a:t>」　補完で安全実装</a:t>
+              <a:t>」　補完</a:t>
+            </a:r>
+          </a:p>
+          <a:p>
+            <a:pPr eaLnBrk="0" hangingPunct="0"/>
+            <a:r>
+              <a:rPr kumimoji="0" lang="ja-JP" altLang="en-US" sz="1200">
+                <a:solidFill>
+                  <a:srgbClr val="000000"/>
+                </a:solidFill>
+                <a:latin typeface="メイリオ"/>
+                <a:ea typeface="Osaka−等幅"/>
+                <a:cs typeface="HGP創英角ｺﾞｼｯｸUB" pitchFamily="50" charset="-128"/>
+              </a:rPr>
+              <a:t>　で安全実装</a:t>
             </a:r>
             <a:endParaRPr kumimoji="0" lang="en-US" altLang="ja-JP" sz="1200">
               <a:solidFill>
                 <a:srgbClr val="000000"/>
               </a:solidFill>
-              <a:latin typeface="Osaka−等幅"/>
+              <a:latin typeface="メイリオ"/>
               <a:ea typeface="Osaka−等幅"/>
               <a:cs typeface="HGP創英角ｺﾞｼｯｸUB" pitchFamily="50" charset="-128"/>
             </a:endParaRPr>
@@ -9940,7 +10020,7 @@
               <a:solidFill>
                 <a:srgbClr val="000000"/>
               </a:solidFill>
-              <a:latin typeface="Osaka−等幅"/>
+              <a:latin typeface="メイリオ"/>
               <a:ea typeface="Osaka−等幅"/>
               <a:cs typeface="HGP創英角ｺﾞｼｯｸUB" pitchFamily="50" charset="-128"/>
             </a:endParaRPr>
@@ -9952,7 +10032,7 @@
                 <a:solidFill>
                   <a:srgbClr val="000000"/>
                 </a:solidFill>
-                <a:latin typeface="Osaka−等幅"/>
+                <a:latin typeface="メイリオ"/>
                 <a:ea typeface="Osaka−等幅"/>
                 <a:cs typeface="HGP創英角ｺﾞｼｯｸUB" pitchFamily="50" charset="-128"/>
               </a:rPr>
@@ -9963,7 +10043,7 @@
                 <a:solidFill>
                   <a:schemeClr val="accent1"/>
                 </a:solidFill>
-                <a:latin typeface="Osaka−等幅"/>
+                <a:latin typeface="メイリオ"/>
                 <a:ea typeface="Osaka−等幅"/>
                 <a:cs typeface="HGP創英角ｺﾞｼｯｸUB" pitchFamily="50" charset="-128"/>
               </a:rPr>
@@ -9974,7 +10054,7 @@
                 <a:solidFill>
                   <a:schemeClr val="accent1"/>
                 </a:solidFill>
-                <a:latin typeface="Osaka−等幅"/>
+                <a:latin typeface="メイリオ"/>
                 <a:ea typeface="Osaka−等幅"/>
                 <a:cs typeface="HGP創英角ｺﾞｼｯｸUB" pitchFamily="50" charset="-128"/>
               </a:rPr>
@@ -9985,7 +10065,7 @@
                 <a:solidFill>
                   <a:schemeClr val="accent1"/>
                 </a:solidFill>
-                <a:latin typeface="Osaka−等幅"/>
+                <a:latin typeface="メイリオ"/>
                 <a:ea typeface="Osaka−等幅"/>
                 <a:cs typeface="HGP創英角ｺﾞｼｯｸUB" pitchFamily="50" charset="-128"/>
               </a:rPr>
@@ -9996,7 +10076,7 @@
                 <a:solidFill>
                   <a:schemeClr val="accent1"/>
                 </a:solidFill>
-                <a:latin typeface="Osaka−等幅"/>
+                <a:latin typeface="メイリオ"/>
                 <a:ea typeface="Osaka−等幅"/>
                 <a:cs typeface="HGP創英角ｺﾞｼｯｸUB" pitchFamily="50" charset="-128"/>
               </a:rPr>
@@ -10006,7 +10086,7 @@
               <a:solidFill>
                 <a:schemeClr val="accent1"/>
               </a:solidFill>
-              <a:latin typeface="Osaka−等幅"/>
+              <a:latin typeface="メイリオ"/>
               <a:ea typeface="Osaka−等幅"/>
               <a:cs typeface="HGP創英角ｺﾞｼｯｸUB" pitchFamily="50" charset="-128"/>
             </a:endParaRPr>
@@ -10018,7 +10098,7 @@
                 <a:solidFill>
                   <a:schemeClr val="accent1"/>
                 </a:solidFill>
-                <a:latin typeface="Osaka−等幅"/>
+                <a:latin typeface="メイリオ"/>
                 <a:ea typeface="Osaka−等幅"/>
                 <a:cs typeface="HGP創英角ｺﾞｼｯｸUB" pitchFamily="50" charset="-128"/>
               </a:rPr>
@@ -10029,7 +10109,7 @@
                 <a:solidFill>
                   <a:schemeClr val="accent1"/>
                 </a:solidFill>
-                <a:latin typeface="Osaka−等幅"/>
+                <a:latin typeface="メイリオ"/>
                 <a:ea typeface="Osaka−等幅"/>
                 <a:cs typeface="HGP創英角ｺﾞｼｯｸUB" pitchFamily="50" charset="-128"/>
               </a:rPr>
@@ -10079,7 +10159,7 @@
           <a:lstStyle/>
           <a:p>
             <a:endParaRPr lang="ja-JP" altLang="en-US">
-              <a:latin typeface="Goudy Old Style"/>
+              <a:latin typeface="メイリオ"/>
               <a:ea typeface="Osaka−等幅"/>
               <a:cs typeface="Osaka−等幅"/>
             </a:endParaRPr>
@@ -10119,7 +10199,7 @@
           <a:lstStyle/>
           <a:p>
             <a:endParaRPr lang="ja-JP" altLang="en-US">
-              <a:latin typeface="Goudy Old Style"/>
+              <a:latin typeface="メイリオ"/>
               <a:ea typeface="Osaka−等幅"/>
               <a:cs typeface="Osaka−等幅"/>
             </a:endParaRPr>
@@ -10167,7 +10247,7 @@
           <a:lstStyle/>
           <a:p>
             <a:endParaRPr lang="ja-JP" altLang="en-US">
-              <a:latin typeface="Goudy Old Style"/>
+              <a:latin typeface="メイリオ"/>
               <a:ea typeface="Osaka−等幅"/>
               <a:cs typeface="Osaka−等幅"/>
             </a:endParaRPr>
@@ -10215,7 +10295,7 @@
           <a:lstStyle/>
           <a:p>
             <a:endParaRPr lang="ja-JP" altLang="en-US">
-              <a:latin typeface="Goudy Old Style"/>
+              <a:latin typeface="メイリオ"/>
               <a:ea typeface="Osaka−等幅"/>
               <a:cs typeface="Osaka−等幅"/>
             </a:endParaRPr>
@@ -10255,14 +10335,14 @@
             <a:pPr algn="ctr"/>
             <a:r>
               <a:rPr lang="ja-JP" altLang="en-US" sz="1600">
-                <a:latin typeface="Osaka−等幅"/>
+                <a:latin typeface="メイリオ"/>
                 <a:ea typeface="Osaka−等幅"/>
                 <a:cs typeface="HGP創英角ｺﾞｼｯｸUB" pitchFamily="50" charset="-128"/>
               </a:rPr>
               <a:t>目的ベースの</a:t>
             </a:r>
             <a:endParaRPr lang="en-US" altLang="ja-JP" sz="1600">
-              <a:latin typeface="Osaka−等幅"/>
+              <a:latin typeface="メイリオ"/>
               <a:ea typeface="Osaka−等幅"/>
               <a:cs typeface="HGP創英角ｺﾞｼｯｸUB" pitchFamily="50" charset="-128"/>
             </a:endParaRPr>
@@ -10271,21 +10351,21 @@
             <a:pPr algn="ctr"/>
             <a:r>
               <a:rPr lang="ja-JP" altLang="en-US" sz="1600">
-                <a:latin typeface="Osaka−等幅"/>
+                <a:latin typeface="メイリオ"/>
                 <a:ea typeface="Osaka−等幅"/>
                 <a:cs typeface="HGP創英角ｺﾞｼｯｸUB" pitchFamily="50" charset="-128"/>
               </a:rPr>
               <a:t>インターフェース</a:t>
             </a:r>
             <a:endParaRPr lang="en-US" altLang="ja-JP" sz="1600">
-              <a:latin typeface="Osaka−等幅"/>
+              <a:latin typeface="メイリオ"/>
               <a:ea typeface="Osaka−等幅"/>
               <a:cs typeface="HGP創英角ｺﾞｼｯｸUB" pitchFamily="50" charset="-128"/>
             </a:endParaRPr>
           </a:p>
           <a:p>
             <a:endParaRPr lang="en-US" altLang="ja-JP" sz="1000">
-              <a:latin typeface="Osaka−等幅"/>
+              <a:latin typeface="メイリオ"/>
               <a:ea typeface="Osaka−等幅"/>
               <a:cs typeface="HGP創英角ｺﾞｼｯｸUB" pitchFamily="50" charset="-128"/>
             </a:endParaRPr>
@@ -10293,7 +10373,7 @@
           <a:p>
             <a:r>
               <a:rPr lang="en-US" altLang="ja-JP" sz="1200">
-                <a:latin typeface="Osaka−等幅"/>
+                <a:latin typeface="メイリオ"/>
                 <a:ea typeface="Osaka−等幅"/>
                 <a:cs typeface="HGP創英角ｺﾞｼｯｸUB" pitchFamily="50" charset="-128"/>
               </a:rPr>
@@ -10304,7 +10384,7 @@
                 <a:solidFill>
                   <a:schemeClr val="accent1"/>
                 </a:solidFill>
-                <a:latin typeface="Osaka−等幅"/>
+                <a:latin typeface="メイリオ"/>
                 <a:ea typeface="Osaka−等幅"/>
                 <a:cs typeface="HGP創英角ｺﾞｼｯｸUB" pitchFamily="50" charset="-128"/>
               </a:rPr>
@@ -10314,7 +10394,7 @@
               <a:solidFill>
                 <a:schemeClr val="accent1"/>
               </a:solidFill>
-              <a:latin typeface="Osaka−等幅"/>
+              <a:latin typeface="メイリオ"/>
               <a:ea typeface="Osaka−等幅"/>
               <a:cs typeface="HGP創英角ｺﾞｼｯｸUB" pitchFamily="50" charset="-128"/>
             </a:endParaRPr>
@@ -10325,7 +10405,7 @@
                 <a:solidFill>
                   <a:schemeClr val="accent1"/>
                 </a:solidFill>
-                <a:latin typeface="Osaka−等幅"/>
+                <a:latin typeface="メイリオ"/>
                 <a:ea typeface="Osaka−等幅"/>
                 <a:cs typeface="HGP創英角ｺﾞｼｯｸUB" pitchFamily="50" charset="-128"/>
               </a:rPr>
@@ -10336,7 +10416,7 @@
                 <a:solidFill>
                   <a:schemeClr val="accent1"/>
                 </a:solidFill>
-                <a:latin typeface="Osaka−等幅"/>
+                <a:latin typeface="メイリオ"/>
                 <a:ea typeface="Osaka−等幅"/>
                 <a:cs typeface="HGP創英角ｺﾞｼｯｸUB" pitchFamily="50" charset="-128"/>
               </a:rPr>
@@ -10347,7 +10427,7 @@
                 <a:solidFill>
                   <a:schemeClr val="accent1"/>
                 </a:solidFill>
-                <a:latin typeface="Osaka−等幅"/>
+                <a:latin typeface="メイリオ"/>
                 <a:ea typeface="Osaka−等幅"/>
                 <a:cs typeface="HGP創英角ｺﾞｼｯｸUB" pitchFamily="50" charset="-128"/>
               </a:rPr>
@@ -10397,7 +10477,7 @@
           <a:lstStyle/>
           <a:p>
             <a:endParaRPr lang="ja-JP" altLang="en-US">
-              <a:latin typeface="Goudy Old Style"/>
+              <a:latin typeface="メイリオ"/>
               <a:ea typeface="Osaka−等幅"/>
               <a:cs typeface="Osaka−等幅"/>
             </a:endParaRPr>
@@ -10437,7 +10517,7 @@
           <a:lstStyle/>
           <a:p>
             <a:endParaRPr lang="ja-JP" altLang="en-US">
-              <a:latin typeface="Goudy Old Style"/>
+              <a:latin typeface="メイリオ"/>
               <a:ea typeface="Osaka−等幅"/>
               <a:cs typeface="Osaka−等幅"/>
             </a:endParaRPr>
@@ -10485,7 +10565,7 @@
           <a:lstStyle/>
           <a:p>
             <a:endParaRPr lang="ja-JP" altLang="en-US">
-              <a:latin typeface="Goudy Old Style"/>
+              <a:latin typeface="メイリオ"/>
               <a:ea typeface="Osaka−等幅"/>
               <a:cs typeface="Osaka−等幅"/>
             </a:endParaRPr>
@@ -10533,7 +10613,7 @@
           <a:lstStyle/>
           <a:p>
             <a:endParaRPr lang="ja-JP" altLang="en-US">
-              <a:latin typeface="Goudy Old Style"/>
+              <a:latin typeface="メイリオ"/>
               <a:ea typeface="Osaka−等幅"/>
               <a:cs typeface="Osaka−等幅"/>
             </a:endParaRPr>
@@ -10573,7 +10653,7 @@
             <a:pPr algn="ctr"/>
             <a:r>
               <a:rPr lang="ja-JP" altLang="en-US" sz="1600">
-                <a:latin typeface="Osaka−等幅"/>
+                <a:latin typeface="メイリオ"/>
                 <a:ea typeface="Osaka−等幅"/>
                 <a:cs typeface="HGP創英角ｺﾞｼｯｸUB" pitchFamily="50" charset="-128"/>
               </a:rPr>
@@ -10581,7 +10661,7 @@
             </a:r>
             <a:r>
               <a:rPr lang="en-US" altLang="ja-JP" sz="1600">
-                <a:latin typeface="Osaka−等幅"/>
+                <a:latin typeface="メイリオ"/>
                 <a:ea typeface="Osaka−等幅"/>
                 <a:cs typeface="HGP創英角ｺﾞｼｯｸUB" pitchFamily="50" charset="-128"/>
               </a:rPr>
@@ -10589,7 +10669,7 @@
             </a:r>
             <a:r>
               <a:rPr lang="ja-JP" altLang="en-US" sz="1600">
-                <a:latin typeface="Osaka−等幅"/>
+                <a:latin typeface="メイリオ"/>
                 <a:ea typeface="Osaka−等幅"/>
                 <a:cs typeface="HGP創英角ｺﾞｼｯｸUB" pitchFamily="50" charset="-128"/>
               </a:rPr>
@@ -10600,21 +10680,21 @@
             <a:pPr algn="ctr"/>
             <a:r>
               <a:rPr lang="ja-JP" altLang="en-US" sz="1600">
-                <a:latin typeface="Osaka−等幅"/>
+                <a:latin typeface="メイリオ"/>
                 <a:ea typeface="Osaka−等幅"/>
                 <a:cs typeface="HGP創英角ｺﾞｼｯｸUB" pitchFamily="50" charset="-128"/>
               </a:rPr>
               <a:t>明確な線引き</a:t>
             </a:r>
             <a:endParaRPr lang="en-US" altLang="ja-JP" sz="1600">
-              <a:latin typeface="Osaka−等幅"/>
+              <a:latin typeface="メイリオ"/>
               <a:ea typeface="Osaka−等幅"/>
               <a:cs typeface="HGP創英角ｺﾞｼｯｸUB" pitchFamily="50" charset="-128"/>
             </a:endParaRPr>
           </a:p>
           <a:p>
             <a:endParaRPr lang="en-US" altLang="ja-JP" sz="1000">
-              <a:latin typeface="Osaka−等幅"/>
+              <a:latin typeface="メイリオ"/>
               <a:ea typeface="Osaka−等幅"/>
               <a:cs typeface="HGP創英角ｺﾞｼｯｸUB" pitchFamily="50" charset="-128"/>
             </a:endParaRPr>
@@ -10622,7 +10702,7 @@
           <a:p>
             <a:r>
               <a:rPr lang="en-US" altLang="ja-JP" sz="1200">
-                <a:latin typeface="Osaka−等幅"/>
+                <a:latin typeface="メイリオ"/>
                 <a:ea typeface="Osaka−等幅"/>
                 <a:cs typeface="HGP創英角ｺﾞｼｯｸUB" pitchFamily="50" charset="-128"/>
               </a:rPr>
@@ -10630,21 +10710,21 @@
             </a:r>
             <a:r>
               <a:rPr lang="ja-JP" altLang="en-US" sz="1200">
-                <a:latin typeface="Osaka−等幅"/>
+                <a:latin typeface="メイリオ"/>
                 <a:ea typeface="Osaka−等幅"/>
                 <a:cs typeface="HGP創英角ｺﾞｼｯｸUB" pitchFamily="50" charset="-128"/>
               </a:rPr>
               <a:t>やれることが限られている</a:t>
             </a:r>
             <a:endParaRPr lang="en-US" altLang="ja-JP" sz="1200">
-              <a:latin typeface="Osaka−等幅"/>
+              <a:latin typeface="メイリオ"/>
               <a:ea typeface="Osaka−等幅"/>
               <a:cs typeface="HGP創英角ｺﾞｼｯｸUB" pitchFamily="50" charset="-128"/>
             </a:endParaRPr>
           </a:p>
           <a:p>
             <a:endParaRPr lang="en-US" altLang="ja-JP" sz="1200">
-              <a:latin typeface="Osaka−等幅"/>
+              <a:latin typeface="メイリオ"/>
               <a:ea typeface="Osaka−等幅"/>
               <a:cs typeface="HGP創英角ｺﾞｼｯｸUB" pitchFamily="50" charset="-128"/>
             </a:endParaRPr>
@@ -10652,7 +10732,7 @@
           <a:p>
             <a:r>
               <a:rPr lang="en-US" altLang="ja-JP" sz="1200">
-                <a:latin typeface="Osaka−等幅"/>
+                <a:latin typeface="メイリオ"/>
                 <a:ea typeface="Osaka−等幅"/>
                 <a:cs typeface="HGP創英角ｺﾞｼｯｸUB" pitchFamily="50" charset="-128"/>
               </a:rPr>
@@ -10660,14 +10740,14 @@
             </a:r>
             <a:r>
               <a:rPr lang="ja-JP" altLang="en-US" sz="1200">
-                <a:latin typeface="Osaka−等幅"/>
+                <a:latin typeface="メイリオ"/>
                 <a:ea typeface="Osaka−等幅"/>
                 <a:cs typeface="HGP創英角ｺﾞｼｯｸUB" pitchFamily="50" charset="-128"/>
               </a:rPr>
               <a:t>方針がなくてもバラバラ</a:t>
             </a:r>
             <a:endParaRPr lang="en-US" altLang="ja-JP" sz="1200">
-              <a:latin typeface="Osaka−等幅"/>
+              <a:latin typeface="メイリオ"/>
               <a:ea typeface="Osaka−等幅"/>
               <a:cs typeface="HGP創英角ｺﾞｼｯｸUB" pitchFamily="50" charset="-128"/>
             </a:endParaRPr>
@@ -10675,21 +10755,21 @@
           <a:p>
             <a:r>
               <a:rPr lang="ja-JP" altLang="en-US" sz="1200">
-                <a:latin typeface="Osaka−等幅"/>
+                <a:latin typeface="メイリオ"/>
                 <a:ea typeface="Osaka−等幅"/>
                 <a:cs typeface="HGP創英角ｺﾞｼｯｸUB" pitchFamily="50" charset="-128"/>
               </a:rPr>
               <a:t>　実装にはなりにくい</a:t>
             </a:r>
             <a:endParaRPr lang="en-US" altLang="ja-JP" sz="1200">
-              <a:latin typeface="Osaka−等幅"/>
+              <a:latin typeface="メイリオ"/>
               <a:ea typeface="Osaka−等幅"/>
               <a:cs typeface="HGP創英角ｺﾞｼｯｸUB" pitchFamily="50" charset="-128"/>
             </a:endParaRPr>
           </a:p>
           <a:p>
             <a:endParaRPr lang="ja-JP" altLang="en-US" sz="1200">
-              <a:latin typeface="Osaka−等幅"/>
+              <a:latin typeface="メイリオ"/>
               <a:ea typeface="Osaka−等幅"/>
               <a:cs typeface="HGP創英角ｺﾞｼｯｸUB" pitchFamily="50" charset="-128"/>
             </a:endParaRPr>
@@ -10731,7 +10811,7 @@
           <a:p>
             <a:r>
               <a:rPr lang="en-US" altLang="ja-JP" sz="1400">
-                <a:latin typeface="Osaka−等幅"/>
+                <a:latin typeface="メイリオ"/>
                 <a:ea typeface="Osaka−等幅"/>
                 <a:cs typeface="HGP創英角ｺﾞｼｯｸUB" pitchFamily="50" charset="-128"/>
               </a:rPr>
@@ -10739,7 +10819,7 @@
             </a:r>
             <a:r>
               <a:rPr lang="ja-JP" altLang="en-US" sz="1400">
-                <a:latin typeface="Osaka−等幅"/>
+                <a:latin typeface="メイリオ"/>
                 <a:ea typeface="Osaka−等幅"/>
                 <a:cs typeface="HGP創英角ｺﾞｼｯｸUB" pitchFamily="50" charset="-128"/>
               </a:rPr>
@@ -10747,7 +10827,7 @@
             </a:r>
             <a:r>
               <a:rPr lang="en-US" altLang="ja-JP" sz="1400">
-                <a:latin typeface="Osaka−等幅"/>
+                <a:latin typeface="メイリオ"/>
                 <a:ea typeface="Osaka−等幅"/>
                 <a:cs typeface="HGP創英角ｺﾞｼｯｸUB" pitchFamily="50" charset="-128"/>
               </a:rPr>
@@ -10757,7 +10837,7 @@
           <a:p>
             <a:r>
               <a:rPr lang="ja-JP" altLang="en-US" sz="1000">
-                <a:latin typeface="Osaka−等幅"/>
+                <a:latin typeface="メイリオ"/>
                 <a:ea typeface="Osaka−等幅"/>
                 <a:cs typeface="HGP創英角ｺﾞｼｯｸUB" pitchFamily="50" charset="-128"/>
               </a:rPr>
@@ -10765,7 +10845,7 @@
             </a:r>
             <a:r>
               <a:rPr lang="en-US" altLang="ja-JP" sz="1000">
-                <a:latin typeface="Osaka−等幅"/>
+                <a:latin typeface="メイリオ"/>
                 <a:ea typeface="Osaka−等幅"/>
                 <a:cs typeface="HGP創英角ｺﾞｼｯｸUB" pitchFamily="50" charset="-128"/>
               </a:rPr>
@@ -10773,14 +10853,14 @@
             </a:r>
             <a:r>
               <a:rPr lang="ja-JP" altLang="en-US" sz="1000">
-                <a:latin typeface="Osaka−等幅"/>
+                <a:latin typeface="メイリオ"/>
                 <a:ea typeface="Osaka−等幅"/>
                 <a:cs typeface="HGP創英角ｺﾞｼｯｸUB" pitchFamily="50" charset="-128"/>
               </a:rPr>
               <a:t>を</a:t>
             </a:r>
             <a:endParaRPr lang="en-US" altLang="ja-JP" sz="1000">
-              <a:latin typeface="Osaka−等幅"/>
+              <a:latin typeface="メイリオ"/>
               <a:ea typeface="Osaka−等幅"/>
               <a:cs typeface="HGP創英角ｺﾞｼｯｸUB" pitchFamily="50" charset="-128"/>
             </a:endParaRPr>
@@ -10788,7 +10868,7 @@
           <a:p>
             <a:r>
               <a:rPr lang="ja-JP" altLang="en-US" sz="1000">
-                <a:latin typeface="Osaka−等幅"/>
+                <a:latin typeface="メイリオ"/>
                 <a:ea typeface="Osaka−等幅"/>
                 <a:cs typeface="HGP創英角ｺﾞｼｯｸUB" pitchFamily="50" charset="-128"/>
               </a:rPr>
@@ -10807,10 +10887,10 @@
         </p:nvGrpSpPr>
         <p:grpSpPr bwMode="auto">
           <a:xfrm>
-            <a:off x="1689100" y="2179638"/>
-            <a:ext cx="5662613" cy="631825"/>
-            <a:chOff x="1233" y="1340"/>
-            <a:chExt cx="3381" cy="398"/>
+            <a:off x="1689100" y="2184400"/>
+            <a:ext cx="5662613" cy="627063"/>
+            <a:chOff x="1233" y="1343"/>
+            <a:chExt cx="3381" cy="395"/>
           </a:xfrm>
         </p:grpSpPr>
         <p:grpSp>
@@ -10823,10 +10903,10 @@
           </p:nvGrpSpPr>
           <p:grpSpPr bwMode="auto">
             <a:xfrm>
-              <a:off x="1233" y="1343"/>
-              <a:ext cx="405" cy="395"/>
-              <a:chOff x="1289" y="582"/>
-              <a:chExt cx="668" cy="652"/>
+              <a:off x="1233" y="1346"/>
+              <a:ext cx="405" cy="392"/>
+              <a:chOff x="1289" y="587"/>
+              <a:chExt cx="668" cy="647"/>
             </a:xfrm>
           </p:grpSpPr>
           <p:sp>
@@ -10839,8 +10919,8 @@
             </p:nvSpPr>
             <p:spPr bwMode="gray">
               <a:xfrm>
-                <a:off x="1289" y="582"/>
-                <a:ext cx="668" cy="540"/>
+                <a:off x="1289" y="602"/>
+                <a:ext cx="668" cy="500"/>
               </a:xfrm>
               <a:prstGeom prst="ellipse">
                 <a:avLst/>
@@ -10862,7 +10942,7 @@
               <a:lstStyle/>
               <a:p>
                 <a:endParaRPr lang="ja-JP" altLang="en-US">
-                  <a:latin typeface="Goudy Old Style"/>
+                  <a:latin typeface="メイリオ"/>
                   <a:ea typeface="Osaka−等幅"/>
                   <a:cs typeface="Osaka−等幅"/>
                 </a:endParaRPr>
@@ -10908,7 +10988,7 @@
               <a:lstStyle/>
               <a:p>
                 <a:endParaRPr lang="ja-JP" altLang="en-US">
-                  <a:latin typeface="Goudy Old Style"/>
+                  <a:latin typeface="メイリオ"/>
                   <a:ea typeface="Osaka−等幅"/>
                   <a:cs typeface="Osaka−等幅"/>
                 </a:endParaRPr>
@@ -10956,7 +11036,7 @@
               <a:lstStyle/>
               <a:p>
                 <a:endParaRPr lang="ja-JP" altLang="en-US">
-                  <a:latin typeface="Goudy Old Style"/>
+                  <a:latin typeface="メイリオ"/>
                   <a:ea typeface="Osaka−等幅"/>
                   <a:cs typeface="Osaka−等幅"/>
                 </a:endParaRPr>
@@ -11004,7 +11084,7 @@
               <a:lstStyle/>
               <a:p>
                 <a:endParaRPr lang="ja-JP" altLang="en-US">
-                  <a:latin typeface="Goudy Old Style"/>
+                  <a:latin typeface="メイリオ"/>
                   <a:ea typeface="Osaka−等幅"/>
                   <a:cs typeface="Osaka−等幅"/>
                 </a:endParaRPr>
@@ -11052,7 +11132,7 @@
               <a:lstStyle/>
               <a:p>
                 <a:endParaRPr lang="ja-JP" altLang="en-US">
-                  <a:latin typeface="Goudy Old Style"/>
+                  <a:latin typeface="メイリオ"/>
                   <a:ea typeface="Osaka−等幅"/>
                   <a:cs typeface="Osaka−等幅"/>
                 </a:endParaRPr>
@@ -11071,7 +11151,7 @@
           <p:spPr bwMode="gray">
             <a:xfrm>
               <a:off x="1320" y="1400"/>
-              <a:ext cx="223" cy="288"/>
+              <a:ext cx="212" cy="288"/>
             </a:xfrm>
             <a:prstGeom prst="rect">
               <a:avLst/>
@@ -11096,6 +11176,7 @@
                   <a:solidFill>
                     <a:srgbClr val="000000"/>
                   </a:solidFill>
+                  <a:latin typeface="メイリオ"/>
                   <a:ea typeface="Osaka−等幅"/>
                   <a:cs typeface="Osaka−等幅"/>
                 </a:rPr>
@@ -11114,8 +11195,8 @@
           </p:nvSpPr>
           <p:spPr bwMode="gray">
             <a:xfrm>
-              <a:off x="2721" y="1340"/>
-              <a:ext cx="405" cy="327"/>
+              <a:off x="2721" y="1352"/>
+              <a:ext cx="405" cy="303"/>
             </a:xfrm>
             <a:prstGeom prst="ellipse">
               <a:avLst/>
@@ -11137,7 +11218,7 @@
             <a:lstStyle/>
             <a:p>
               <a:endParaRPr lang="ja-JP" altLang="en-US">
-                <a:latin typeface="Goudy Old Style"/>
+                <a:latin typeface="メイリオ"/>
                 <a:ea typeface="Osaka−等幅"/>
                 <a:cs typeface="Osaka−等幅"/>
               </a:endParaRPr>
@@ -11183,7 +11264,7 @@
             <a:lstStyle/>
             <a:p>
               <a:endParaRPr lang="ja-JP" altLang="en-US">
-                <a:latin typeface="Goudy Old Style"/>
+                <a:latin typeface="メイリオ"/>
                 <a:ea typeface="Osaka−等幅"/>
                 <a:cs typeface="Osaka−等幅"/>
               </a:endParaRPr>
@@ -11231,7 +11312,7 @@
             <a:lstStyle/>
             <a:p>
               <a:endParaRPr lang="ja-JP" altLang="en-US">
-                <a:latin typeface="Goudy Old Style"/>
+                <a:latin typeface="メイリオ"/>
                 <a:ea typeface="Osaka−等幅"/>
                 <a:cs typeface="Osaka−等幅"/>
               </a:endParaRPr>
@@ -11279,7 +11360,7 @@
             <a:lstStyle/>
             <a:p>
               <a:endParaRPr lang="ja-JP" altLang="en-US">
-                <a:latin typeface="Goudy Old Style"/>
+                <a:latin typeface="メイリオ"/>
                 <a:ea typeface="Osaka−等幅"/>
                 <a:cs typeface="Osaka−等幅"/>
               </a:endParaRPr>
@@ -11327,7 +11408,7 @@
             <a:lstStyle/>
             <a:p>
               <a:endParaRPr lang="ja-JP" altLang="en-US">
-                <a:latin typeface="Goudy Old Style"/>
+                <a:latin typeface="メイリオ"/>
                 <a:ea typeface="Osaka−等幅"/>
                 <a:cs typeface="Osaka−等幅"/>
               </a:endParaRPr>
@@ -11345,7 +11426,7 @@
           <p:spPr bwMode="gray">
             <a:xfrm>
               <a:off x="2808" y="1398"/>
-              <a:ext cx="223" cy="288"/>
+              <a:ext cx="212" cy="288"/>
             </a:xfrm>
             <a:prstGeom prst="rect">
               <a:avLst/>
@@ -11370,6 +11451,7 @@
                   <a:solidFill>
                     <a:srgbClr val="000000"/>
                   </a:solidFill>
+                  <a:latin typeface="メイリオ"/>
                   <a:ea typeface="Osaka−等幅"/>
                   <a:cs typeface="Osaka−等幅"/>
                 </a:rPr>
@@ -11388,10 +11470,10 @@
           </p:nvGrpSpPr>
           <p:grpSpPr bwMode="auto">
             <a:xfrm>
-              <a:off x="4209" y="1340"/>
-              <a:ext cx="405" cy="395"/>
-              <a:chOff x="1289" y="582"/>
-              <a:chExt cx="668" cy="652"/>
+              <a:off x="4209" y="1343"/>
+              <a:ext cx="405" cy="392"/>
+              <a:chOff x="1289" y="587"/>
+              <a:chExt cx="668" cy="647"/>
             </a:xfrm>
           </p:grpSpPr>
           <p:sp>
@@ -11404,8 +11486,8 @@
             </p:nvSpPr>
             <p:spPr bwMode="gray">
               <a:xfrm>
-                <a:off x="1289" y="582"/>
-                <a:ext cx="668" cy="540"/>
+                <a:off x="1289" y="602"/>
+                <a:ext cx="668" cy="500"/>
               </a:xfrm>
               <a:prstGeom prst="ellipse">
                 <a:avLst/>
@@ -11427,7 +11509,7 @@
               <a:lstStyle/>
               <a:p>
                 <a:endParaRPr lang="ja-JP" altLang="en-US">
-                  <a:latin typeface="Goudy Old Style"/>
+                  <a:latin typeface="メイリオ"/>
                   <a:ea typeface="Osaka−等幅"/>
                   <a:cs typeface="Osaka−等幅"/>
                 </a:endParaRPr>
@@ -11473,7 +11555,7 @@
               <a:lstStyle/>
               <a:p>
                 <a:endParaRPr lang="ja-JP" altLang="en-US">
-                  <a:latin typeface="Goudy Old Style"/>
+                  <a:latin typeface="メイリオ"/>
                   <a:ea typeface="Osaka−等幅"/>
                   <a:cs typeface="Osaka−等幅"/>
                 </a:endParaRPr>
@@ -11521,7 +11603,7 @@
               <a:lstStyle/>
               <a:p>
                 <a:endParaRPr lang="ja-JP" altLang="en-US">
-                  <a:latin typeface="Goudy Old Style"/>
+                  <a:latin typeface="メイリオ"/>
                   <a:ea typeface="Osaka−等幅"/>
                   <a:cs typeface="Osaka−等幅"/>
                 </a:endParaRPr>
@@ -11569,7 +11651,7 @@
               <a:lstStyle/>
               <a:p>
                 <a:endParaRPr lang="ja-JP" altLang="en-US">
-                  <a:latin typeface="Goudy Old Style"/>
+                  <a:latin typeface="メイリオ"/>
                   <a:ea typeface="Osaka−等幅"/>
                   <a:cs typeface="Osaka−等幅"/>
                 </a:endParaRPr>
@@ -11617,7 +11699,7 @@
               <a:lstStyle/>
               <a:p>
                 <a:endParaRPr lang="ja-JP" altLang="en-US">
-                  <a:latin typeface="Goudy Old Style"/>
+                  <a:latin typeface="メイリオ"/>
                   <a:ea typeface="Osaka−等幅"/>
                   <a:cs typeface="Osaka−等幅"/>
                 </a:endParaRPr>
@@ -11636,7 +11718,7 @@
           <p:spPr bwMode="gray">
             <a:xfrm>
               <a:off x="4296" y="1398"/>
-              <a:ext cx="223" cy="288"/>
+              <a:ext cx="212" cy="288"/>
             </a:xfrm>
             <a:prstGeom prst="rect">
               <a:avLst/>
@@ -11661,6 +11743,7 @@
                   <a:solidFill>
                     <a:srgbClr val="000000"/>
                   </a:solidFill>
+                  <a:latin typeface="メイリオ"/>
                   <a:ea typeface="Osaka−等幅"/>
                   <a:cs typeface="Osaka−等幅"/>
                 </a:rPr>
@@ -11718,7 +11801,7 @@
                 <a:solidFill>
                   <a:srgbClr val="000000"/>
                 </a:solidFill>
-                <a:latin typeface="Osaka−等幅"/>
+                <a:latin typeface="メイリオ"/>
                 <a:ea typeface="Osaka−等幅"/>
                 <a:cs typeface="HGS創英角ｺﾞｼｯｸUB" pitchFamily="50" charset="-128"/>
               </a:rPr>
@@ -11729,7 +11812,7 @@
                 <a:solidFill>
                   <a:srgbClr val="000000"/>
                 </a:solidFill>
-                <a:latin typeface="Osaka−等幅"/>
+                <a:latin typeface="メイリオ"/>
                 <a:ea typeface="Osaka−等幅"/>
                 <a:cs typeface="HGS創英角ｺﾞｼｯｸUB" pitchFamily="50" charset="-128"/>
               </a:rPr>
@@ -11740,7 +11823,7 @@
                 <a:solidFill>
                   <a:srgbClr val="000000"/>
                 </a:solidFill>
-                <a:latin typeface="Osaka−等幅"/>
+                <a:latin typeface="メイリオ"/>
                 <a:ea typeface="Osaka−等幅"/>
                 <a:cs typeface="HGS創英角ｺﾞｼｯｸUB" pitchFamily="50" charset="-128"/>
               </a:rPr>
@@ -11751,7 +11834,7 @@
                 <a:solidFill>
                   <a:srgbClr val="000000"/>
                 </a:solidFill>
-                <a:latin typeface="Osaka−等幅"/>
+                <a:latin typeface="メイリオ"/>
                 <a:ea typeface="Osaka−等幅"/>
                 <a:cs typeface="HGS創英角ｺﾞｼｯｸUB" pitchFamily="50" charset="-128"/>
               </a:rPr>
@@ -11813,18 +11896,9 @@
           <a:bodyPr wrap="none" anchor="ctr"/>
           <a:lstStyle/>
           <a:p>
-            <a:pPr fontAlgn="auto">
-              <a:spcBef>
-                <a:spcPts val="0"/>
-              </a:spcBef>
-              <a:spcAft>
-                <a:spcPts val="0"/>
-              </a:spcAft>
-              <a:defRPr/>
-            </a:pPr>
             <a:r>
               <a:rPr lang="en-US" altLang="ja-JP" sz="1400">
-                <a:latin typeface="Osaka−等幅"/>
+                <a:latin typeface="メイリオ"/>
                 <a:ea typeface="Osaka−等幅"/>
                 <a:cs typeface="HGP創英角ｺﾞｼｯｸUB" pitchFamily="50" charset="-128"/>
               </a:rPr>
@@ -11832,7 +11906,7 @@
             </a:r>
             <a:r>
               <a:rPr lang="ja-JP" altLang="en-US" sz="1400">
-                <a:latin typeface="Osaka−等幅"/>
+                <a:latin typeface="メイリオ"/>
                 <a:ea typeface="Osaka−等幅"/>
                 <a:cs typeface="HGP創英角ｺﾞｼｯｸUB" pitchFamily="50" charset="-128"/>
               </a:rPr>
@@ -11840,7 +11914,7 @@
             </a:r>
             <a:r>
               <a:rPr lang="en-US" altLang="ja-JP" sz="1400">
-                <a:latin typeface="Osaka−等幅"/>
+                <a:latin typeface="メイリオ"/>
                 <a:ea typeface="Osaka−等幅"/>
                 <a:cs typeface="HGP創英角ｺﾞｼｯｸUB" pitchFamily="50" charset="-128"/>
               </a:rPr>
@@ -11848,58 +11922,31 @@
             </a:r>
           </a:p>
           <a:p>
-            <a:pPr fontAlgn="auto">
-              <a:spcBef>
-                <a:spcPts val="0"/>
-              </a:spcBef>
-              <a:spcAft>
-                <a:spcPts val="0"/>
-              </a:spcAft>
-              <a:defRPr/>
-            </a:pPr>
             <a:endParaRPr lang="en-US" altLang="ja-JP" sz="800">
-              <a:latin typeface="Osaka−等幅"/>
+              <a:latin typeface="メイリオ"/>
               <a:ea typeface="Osaka−等幅"/>
               <a:cs typeface="HGP創英角ｺﾞｼｯｸUB" pitchFamily="50" charset="-128"/>
             </a:endParaRPr>
           </a:p>
           <a:p>
-            <a:pPr fontAlgn="auto">
-              <a:spcBef>
-                <a:spcPts val="0"/>
-              </a:spcBef>
-              <a:spcAft>
-                <a:spcPts val="0"/>
-              </a:spcAft>
-              <a:defRPr/>
-            </a:pPr>
             <a:r>
               <a:rPr lang="ja-JP" altLang="en-US" sz="1200">
-                <a:latin typeface="Osaka−等幅"/>
+                <a:latin typeface="メイリオ"/>
                 <a:ea typeface="Osaka−等幅"/>
                 <a:cs typeface="HGP創英角ｺﾞｼｯｸUB" pitchFamily="50" charset="-128"/>
               </a:rPr>
               <a:t>想定外コストはデバッグ作業で発生する。</a:t>
             </a:r>
             <a:endParaRPr lang="en-US" altLang="ja-JP" sz="1200">
-              <a:latin typeface="Osaka−等幅"/>
+              <a:latin typeface="メイリオ"/>
               <a:ea typeface="Osaka−等幅"/>
               <a:cs typeface="HGP創英角ｺﾞｼｯｸUB" pitchFamily="50" charset="-128"/>
             </a:endParaRPr>
           </a:p>
           <a:p>
-            <a:pPr fontAlgn="auto">
-              <a:spcBef>
-                <a:spcPts val="0"/>
-              </a:spcBef>
-              <a:spcAft>
-                <a:spcPts val="0"/>
-              </a:spcAft>
-              <a:defRPr/>
-            </a:pPr>
             <a:r>
               <a:rPr lang="en-US" altLang="ja-JP" sz="1200">
-                <a:latin typeface="Osaka−等幅"/>
+                <a:latin typeface="メイリオ"/>
                 <a:ea typeface="Osaka−等幅"/>
                 <a:cs typeface="HGP創英角ｺﾞｼｯｸUB" pitchFamily="50" charset="-128"/>
               </a:rPr>
@@ -11907,18 +11954,9 @@
             </a:r>
           </a:p>
           <a:p>
-            <a:pPr fontAlgn="auto">
-              <a:spcBef>
-                <a:spcPts val="0"/>
-              </a:spcBef>
-              <a:spcAft>
-                <a:spcPts val="0"/>
-              </a:spcAft>
-              <a:defRPr/>
-            </a:pPr>
             <a:r>
               <a:rPr lang="ja-JP" altLang="en-US" sz="1200">
-                <a:latin typeface="Osaka−等幅"/>
+                <a:latin typeface="メイリオ"/>
                 <a:ea typeface="Osaka−等幅"/>
                 <a:cs typeface="HGP創英角ｺﾞｼｯｸUB" pitchFamily="50" charset="-128"/>
               </a:rPr>
@@ -11974,6 +12012,7 @@
           <a:bodyPr/>
           <a:lstStyle/>
           <a:p>
+            <a:pPr eaLnBrk="1" hangingPunct="1"/>
             <a:r>
               <a:rPr lang="ja-JP" altLang="en-US" smtClean="0">
                 <a:latin typeface="Times New Roman" pitchFamily="18" charset="0"/>
@@ -11994,7 +12033,7 @@
       </p:sp>
       <p:sp>
         <p:nvSpPr>
-          <p:cNvPr id="25620" name="AutoShape 39"/>
+          <p:cNvPr id="25602" name="AutoShape 39"/>
           <p:cNvSpPr>
             <a:spLocks noChangeArrowheads="1"/>
           </p:cNvSpPr>
@@ -12040,7 +12079,7 @@
                 <a:solidFill>
                   <a:srgbClr val="000000"/>
                 </a:solidFill>
-                <a:latin typeface="Osaka−等幅"/>
+                <a:latin typeface="メイリオ"/>
                 <a:ea typeface="Osaka−等幅"/>
                 <a:cs typeface="HGS創英角ｺﾞｼｯｸUB" pitchFamily="50" charset="-128"/>
               </a:rPr>
@@ -12051,7 +12090,7 @@
                 <a:solidFill>
                   <a:srgbClr val="000000"/>
                 </a:solidFill>
-                <a:latin typeface="Osaka−等幅"/>
+                <a:latin typeface="メイリオ"/>
                 <a:ea typeface="Osaka−等幅"/>
                 <a:cs typeface="HGS創英角ｺﾞｼｯｸUB" pitchFamily="50" charset="-128"/>
               </a:rPr>
@@ -12062,7 +12101,7 @@
                 <a:solidFill>
                   <a:srgbClr val="000000"/>
                 </a:solidFill>
-                <a:latin typeface="Osaka−等幅"/>
+                <a:latin typeface="メイリオ"/>
                 <a:ea typeface="Osaka−等幅"/>
                 <a:cs typeface="HGS創英角ｺﾞｼｯｸUB" pitchFamily="50" charset="-128"/>
               </a:rPr>
@@ -12073,7 +12112,7 @@
       </p:sp>
       <p:sp>
         <p:nvSpPr>
-          <p:cNvPr id="25664" name="AutoShape 86"/>
+          <p:cNvPr id="25603" name="AutoShape 86"/>
           <p:cNvSpPr>
             <a:spLocks noChangeArrowheads="1"/>
           </p:cNvSpPr>
@@ -12112,7 +12151,7 @@
           <a:lstStyle/>
           <a:p>
             <a:endParaRPr lang="ja-JP" altLang="en-US">
-              <a:latin typeface="Goudy Old Style"/>
+              <a:latin typeface="メイリオ"/>
               <a:ea typeface="Osaka−等幅"/>
               <a:cs typeface="Osaka−等幅"/>
             </a:endParaRPr>
@@ -12121,7 +12160,7 @@
       </p:sp>
       <p:sp>
         <p:nvSpPr>
-          <p:cNvPr id="25665" name="AutoShape 87"/>
+          <p:cNvPr id="25604" name="AutoShape 87"/>
           <p:cNvSpPr>
             <a:spLocks noChangeArrowheads="1"/>
           </p:cNvSpPr>
@@ -12152,7 +12191,7 @@
           <a:lstStyle/>
           <a:p>
             <a:endParaRPr lang="ja-JP" altLang="en-US">
-              <a:latin typeface="Goudy Old Style"/>
+              <a:latin typeface="メイリオ"/>
               <a:ea typeface="Osaka−等幅"/>
               <a:cs typeface="Osaka−等幅"/>
             </a:endParaRPr>
@@ -12161,7 +12200,7 @@
       </p:sp>
       <p:sp>
         <p:nvSpPr>
-          <p:cNvPr id="25666" name="AutoShape 88"/>
+          <p:cNvPr id="25605" name="AutoShape 88"/>
           <p:cNvSpPr>
             <a:spLocks noChangeArrowheads="1"/>
           </p:cNvSpPr>
@@ -12202,7 +12241,7 @@
           <a:lstStyle/>
           <a:p>
             <a:endParaRPr lang="ja-JP" altLang="en-US">
-              <a:latin typeface="Goudy Old Style"/>
+              <a:latin typeface="メイリオ"/>
               <a:ea typeface="Osaka−等幅"/>
               <a:cs typeface="Osaka−等幅"/>
             </a:endParaRPr>
@@ -12211,7 +12250,7 @@
       </p:sp>
       <p:sp>
         <p:nvSpPr>
-          <p:cNvPr id="25667" name="AutoShape 89"/>
+          <p:cNvPr id="25606" name="AutoShape 89"/>
           <p:cNvSpPr>
             <a:spLocks noChangeArrowheads="1"/>
           </p:cNvSpPr>
@@ -12252,7 +12291,7 @@
           <a:lstStyle/>
           <a:p>
             <a:endParaRPr lang="ja-JP" altLang="en-US">
-              <a:latin typeface="Goudy Old Style"/>
+              <a:latin typeface="メイリオ"/>
               <a:ea typeface="Osaka−等幅"/>
               <a:cs typeface="Osaka−等幅"/>
             </a:endParaRPr>
@@ -12261,7 +12300,7 @@
       </p:sp>
       <p:sp>
         <p:nvSpPr>
-          <p:cNvPr id="25668" name="Text Box 99"/>
+          <p:cNvPr id="25607" name="Text Box 99"/>
           <p:cNvSpPr txBox="1">
             <a:spLocks noChangeArrowheads="1"/>
           </p:cNvSpPr>
@@ -12270,7 +12309,7 @@
         <p:spPr bwMode="gray">
           <a:xfrm>
             <a:off x="914400" y="2982913"/>
-            <a:ext cx="2300288" cy="1281112"/>
+            <a:ext cx="2300288" cy="1098550"/>
           </a:xfrm>
           <a:prstGeom prst="rect">
             <a:avLst/>
@@ -12295,7 +12334,7 @@
                 <a:solidFill>
                   <a:srgbClr val="000000"/>
                 </a:solidFill>
-                <a:latin typeface="Osaka−等幅"/>
+                <a:latin typeface="メイリオ"/>
                 <a:ea typeface="Osaka−等幅"/>
                 <a:cs typeface="HGP創英角ｺﾞｼｯｸUB" pitchFamily="50" charset="-128"/>
               </a:rPr>
@@ -12309,7 +12348,7 @@
                 <a:solidFill>
                   <a:srgbClr val="000000"/>
                 </a:solidFill>
-                <a:latin typeface="Osaka−等幅"/>
+                <a:latin typeface="メイリオ"/>
                 <a:ea typeface="Osaka−等幅"/>
                 <a:cs typeface="HGP創英角ｺﾞｼｯｸUB" pitchFamily="50" charset="-128"/>
               </a:rPr>
@@ -12319,7 +12358,7 @@
               <a:solidFill>
                 <a:srgbClr val="000000"/>
               </a:solidFill>
-              <a:latin typeface="Osaka−等幅"/>
+              <a:latin typeface="メイリオ"/>
               <a:ea typeface="Osaka−等幅"/>
               <a:cs typeface="HGP創英角ｺﾞｼｯｸUB" pitchFamily="50" charset="-128"/>
             </a:endParaRPr>
@@ -12330,7 +12369,7 @@
               <a:solidFill>
                 <a:srgbClr val="000000"/>
               </a:solidFill>
-              <a:latin typeface="Osaka−等幅"/>
+              <a:latin typeface="メイリオ"/>
               <a:ea typeface="Osaka−等幅"/>
               <a:cs typeface="HGP創英角ｺﾞｼｯｸUB" pitchFamily="50" charset="-128"/>
             </a:endParaRPr>
@@ -12342,7 +12381,7 @@
                 <a:solidFill>
                   <a:srgbClr val="000000"/>
                 </a:solidFill>
-                <a:latin typeface="Osaka−等幅"/>
+                <a:latin typeface="メイリオ"/>
                 <a:ea typeface="Osaka−等幅"/>
                 <a:cs typeface="HGP創英角ｺﾞｼｯｸUB" pitchFamily="50" charset="-128"/>
               </a:rPr>
@@ -12353,17 +12392,31 @@
                 <a:solidFill>
                   <a:srgbClr val="000000"/>
                 </a:solidFill>
-                <a:latin typeface="Osaka−等幅"/>
+                <a:latin typeface="メイリオ"/>
                 <a:ea typeface="Osaka−等幅"/>
                 <a:cs typeface="HGP創英角ｺﾞｼｯｸUB" pitchFamily="50" charset="-128"/>
               </a:rPr>
-              <a:t>タイプセーフでない領域なのでデバッグ向上のためにとても重要</a:t>
+              <a:t>タイプセーフでないので</a:t>
+            </a:r>
+          </a:p>
+          <a:p>
+            <a:pPr eaLnBrk="0" hangingPunct="0"/>
+            <a:r>
+              <a:rPr kumimoji="0" lang="ja-JP" altLang="en-US" sz="1200">
+                <a:solidFill>
+                  <a:srgbClr val="000000"/>
+                </a:solidFill>
+                <a:latin typeface="メイリオ"/>
+                <a:ea typeface="Osaka−等幅"/>
+                <a:cs typeface="HGP創英角ｺﾞｼｯｸUB" pitchFamily="50" charset="-128"/>
+              </a:rPr>
+              <a:t>　デバッグのためにとても重要</a:t>
             </a:r>
             <a:endParaRPr kumimoji="0" lang="en-US" altLang="ja-JP" sz="1200">
               <a:solidFill>
                 <a:srgbClr val="000000"/>
               </a:solidFill>
-              <a:latin typeface="Osaka−等幅"/>
+              <a:latin typeface="メイリオ"/>
               <a:ea typeface="Osaka−等幅"/>
               <a:cs typeface="HGP創英角ｺﾞｼｯｸUB" pitchFamily="50" charset="-128"/>
             </a:endParaRPr>
@@ -12372,7 +12425,7 @@
       </p:sp>
       <p:sp>
         <p:nvSpPr>
-          <p:cNvPr id="25669" name="AutoShape 101"/>
+          <p:cNvPr id="25608" name="AutoShape 101"/>
           <p:cNvSpPr>
             <a:spLocks noChangeArrowheads="1"/>
           </p:cNvSpPr>
@@ -12411,7 +12464,7 @@
           <a:lstStyle/>
           <a:p>
             <a:endParaRPr lang="ja-JP" altLang="en-US">
-              <a:latin typeface="Goudy Old Style"/>
+              <a:latin typeface="メイリオ"/>
               <a:ea typeface="Osaka−等幅"/>
               <a:cs typeface="Osaka−等幅"/>
             </a:endParaRPr>
@@ -12420,7 +12473,7 @@
       </p:sp>
       <p:sp>
         <p:nvSpPr>
-          <p:cNvPr id="25670" name="AutoShape 102"/>
+          <p:cNvPr id="25609" name="AutoShape 102"/>
           <p:cNvSpPr>
             <a:spLocks noChangeArrowheads="1"/>
           </p:cNvSpPr>
@@ -12451,7 +12504,7 @@
           <a:lstStyle/>
           <a:p>
             <a:endParaRPr lang="ja-JP" altLang="en-US">
-              <a:latin typeface="Goudy Old Style"/>
+              <a:latin typeface="メイリオ"/>
               <a:ea typeface="Osaka−等幅"/>
               <a:cs typeface="Osaka−等幅"/>
             </a:endParaRPr>
@@ -12460,7 +12513,7 @@
       </p:sp>
       <p:sp>
         <p:nvSpPr>
-          <p:cNvPr id="25671" name="AutoShape 103"/>
+          <p:cNvPr id="25610" name="AutoShape 103"/>
           <p:cNvSpPr>
             <a:spLocks noChangeArrowheads="1"/>
           </p:cNvSpPr>
@@ -12499,7 +12552,7 @@
           <a:lstStyle/>
           <a:p>
             <a:endParaRPr lang="ja-JP" altLang="en-US">
-              <a:latin typeface="Goudy Old Style"/>
+              <a:latin typeface="メイリオ"/>
               <a:ea typeface="Osaka−等幅"/>
               <a:cs typeface="Osaka−等幅"/>
             </a:endParaRPr>
@@ -12508,7 +12561,7 @@
       </p:sp>
       <p:sp>
         <p:nvSpPr>
-          <p:cNvPr id="25672" name="AutoShape 104"/>
+          <p:cNvPr id="25611" name="AutoShape 104"/>
           <p:cNvSpPr>
             <a:spLocks noChangeArrowheads="1"/>
           </p:cNvSpPr>
@@ -12547,7 +12600,7 @@
           <a:lstStyle/>
           <a:p>
             <a:endParaRPr lang="ja-JP" altLang="en-US">
-              <a:latin typeface="Goudy Old Style"/>
+              <a:latin typeface="メイリオ"/>
               <a:ea typeface="Osaka−等幅"/>
               <a:cs typeface="Osaka−等幅"/>
             </a:endParaRPr>
@@ -12556,7 +12609,7 @@
       </p:sp>
       <p:sp>
         <p:nvSpPr>
-          <p:cNvPr id="25673" name="Text Box 111"/>
+          <p:cNvPr id="25612" name="Text Box 111"/>
           <p:cNvSpPr txBox="1">
             <a:spLocks noChangeArrowheads="1"/>
           </p:cNvSpPr>
@@ -12565,7 +12618,7 @@
         <p:spPr bwMode="gray">
           <a:xfrm>
             <a:off x="3343275" y="2974975"/>
-            <a:ext cx="2365375" cy="1463675"/>
+            <a:ext cx="2365375" cy="1828800"/>
           </a:xfrm>
           <a:prstGeom prst="rect">
             <a:avLst/>
@@ -12587,7 +12640,7 @@
             <a:pPr algn="ctr"/>
             <a:r>
               <a:rPr lang="ja-JP" altLang="en-US" sz="1600">
-                <a:latin typeface="Osaka−等幅"/>
+                <a:latin typeface="メイリオ"/>
                 <a:ea typeface="Osaka−等幅"/>
                 <a:cs typeface="HGP創英角ｺﾞｼｯｸUB" pitchFamily="50" charset="-128"/>
               </a:rPr>
@@ -12598,21 +12651,21 @@
             <a:pPr algn="ctr"/>
             <a:r>
               <a:rPr lang="ja-JP" altLang="en-US" sz="1600">
-                <a:latin typeface="Osaka−等幅"/>
+                <a:latin typeface="メイリオ"/>
                 <a:ea typeface="Osaka−等幅"/>
                 <a:cs typeface="HGP創英角ｺﾞｼｯｸUB" pitchFamily="50" charset="-128"/>
               </a:rPr>
               <a:t>を自動生成</a:t>
             </a:r>
             <a:endParaRPr lang="en-US" altLang="ja-JP" sz="1600">
-              <a:latin typeface="Osaka−等幅"/>
+              <a:latin typeface="メイリオ"/>
               <a:ea typeface="Osaka−等幅"/>
               <a:cs typeface="HGP創英角ｺﾞｼｯｸUB" pitchFamily="50" charset="-128"/>
             </a:endParaRPr>
           </a:p>
           <a:p>
             <a:endParaRPr lang="en-US" altLang="ja-JP" sz="1000">
-              <a:latin typeface="Osaka−等幅"/>
+              <a:latin typeface="メイリオ"/>
               <a:ea typeface="Osaka−等幅"/>
               <a:cs typeface="HGP創英角ｺﾞｼｯｸUB" pitchFamily="50" charset="-128"/>
             </a:endParaRPr>
@@ -12620,7 +12673,7 @@
           <a:p>
             <a:r>
               <a:rPr lang="en-US" altLang="ja-JP" sz="1200">
-                <a:latin typeface="Osaka−等幅"/>
+                <a:latin typeface="メイリオ"/>
                 <a:ea typeface="Osaka−等幅"/>
                 <a:cs typeface="HGP創英角ｺﾞｼｯｸUB" pitchFamily="50" charset="-128"/>
               </a:rPr>
@@ -12628,7 +12681,7 @@
             </a:r>
             <a:r>
               <a:rPr lang="ja-JP" altLang="en-US" sz="1200">
-                <a:latin typeface="Osaka−等幅"/>
+                <a:latin typeface="メイリオ"/>
                 <a:ea typeface="Osaka−等幅"/>
                 <a:cs typeface="HGP創英角ｺﾞｼｯｸUB" pitchFamily="50" charset="-128"/>
               </a:rPr>
@@ -12638,7 +12691,7 @@
           <a:p>
             <a:r>
               <a:rPr lang="ja-JP" altLang="en-US" sz="1200">
-                <a:latin typeface="Osaka−等幅"/>
+                <a:latin typeface="メイリオ"/>
                 <a:ea typeface="Osaka−等幅"/>
                 <a:cs typeface="HGP創英角ｺﾞｼｯｸUB" pitchFamily="50" charset="-128"/>
               </a:rPr>
@@ -12647,7 +12700,7 @@
           </a:p>
           <a:p>
             <a:endParaRPr lang="ja-JP" altLang="en-US" sz="1200">
-              <a:latin typeface="Osaka−等幅"/>
+              <a:latin typeface="メイリオ"/>
               <a:ea typeface="Osaka−等幅"/>
               <a:cs typeface="HGP創英角ｺﾞｼｯｸUB" pitchFamily="50" charset="-128"/>
             </a:endParaRPr>
@@ -12655,7 +12708,7 @@
           <a:p>
             <a:r>
               <a:rPr lang="ja-JP" altLang="en-US" sz="1200">
-                <a:latin typeface="Osaka−等幅"/>
+                <a:latin typeface="メイリオ"/>
                 <a:ea typeface="Osaka−等幅"/>
                 <a:cs typeface="HGP創英角ｺﾞｼｯｸUB" pitchFamily="50" charset="-128"/>
               </a:rPr>
@@ -12666,26 +12719,57 @@
                 <a:solidFill>
                   <a:schemeClr val="accent1"/>
                 </a:solidFill>
-                <a:latin typeface="Osaka−等幅"/>
+                <a:latin typeface="メイリオ"/>
                 <a:ea typeface="Osaka−等幅"/>
                 <a:cs typeface="HGP創英角ｺﾞｼｯｸUB" pitchFamily="50" charset="-128"/>
               </a:rPr>
               <a:t>マッピングミス発生しない</a:t>
             </a:r>
-            <a:endParaRPr lang="en-US" altLang="ja-JP" sz="1200" b="1">
-              <a:solidFill>
-                <a:schemeClr val="accent1"/>
-              </a:solidFill>
-              <a:latin typeface="Osaka−等幅"/>
+          </a:p>
+          <a:p>
+            <a:endParaRPr lang="en-US" altLang="ja-JP" sz="1200">
+              <a:latin typeface="メイリオ"/>
               <a:ea typeface="Osaka−等幅"/>
               <a:cs typeface="HGP創英角ｺﾞｼｯｸUB" pitchFamily="50" charset="-128"/>
             </a:endParaRPr>
+          </a:p>
+          <a:p>
+            <a:r>
+              <a:rPr lang="ja-JP" altLang="en-US" sz="1200">
+                <a:latin typeface="メイリオ"/>
+                <a:ea typeface="Osaka−等幅"/>
+                <a:cs typeface="HGP創英角ｺﾞｼｯｸUB" pitchFamily="50" charset="-128"/>
+              </a:rPr>
+              <a:t>■</a:t>
+            </a:r>
+            <a:r>
+              <a:rPr lang="en-US" altLang="ja-JP" sz="1200" b="1">
+                <a:solidFill>
+                  <a:schemeClr val="accent1"/>
+                </a:solidFill>
+                <a:latin typeface="メイリオ"/>
+                <a:ea typeface="Osaka−等幅"/>
+                <a:cs typeface="HGP創英角ｺﾞｼｯｸUB" pitchFamily="50" charset="-128"/>
+              </a:rPr>
+              <a:t>SQL</a:t>
+            </a:r>
+            <a:r>
+              <a:rPr lang="ja-JP" altLang="en-US" sz="1200" b="1">
+                <a:solidFill>
+                  <a:schemeClr val="accent1"/>
+                </a:solidFill>
+                <a:latin typeface="メイリオ"/>
+                <a:ea typeface="Osaka−等幅"/>
+                <a:cs typeface="HGP創英角ｺﾞｼｯｸUB" pitchFamily="50" charset="-128"/>
+              </a:rPr>
+              <a:t>の文法チェックになる</a:t>
+            </a:r>
           </a:p>
         </p:txBody>
       </p:sp>
       <p:sp>
         <p:nvSpPr>
-          <p:cNvPr id="25674" name="AutoShape 115"/>
+          <p:cNvPr id="25613" name="AutoShape 115"/>
           <p:cNvSpPr>
             <a:spLocks noChangeArrowheads="1"/>
           </p:cNvSpPr>
@@ -12724,7 +12808,7 @@
           <a:lstStyle/>
           <a:p>
             <a:endParaRPr lang="ja-JP" altLang="en-US">
-              <a:latin typeface="Goudy Old Style"/>
+              <a:latin typeface="メイリオ"/>
               <a:ea typeface="Osaka−等幅"/>
               <a:cs typeface="Osaka−等幅"/>
             </a:endParaRPr>
@@ -12733,7 +12817,7 @@
       </p:sp>
       <p:sp>
         <p:nvSpPr>
-          <p:cNvPr id="25675" name="AutoShape 116"/>
+          <p:cNvPr id="25614" name="AutoShape 116"/>
           <p:cNvSpPr>
             <a:spLocks noChangeArrowheads="1"/>
           </p:cNvSpPr>
@@ -12764,7 +12848,7 @@
           <a:lstStyle/>
           <a:p>
             <a:endParaRPr lang="ja-JP" altLang="en-US">
-              <a:latin typeface="Goudy Old Style"/>
+              <a:latin typeface="メイリオ"/>
               <a:ea typeface="Osaka−等幅"/>
               <a:cs typeface="Osaka−等幅"/>
             </a:endParaRPr>
@@ -12773,7 +12857,7 @@
       </p:sp>
       <p:sp>
         <p:nvSpPr>
-          <p:cNvPr id="25676" name="AutoShape 117"/>
+          <p:cNvPr id="25615" name="AutoShape 117"/>
           <p:cNvSpPr>
             <a:spLocks noChangeArrowheads="1"/>
           </p:cNvSpPr>
@@ -12812,7 +12896,7 @@
           <a:lstStyle/>
           <a:p>
             <a:endParaRPr lang="ja-JP" altLang="en-US">
-              <a:latin typeface="Goudy Old Style"/>
+              <a:latin typeface="メイリオ"/>
               <a:ea typeface="Osaka−等幅"/>
               <a:cs typeface="Osaka−等幅"/>
             </a:endParaRPr>
@@ -12821,7 +12905,7 @@
       </p:sp>
       <p:sp>
         <p:nvSpPr>
-          <p:cNvPr id="25677" name="AutoShape 118"/>
+          <p:cNvPr id="25616" name="AutoShape 118"/>
           <p:cNvSpPr>
             <a:spLocks noChangeArrowheads="1"/>
           </p:cNvSpPr>
@@ -12860,7 +12944,7 @@
           <a:lstStyle/>
           <a:p>
             <a:endParaRPr lang="ja-JP" altLang="en-US">
-              <a:latin typeface="Goudy Old Style"/>
+              <a:latin typeface="メイリオ"/>
               <a:ea typeface="Osaka−等幅"/>
               <a:cs typeface="Osaka−等幅"/>
             </a:endParaRPr>
@@ -12869,7 +12953,7 @@
       </p:sp>
       <p:sp>
         <p:nvSpPr>
-          <p:cNvPr id="25678" name="Text Box 126"/>
+          <p:cNvPr id="25617" name="Text Box 126"/>
           <p:cNvSpPr txBox="1">
             <a:spLocks noChangeArrowheads="1"/>
           </p:cNvSpPr>
@@ -12900,7 +12984,7 @@
             <a:pPr algn="ctr"/>
             <a:r>
               <a:rPr lang="en-US" altLang="ja-JP" sz="1600">
-                <a:latin typeface="Osaka−等幅"/>
+                <a:latin typeface="メイリオ"/>
                 <a:ea typeface="Osaka−等幅"/>
                 <a:cs typeface="HGP創英角ｺﾞｼｯｸUB" pitchFamily="50" charset="-128"/>
               </a:rPr>
@@ -12908,32 +12992,32 @@
             </a:r>
             <a:r>
               <a:rPr lang="ja-JP" altLang="en-US" sz="1600">
-                <a:latin typeface="Osaka−等幅"/>
+                <a:latin typeface="メイリオ"/>
                 <a:ea typeface="Osaka−等幅"/>
                 <a:cs typeface="HGP創英角ｺﾞｼｯｸUB" pitchFamily="50" charset="-128"/>
               </a:rPr>
-              <a:t>指定が</a:t>
+              <a:t>ファイル指定が</a:t>
             </a:r>
           </a:p>
           <a:p>
             <a:pPr algn="ctr"/>
             <a:r>
               <a:rPr lang="ja-JP" altLang="en-US" sz="1600">
-                <a:latin typeface="Osaka−等幅"/>
+                <a:latin typeface="メイリオ"/>
                 <a:ea typeface="Osaka−等幅"/>
                 <a:cs typeface="HGP創英角ｺﾞｼｯｸUB" pitchFamily="50" charset="-128"/>
               </a:rPr>
               <a:t>タイプセーフ</a:t>
             </a:r>
             <a:endParaRPr lang="en-US" altLang="ja-JP" sz="1600">
-              <a:latin typeface="Osaka−等幅"/>
+              <a:latin typeface="メイリオ"/>
               <a:ea typeface="Osaka−等幅"/>
               <a:cs typeface="HGP創英角ｺﾞｼｯｸUB" pitchFamily="50" charset="-128"/>
             </a:endParaRPr>
           </a:p>
           <a:p>
             <a:endParaRPr lang="en-US" altLang="ja-JP" sz="1000">
-              <a:latin typeface="Osaka−等幅"/>
+              <a:latin typeface="メイリオ"/>
               <a:ea typeface="Osaka−等幅"/>
               <a:cs typeface="HGP創英角ｺﾞｼｯｸUB" pitchFamily="50" charset="-128"/>
             </a:endParaRPr>
@@ -12941,7 +13025,7 @@
           <a:p>
             <a:r>
               <a:rPr lang="en-US" altLang="ja-JP" sz="1200">
-                <a:latin typeface="Osaka−等幅"/>
+                <a:latin typeface="メイリオ"/>
                 <a:ea typeface="Osaka−等幅"/>
                 <a:cs typeface="HGP創英角ｺﾞｼｯｸUB" pitchFamily="50" charset="-128"/>
               </a:rPr>
@@ -12949,7 +13033,7 @@
             </a:r>
             <a:r>
               <a:rPr lang="ja-JP" altLang="en-US" sz="1200">
-                <a:latin typeface="Osaka−等幅"/>
+                <a:latin typeface="メイリオ"/>
                 <a:ea typeface="Osaka−等幅"/>
                 <a:cs typeface="HGP創英角ｺﾞｼｯｸUB" pitchFamily="50" charset="-128"/>
               </a:rPr>
@@ -12959,16 +13043,16 @@
           <a:p>
             <a:r>
               <a:rPr lang="ja-JP" altLang="en-US" sz="1200">
-                <a:latin typeface="Osaka−等幅"/>
+                <a:latin typeface="メイリオ"/>
                 <a:ea typeface="Osaka−等幅"/>
                 <a:cs typeface="HGP創英角ｺﾞｼｯｸUB" pitchFamily="50" charset="-128"/>
               </a:rPr>
-              <a:t>　定義を自動生成</a:t>
+              <a:t>　パス定義を自動生成</a:t>
             </a:r>
           </a:p>
           <a:p>
             <a:endParaRPr lang="en-US" altLang="ja-JP" sz="1200">
-              <a:latin typeface="Osaka−等幅"/>
+              <a:latin typeface="メイリオ"/>
               <a:ea typeface="Osaka−等幅"/>
               <a:cs typeface="HGP創英角ｺﾞｼｯｸUB" pitchFamily="50" charset="-128"/>
             </a:endParaRPr>
@@ -12976,7 +13060,7 @@
           <a:p>
             <a:r>
               <a:rPr lang="en-US" altLang="ja-JP" sz="1200">
-                <a:latin typeface="Osaka−等幅"/>
+                <a:latin typeface="メイリオ"/>
                 <a:ea typeface="Osaka−等幅"/>
                 <a:cs typeface="HGP創英角ｺﾞｼｯｸUB" pitchFamily="50" charset="-128"/>
               </a:rPr>
@@ -12987,7 +13071,7 @@
                 <a:solidFill>
                   <a:schemeClr val="accent1"/>
                 </a:solidFill>
-                <a:latin typeface="Osaka−等幅"/>
+                <a:latin typeface="メイリオ"/>
                 <a:ea typeface="Osaka−等幅"/>
                 <a:cs typeface="HGP創英角ｺﾞｼｯｸUB" pitchFamily="50" charset="-128"/>
               </a:rPr>
@@ -12998,11 +13082,11 @@
                 <a:solidFill>
                   <a:schemeClr val="accent1"/>
                 </a:solidFill>
-                <a:latin typeface="Osaka−等幅"/>
+                <a:latin typeface="メイリオ"/>
                 <a:ea typeface="Osaka−等幅"/>
                 <a:cs typeface="HGP創英角ｺﾞｼｯｸUB" pitchFamily="50" charset="-128"/>
               </a:rPr>
-              <a:t>ファイルが無いエラー</a:t>
+              <a:t>ファイルがないエラー</a:t>
             </a:r>
           </a:p>
           <a:p>
@@ -13011,7 +13095,7 @@
                 <a:solidFill>
                   <a:schemeClr val="accent1"/>
                 </a:solidFill>
-                <a:latin typeface="Osaka−等幅"/>
+                <a:latin typeface="メイリオ"/>
                 <a:ea typeface="Osaka−等幅"/>
                 <a:cs typeface="HGP創英角ｺﾞｼｯｸUB" pitchFamily="50" charset="-128"/>
               </a:rPr>
@@ -13020,7 +13104,7 @@
           </a:p>
           <a:p>
             <a:endParaRPr lang="ja-JP" altLang="en-US" sz="1200">
-              <a:latin typeface="Osaka−等幅"/>
+              <a:latin typeface="メイリオ"/>
               <a:ea typeface="Osaka−等幅"/>
               <a:cs typeface="HGP創英角ｺﾞｼｯｸUB" pitchFamily="50" charset="-128"/>
             </a:endParaRPr>
@@ -13029,7 +13113,7 @@
       </p:sp>
       <p:grpSp>
         <p:nvGrpSpPr>
-          <p:cNvPr id="25680" name="Group 131"/>
+          <p:cNvPr id="25618" name="Group 131"/>
           <p:cNvGrpSpPr>
             <a:grpSpLocks/>
           </p:cNvGrpSpPr>
@@ -13037,15 +13121,15 @@
         </p:nvGrpSpPr>
         <p:grpSpPr bwMode="auto">
           <a:xfrm>
-            <a:off x="1689100" y="2179638"/>
-            <a:ext cx="5662613" cy="631825"/>
-            <a:chOff x="1233" y="1340"/>
-            <a:chExt cx="3381" cy="398"/>
+            <a:off x="1689100" y="2184400"/>
+            <a:ext cx="5662613" cy="627063"/>
+            <a:chOff x="1233" y="1343"/>
+            <a:chExt cx="3381" cy="395"/>
           </a:xfrm>
         </p:grpSpPr>
         <p:grpSp>
           <p:nvGrpSpPr>
-            <p:cNvPr id="25681" name="Group 92"/>
+            <p:cNvPr id="25619" name="Group 92"/>
             <p:cNvGrpSpPr>
               <a:grpSpLocks/>
             </p:cNvGrpSpPr>
@@ -13053,15 +13137,15 @@
           </p:nvGrpSpPr>
           <p:grpSpPr bwMode="auto">
             <a:xfrm>
-              <a:off x="1233" y="1343"/>
-              <a:ext cx="405" cy="395"/>
-              <a:chOff x="1289" y="582"/>
-              <a:chExt cx="668" cy="652"/>
+              <a:off x="1233" y="1346"/>
+              <a:ext cx="405" cy="392"/>
+              <a:chOff x="1289" y="587"/>
+              <a:chExt cx="668" cy="647"/>
             </a:xfrm>
           </p:grpSpPr>
           <p:sp>
             <p:nvSpPr>
-              <p:cNvPr id="25682" name="Oval 93"/>
+              <p:cNvPr id="25634" name="Oval 93"/>
               <p:cNvSpPr>
                 <a:spLocks noChangeArrowheads="1"/>
               </p:cNvSpPr>
@@ -13069,8 +13153,8 @@
             </p:nvSpPr>
             <p:spPr bwMode="gray">
               <a:xfrm>
-                <a:off x="1289" y="582"/>
-                <a:ext cx="668" cy="540"/>
+                <a:off x="1289" y="602"/>
+                <a:ext cx="668" cy="500"/>
               </a:xfrm>
               <a:prstGeom prst="ellipse">
                 <a:avLst/>
@@ -13092,7 +13176,7 @@
               <a:lstStyle/>
               <a:p>
                 <a:endParaRPr lang="ja-JP" altLang="en-US">
-                  <a:latin typeface="Goudy Old Style"/>
+                  <a:latin typeface="メイリオ"/>
                   <a:ea typeface="Osaka−等幅"/>
                   <a:cs typeface="Osaka−等幅"/>
                 </a:endParaRPr>
@@ -13101,7 +13185,7 @@
           </p:sp>
           <p:sp>
             <p:nvSpPr>
-              <p:cNvPr id="25683" name="Oval 94"/>
+              <p:cNvPr id="25635" name="Oval 94"/>
               <p:cNvSpPr>
                 <a:spLocks noChangeArrowheads="1"/>
               </p:cNvSpPr>
@@ -13138,7 +13222,7 @@
               <a:lstStyle/>
               <a:p>
                 <a:endParaRPr lang="ja-JP" altLang="en-US">
-                  <a:latin typeface="Goudy Old Style"/>
+                  <a:latin typeface="メイリオ"/>
                   <a:ea typeface="Osaka−等幅"/>
                   <a:cs typeface="Osaka−等幅"/>
                 </a:endParaRPr>
@@ -13147,7 +13231,7 @@
           </p:sp>
           <p:sp>
             <p:nvSpPr>
-              <p:cNvPr id="25684" name="Oval 95"/>
+              <p:cNvPr id="25636" name="Oval 95"/>
               <p:cNvSpPr>
                 <a:spLocks noChangeArrowheads="1"/>
               </p:cNvSpPr>
@@ -13186,7 +13270,7 @@
               <a:lstStyle/>
               <a:p>
                 <a:endParaRPr lang="ja-JP" altLang="en-US">
-                  <a:latin typeface="Goudy Old Style"/>
+                  <a:latin typeface="メイリオ"/>
                   <a:ea typeface="Osaka−等幅"/>
                   <a:cs typeface="Osaka−等幅"/>
                 </a:endParaRPr>
@@ -13195,7 +13279,7 @@
           </p:sp>
           <p:sp>
             <p:nvSpPr>
-              <p:cNvPr id="25685" name="Oval 96"/>
+              <p:cNvPr id="25637" name="Oval 96"/>
               <p:cNvSpPr>
                 <a:spLocks noChangeArrowheads="1"/>
               </p:cNvSpPr>
@@ -13234,7 +13318,7 @@
               <a:lstStyle/>
               <a:p>
                 <a:endParaRPr lang="ja-JP" altLang="en-US">
-                  <a:latin typeface="Goudy Old Style"/>
+                  <a:latin typeface="メイリオ"/>
                   <a:ea typeface="Osaka−等幅"/>
                   <a:cs typeface="Osaka−等幅"/>
                 </a:endParaRPr>
@@ -13243,7 +13327,7 @@
           </p:sp>
           <p:sp>
             <p:nvSpPr>
-              <p:cNvPr id="25686" name="Oval 97"/>
+              <p:cNvPr id="25638" name="Oval 97"/>
               <p:cNvSpPr>
                 <a:spLocks noChangeArrowheads="1"/>
               </p:cNvSpPr>
@@ -13282,7 +13366,7 @@
               <a:lstStyle/>
               <a:p>
                 <a:endParaRPr lang="ja-JP" altLang="en-US">
-                  <a:latin typeface="Goudy Old Style"/>
+                  <a:latin typeface="メイリオ"/>
                   <a:ea typeface="Osaka−等幅"/>
                   <a:cs typeface="Osaka−等幅"/>
                 </a:endParaRPr>
@@ -13292,7 +13376,7 @@
         </p:grpSp>
         <p:sp>
           <p:nvSpPr>
-            <p:cNvPr id="25687" name="Text Box 98"/>
+            <p:cNvPr id="25620" name="Text Box 98"/>
             <p:cNvSpPr txBox="1">
               <a:spLocks noChangeArrowheads="1"/>
             </p:cNvSpPr>
@@ -13301,7 +13385,7 @@
           <p:spPr bwMode="gray">
             <a:xfrm>
               <a:off x="1320" y="1400"/>
-              <a:ext cx="223" cy="288"/>
+              <a:ext cx="212" cy="288"/>
             </a:xfrm>
             <a:prstGeom prst="rect">
               <a:avLst/>
@@ -13326,6 +13410,7 @@
                   <a:solidFill>
                     <a:srgbClr val="000000"/>
                   </a:solidFill>
+                  <a:latin typeface="メイリオ"/>
                   <a:ea typeface="Osaka−等幅"/>
                   <a:cs typeface="Osaka−等幅"/>
                 </a:rPr>
@@ -13336,7 +13421,7 @@
         </p:sp>
         <p:sp>
           <p:nvSpPr>
-            <p:cNvPr id="25688" name="Oval 105"/>
+            <p:cNvPr id="25621" name="Oval 105"/>
             <p:cNvSpPr>
               <a:spLocks noChangeArrowheads="1"/>
             </p:cNvSpPr>
@@ -13344,8 +13429,8 @@
           </p:nvSpPr>
           <p:spPr bwMode="gray">
             <a:xfrm>
-              <a:off x="2721" y="1340"/>
-              <a:ext cx="405" cy="327"/>
+              <a:off x="2721" y="1352"/>
+              <a:ext cx="405" cy="303"/>
             </a:xfrm>
             <a:prstGeom prst="ellipse">
               <a:avLst/>
@@ -13367,7 +13452,7 @@
             <a:lstStyle/>
             <a:p>
               <a:endParaRPr lang="ja-JP" altLang="en-US">
-                <a:latin typeface="Goudy Old Style"/>
+                <a:latin typeface="メイリオ"/>
                 <a:ea typeface="Osaka−等幅"/>
                 <a:cs typeface="Osaka−等幅"/>
               </a:endParaRPr>
@@ -13376,7 +13461,7 @@
         </p:sp>
         <p:sp>
           <p:nvSpPr>
-            <p:cNvPr id="25689" name="Oval 106"/>
+            <p:cNvPr id="25622" name="Oval 106"/>
             <p:cNvSpPr>
               <a:spLocks noChangeArrowheads="1"/>
             </p:cNvSpPr>
@@ -13413,7 +13498,7 @@
             <a:lstStyle/>
             <a:p>
               <a:endParaRPr lang="ja-JP" altLang="en-US">
-                <a:latin typeface="Goudy Old Style"/>
+                <a:latin typeface="メイリオ"/>
                 <a:ea typeface="Osaka−等幅"/>
                 <a:cs typeface="Osaka−等幅"/>
               </a:endParaRPr>
@@ -13422,7 +13507,7 @@
         </p:sp>
         <p:sp>
           <p:nvSpPr>
-            <p:cNvPr id="25690" name="Oval 107"/>
+            <p:cNvPr id="25623" name="Oval 107"/>
             <p:cNvSpPr>
               <a:spLocks noChangeArrowheads="1"/>
             </p:cNvSpPr>
@@ -13461,7 +13546,7 @@
             <a:lstStyle/>
             <a:p>
               <a:endParaRPr lang="ja-JP" altLang="en-US">
-                <a:latin typeface="Goudy Old Style"/>
+                <a:latin typeface="メイリオ"/>
                 <a:ea typeface="Osaka−等幅"/>
                 <a:cs typeface="Osaka−等幅"/>
               </a:endParaRPr>
@@ -13470,7 +13555,7 @@
         </p:sp>
         <p:sp>
           <p:nvSpPr>
-            <p:cNvPr id="25691" name="Oval 108"/>
+            <p:cNvPr id="25624" name="Oval 108"/>
             <p:cNvSpPr>
               <a:spLocks noChangeArrowheads="1"/>
             </p:cNvSpPr>
@@ -13509,7 +13594,7 @@
             <a:lstStyle/>
             <a:p>
               <a:endParaRPr lang="ja-JP" altLang="en-US">
-                <a:latin typeface="Goudy Old Style"/>
+                <a:latin typeface="メイリオ"/>
                 <a:ea typeface="Osaka−等幅"/>
                 <a:cs typeface="Osaka−等幅"/>
               </a:endParaRPr>
@@ -13518,7 +13603,7 @@
         </p:sp>
         <p:sp>
           <p:nvSpPr>
-            <p:cNvPr id="25692" name="Oval 109"/>
+            <p:cNvPr id="25625" name="Oval 109"/>
             <p:cNvSpPr>
               <a:spLocks noChangeArrowheads="1"/>
             </p:cNvSpPr>
@@ -13557,7 +13642,7 @@
             <a:lstStyle/>
             <a:p>
               <a:endParaRPr lang="ja-JP" altLang="en-US">
-                <a:latin typeface="Goudy Old Style"/>
+                <a:latin typeface="メイリオ"/>
                 <a:ea typeface="Osaka−等幅"/>
                 <a:cs typeface="Osaka−等幅"/>
               </a:endParaRPr>
@@ -13566,7 +13651,7 @@
         </p:sp>
         <p:sp>
           <p:nvSpPr>
-            <p:cNvPr id="25693" name="Text Box 110"/>
+            <p:cNvPr id="25626" name="Text Box 110"/>
             <p:cNvSpPr txBox="1">
               <a:spLocks noChangeArrowheads="1"/>
             </p:cNvSpPr>
@@ -13575,7 +13660,7 @@
           <p:spPr bwMode="gray">
             <a:xfrm>
               <a:off x="2808" y="1398"/>
-              <a:ext cx="223" cy="288"/>
+              <a:ext cx="212" cy="288"/>
             </a:xfrm>
             <a:prstGeom prst="rect">
               <a:avLst/>
@@ -13600,6 +13685,7 @@
                   <a:solidFill>
                     <a:srgbClr val="000000"/>
                   </a:solidFill>
+                  <a:latin typeface="メイリオ"/>
                   <a:ea typeface="Osaka−等幅"/>
                   <a:cs typeface="Osaka−等幅"/>
                 </a:rPr>
@@ -13610,7 +13696,7 @@
         </p:sp>
         <p:grpSp>
           <p:nvGrpSpPr>
-            <p:cNvPr id="25694" name="Group 119"/>
+            <p:cNvPr id="25627" name="Group 119"/>
             <p:cNvGrpSpPr>
               <a:grpSpLocks/>
             </p:cNvGrpSpPr>
@@ -13618,15 +13704,15 @@
           </p:nvGrpSpPr>
           <p:grpSpPr bwMode="auto">
             <a:xfrm>
-              <a:off x="4209" y="1340"/>
-              <a:ext cx="405" cy="395"/>
-              <a:chOff x="1289" y="582"/>
-              <a:chExt cx="668" cy="652"/>
+              <a:off x="4209" y="1343"/>
+              <a:ext cx="405" cy="392"/>
+              <a:chOff x="1289" y="587"/>
+              <a:chExt cx="668" cy="647"/>
             </a:xfrm>
           </p:grpSpPr>
           <p:sp>
             <p:nvSpPr>
-              <p:cNvPr id="25695" name="Oval 120"/>
+              <p:cNvPr id="25629" name="Oval 120"/>
               <p:cNvSpPr>
                 <a:spLocks noChangeArrowheads="1"/>
               </p:cNvSpPr>
@@ -13634,8 +13720,8 @@
             </p:nvSpPr>
             <p:spPr bwMode="gray">
               <a:xfrm>
-                <a:off x="1289" y="582"/>
-                <a:ext cx="668" cy="540"/>
+                <a:off x="1289" y="602"/>
+                <a:ext cx="668" cy="500"/>
               </a:xfrm>
               <a:prstGeom prst="ellipse">
                 <a:avLst/>
@@ -13657,7 +13743,7 @@
               <a:lstStyle/>
               <a:p>
                 <a:endParaRPr lang="ja-JP" altLang="en-US">
-                  <a:latin typeface="Goudy Old Style"/>
+                  <a:latin typeface="メイリオ"/>
                   <a:ea typeface="Osaka−等幅"/>
                   <a:cs typeface="Osaka−等幅"/>
                 </a:endParaRPr>
@@ -13666,7 +13752,7 @@
           </p:sp>
           <p:sp>
             <p:nvSpPr>
-              <p:cNvPr id="25696" name="Oval 121"/>
+              <p:cNvPr id="25630" name="Oval 121"/>
               <p:cNvSpPr>
                 <a:spLocks noChangeArrowheads="1"/>
               </p:cNvSpPr>
@@ -13703,7 +13789,7 @@
               <a:lstStyle/>
               <a:p>
                 <a:endParaRPr lang="ja-JP" altLang="en-US">
-                  <a:latin typeface="Goudy Old Style"/>
+                  <a:latin typeface="メイリオ"/>
                   <a:ea typeface="Osaka−等幅"/>
                   <a:cs typeface="Osaka−等幅"/>
                 </a:endParaRPr>
@@ -13712,7 +13798,7 @@
           </p:sp>
           <p:sp>
             <p:nvSpPr>
-              <p:cNvPr id="25697" name="Oval 122"/>
+              <p:cNvPr id="25631" name="Oval 122"/>
               <p:cNvSpPr>
                 <a:spLocks noChangeArrowheads="1"/>
               </p:cNvSpPr>
@@ -13751,7 +13837,7 @@
               <a:lstStyle/>
               <a:p>
                 <a:endParaRPr lang="ja-JP" altLang="en-US">
-                  <a:latin typeface="Goudy Old Style"/>
+                  <a:latin typeface="メイリオ"/>
                   <a:ea typeface="Osaka−等幅"/>
                   <a:cs typeface="Osaka−等幅"/>
                 </a:endParaRPr>
@@ -13760,7 +13846,7 @@
           </p:sp>
           <p:sp>
             <p:nvSpPr>
-              <p:cNvPr id="25698" name="Oval 123"/>
+              <p:cNvPr id="25632" name="Oval 123"/>
               <p:cNvSpPr>
                 <a:spLocks noChangeArrowheads="1"/>
               </p:cNvSpPr>
@@ -13799,7 +13885,7 @@
               <a:lstStyle/>
               <a:p>
                 <a:endParaRPr lang="ja-JP" altLang="en-US">
-                  <a:latin typeface="Goudy Old Style"/>
+                  <a:latin typeface="メイリオ"/>
                   <a:ea typeface="Osaka−等幅"/>
                   <a:cs typeface="Osaka−等幅"/>
                 </a:endParaRPr>
@@ -13808,7 +13894,7 @@
           </p:sp>
           <p:sp>
             <p:nvSpPr>
-              <p:cNvPr id="25699" name="Oval 124"/>
+              <p:cNvPr id="25633" name="Oval 124"/>
               <p:cNvSpPr>
                 <a:spLocks noChangeArrowheads="1"/>
               </p:cNvSpPr>
@@ -13847,7 +13933,7 @@
               <a:lstStyle/>
               <a:p>
                 <a:endParaRPr lang="ja-JP" altLang="en-US">
-                  <a:latin typeface="Goudy Old Style"/>
+                  <a:latin typeface="メイリオ"/>
                   <a:ea typeface="Osaka−等幅"/>
                   <a:cs typeface="Osaka−等幅"/>
                 </a:endParaRPr>
@@ -13857,7 +13943,7 @@
         </p:grpSp>
         <p:sp>
           <p:nvSpPr>
-            <p:cNvPr id="25700" name="Text Box 125"/>
+            <p:cNvPr id="25628" name="Text Box 125"/>
             <p:cNvSpPr txBox="1">
               <a:spLocks noChangeArrowheads="1"/>
             </p:cNvSpPr>
@@ -13866,7 +13952,7 @@
           <p:spPr bwMode="gray">
             <a:xfrm>
               <a:off x="4296" y="1398"/>
-              <a:ext cx="223" cy="288"/>
+              <a:ext cx="212" cy="288"/>
             </a:xfrm>
             <a:prstGeom prst="rect">
               <a:avLst/>
@@ -13891,6 +13977,7 @@
                   <a:solidFill>
                     <a:srgbClr val="000000"/>
                   </a:solidFill>
+                  <a:latin typeface="メイリオ"/>
                   <a:ea typeface="Osaka−等幅"/>
                   <a:cs typeface="Osaka−等幅"/>
                 </a:rPr>
@@ -13947,6 +14034,7 @@
           <a:bodyPr/>
           <a:lstStyle/>
           <a:p>
+            <a:pPr eaLnBrk="1" hangingPunct="1"/>
             <a:r>
               <a:rPr lang="ja-JP" altLang="en-US" smtClean="0"/>
               <a:t>現場指向機能</a:t>
@@ -14002,7 +14090,7 @@
                 <a:solidFill>
                   <a:srgbClr val="000000"/>
                 </a:solidFill>
-                <a:latin typeface="Osaka−等幅"/>
+                <a:latin typeface="メイリオ"/>
                 <a:ea typeface="Osaka−等幅"/>
                 <a:cs typeface="HGS創英角ｺﾞｼｯｸUB" pitchFamily="50" charset="-128"/>
               </a:rPr>
@@ -14013,7 +14101,7 @@
                 <a:solidFill>
                   <a:srgbClr val="000000"/>
                 </a:solidFill>
-                <a:latin typeface="Osaka−等幅"/>
+                <a:latin typeface="メイリオ"/>
                 <a:ea typeface="Osaka−等幅"/>
                 <a:cs typeface="HGS創英角ｺﾞｼｯｸUB" pitchFamily="50" charset="-128"/>
               </a:rPr>
@@ -14088,7 +14176,7 @@
                   <a:solidFill>
                     <a:srgbClr val="003399"/>
                   </a:solidFill>
-                  <a:latin typeface="Osaka−等幅"/>
+                  <a:latin typeface="メイリオ"/>
                   <a:ea typeface="Osaka−等幅"/>
                   <a:cs typeface="HGP創英角ｺﾞｼｯｸUB" pitchFamily="50" charset="-128"/>
                 </a:rPr>
@@ -14096,7 +14184,7 @@
               </a:r>
               <a:r>
                 <a:rPr lang="ja-JP" altLang="en-US" sz="1600">
-                  <a:latin typeface="Osaka−等幅"/>
+                  <a:latin typeface="メイリオ"/>
                   <a:ea typeface="Osaka−等幅"/>
                   <a:cs typeface="HGP創英角ｺﾞｼｯｸUB" pitchFamily="50" charset="-128"/>
                 </a:rPr>
@@ -14163,7 +14251,7 @@
               <a:lstStyle/>
               <a:p>
                 <a:endParaRPr lang="ja-JP" altLang="en-US">
-                  <a:latin typeface="Goudy Old Style"/>
+                  <a:latin typeface="メイリオ"/>
                   <a:ea typeface="Osaka−等幅"/>
                   <a:cs typeface="Osaka−等幅"/>
                 </a:endParaRPr>
@@ -14212,7 +14300,7 @@
               <a:lstStyle/>
               <a:p>
                 <a:endParaRPr lang="ja-JP" altLang="en-US">
-                  <a:latin typeface="Goudy Old Style"/>
+                  <a:latin typeface="メイリオ"/>
                   <a:ea typeface="Osaka−等幅"/>
                   <a:cs typeface="Osaka−等幅"/>
                 </a:endParaRPr>
@@ -14263,7 +14351,7 @@
               <a:lstStyle/>
               <a:p>
                 <a:endParaRPr lang="ja-JP" altLang="en-US">
-                  <a:latin typeface="Goudy Old Style"/>
+                  <a:latin typeface="メイリオ"/>
                   <a:ea typeface="Osaka−等幅"/>
                   <a:cs typeface="Osaka−等幅"/>
                 </a:endParaRPr>
@@ -14311,7 +14399,7 @@
               <a:lstStyle/>
               <a:p>
                 <a:endParaRPr lang="ja-JP" altLang="en-US">
-                  <a:latin typeface="Goudy Old Style"/>
+                  <a:latin typeface="メイリオ"/>
                   <a:ea typeface="Osaka−等幅"/>
                   <a:cs typeface="Osaka−等幅"/>
                 </a:endParaRPr>
@@ -14362,7 +14450,7 @@
               <a:lstStyle/>
               <a:p>
                 <a:endParaRPr lang="ja-JP" altLang="en-US">
-                  <a:latin typeface="Goudy Old Style"/>
+                  <a:latin typeface="メイリオ"/>
                   <a:ea typeface="Osaka−等幅"/>
                   <a:cs typeface="Osaka−等幅"/>
                 </a:endParaRPr>
@@ -14410,7 +14498,7 @@
               <a:lstStyle/>
               <a:p>
                 <a:endParaRPr lang="ja-JP" altLang="en-US">
-                  <a:latin typeface="Goudy Old Style"/>
+                  <a:latin typeface="メイリオ"/>
                   <a:ea typeface="Osaka−等幅"/>
                   <a:cs typeface="Osaka−等幅"/>
                 </a:endParaRPr>
@@ -14430,9 +14518,9 @@
         <p:grpSpPr bwMode="auto">
           <a:xfrm>
             <a:off x="2276475" y="2952750"/>
-            <a:ext cx="4419600" cy="796925"/>
+            <a:ext cx="4419600" cy="777875"/>
             <a:chOff x="1392" y="1824"/>
-            <a:chExt cx="2784" cy="502"/>
+            <a:chExt cx="2784" cy="490"/>
           </a:xfrm>
         </p:grpSpPr>
         <p:sp>
@@ -14486,7 +14574,7 @@
                   <a:solidFill>
                     <a:srgbClr val="003399"/>
                   </a:solidFill>
-                  <a:latin typeface="Osaka−等幅"/>
+                  <a:latin typeface="メイリオ"/>
                   <a:ea typeface="Osaka−等幅"/>
                   <a:cs typeface="HGP創英角ｺﾞｼｯｸUB" pitchFamily="50" charset="-128"/>
                 </a:rPr>
@@ -14494,7 +14582,7 @@
               </a:r>
               <a:r>
                 <a:rPr lang="ja-JP" altLang="en-US" sz="1600">
-                  <a:latin typeface="Osaka−等幅"/>
+                  <a:latin typeface="メイリオ"/>
                   <a:ea typeface="Osaka−等幅"/>
                   <a:cs typeface="HGP創英角ｺﾞｼｯｸUB" pitchFamily="50" charset="-128"/>
                 </a:rPr>
@@ -14514,9 +14602,9 @@
           <p:grpSpPr bwMode="auto">
             <a:xfrm>
               <a:off x="3966" y="1968"/>
-              <a:ext cx="210" cy="358"/>
+              <a:ext cx="210" cy="346"/>
               <a:chOff x="2078" y="1680"/>
-              <a:chExt cx="1615" cy="3013"/>
+              <a:chExt cx="1615" cy="2912"/>
             </a:xfrm>
           </p:grpSpPr>
           <p:sp>
@@ -14561,7 +14649,7 @@
               <a:lstStyle/>
               <a:p>
                 <a:endParaRPr lang="ja-JP" altLang="en-US">
-                  <a:latin typeface="Goudy Old Style"/>
+                  <a:latin typeface="メイリオ"/>
                   <a:ea typeface="Osaka−等幅"/>
                   <a:cs typeface="Osaka−等幅"/>
                 </a:endParaRPr>
@@ -14610,7 +14698,7 @@
               <a:lstStyle/>
               <a:p>
                 <a:endParaRPr lang="ja-JP" altLang="en-US">
-                  <a:latin typeface="Goudy Old Style"/>
+                  <a:latin typeface="メイリオ"/>
                   <a:ea typeface="Osaka−等幅"/>
                   <a:cs typeface="Osaka−等幅"/>
                 </a:endParaRPr>
@@ -14627,8 +14715,8 @@
             </p:nvSpPr>
             <p:spPr bwMode="gray">
               <a:xfrm>
-                <a:off x="2254" y="1856"/>
-                <a:ext cx="1258" cy="2752"/>
+                <a:off x="2309" y="1958"/>
+                <a:ext cx="892" cy="2550"/>
               </a:xfrm>
               <a:prstGeom prst="ellipse">
                 <a:avLst/>
@@ -14661,7 +14749,7 @@
               <a:lstStyle/>
               <a:p>
                 <a:endParaRPr lang="ja-JP" altLang="en-US">
-                  <a:latin typeface="Goudy Old Style"/>
+                  <a:latin typeface="メイリオ"/>
                   <a:ea typeface="Osaka−等幅"/>
                   <a:cs typeface="Osaka−等幅"/>
                 </a:endParaRPr>
@@ -14678,8 +14766,8 @@
             </p:nvSpPr>
             <p:spPr bwMode="gray">
               <a:xfrm>
-                <a:off x="2254" y="1856"/>
-                <a:ext cx="1258" cy="2753"/>
+                <a:off x="2309" y="1958"/>
+                <a:ext cx="892" cy="2550"/>
               </a:xfrm>
               <a:prstGeom prst="ellipse">
                 <a:avLst/>
@@ -14709,7 +14797,7 @@
               <a:lstStyle/>
               <a:p>
                 <a:endParaRPr lang="ja-JP" altLang="en-US">
-                  <a:latin typeface="Goudy Old Style"/>
+                  <a:latin typeface="メイリオ"/>
                   <a:ea typeface="Osaka−等幅"/>
                   <a:cs typeface="Osaka−等幅"/>
                 </a:endParaRPr>
@@ -14726,8 +14814,8 @@
             </p:nvSpPr>
             <p:spPr bwMode="gray">
               <a:xfrm>
-                <a:off x="2337" y="1939"/>
-                <a:ext cx="1096" cy="2754"/>
+                <a:off x="2339" y="2042"/>
+                <a:ext cx="1085" cy="2550"/>
               </a:xfrm>
               <a:prstGeom prst="ellipse">
                 <a:avLst/>
@@ -14760,7 +14848,7 @@
               <a:lstStyle/>
               <a:p>
                 <a:endParaRPr lang="ja-JP" altLang="en-US">
-                  <a:latin typeface="Goudy Old Style"/>
+                  <a:latin typeface="メイリオ"/>
                   <a:ea typeface="Osaka−等幅"/>
                   <a:cs typeface="Osaka−等幅"/>
                 </a:endParaRPr>
@@ -14777,8 +14865,8 @@
             </p:nvSpPr>
             <p:spPr bwMode="gray">
               <a:xfrm>
-                <a:off x="2337" y="1939"/>
-                <a:ext cx="1096" cy="2753"/>
+                <a:off x="2339" y="2042"/>
+                <a:ext cx="1085" cy="2549"/>
               </a:xfrm>
               <a:prstGeom prst="ellipse">
                 <a:avLst/>
@@ -14808,7 +14896,7 @@
               <a:lstStyle/>
               <a:p>
                 <a:endParaRPr lang="ja-JP" altLang="en-US">
-                  <a:latin typeface="Goudy Old Style"/>
+                  <a:latin typeface="メイリオ"/>
                   <a:ea typeface="Osaka−等幅"/>
                   <a:cs typeface="Osaka−等幅"/>
                 </a:endParaRPr>
@@ -14828,9 +14916,9 @@
         <p:grpSpPr bwMode="auto">
           <a:xfrm>
             <a:off x="2276475" y="3673475"/>
-            <a:ext cx="4419600" cy="796925"/>
+            <a:ext cx="4419600" cy="777875"/>
             <a:chOff x="1392" y="2256"/>
-            <a:chExt cx="2784" cy="502"/>
+            <a:chExt cx="2784" cy="490"/>
           </a:xfrm>
         </p:grpSpPr>
         <p:sp>
@@ -14883,7 +14971,7 @@
                   <a:solidFill>
                     <a:srgbClr val="003399"/>
                   </a:solidFill>
-                  <a:latin typeface="Osaka−等幅"/>
+                  <a:latin typeface="メイリオ"/>
                   <a:ea typeface="Osaka−等幅"/>
                   <a:cs typeface="HGP創英角ｺﾞｼｯｸUB" pitchFamily="50" charset="-128"/>
                 </a:rPr>
@@ -14891,7 +14979,7 @@
               </a:r>
               <a:r>
                 <a:rPr lang="ja-JP" altLang="en-US" sz="1600">
-                  <a:latin typeface="Osaka−等幅"/>
+                  <a:latin typeface="メイリオ"/>
                   <a:ea typeface="Osaka−等幅"/>
                   <a:cs typeface="HGP創英角ｺﾞｼｯｸUB" pitchFamily="50" charset="-128"/>
                 </a:rPr>
@@ -14911,9 +14999,9 @@
           <p:grpSpPr bwMode="auto">
             <a:xfrm>
               <a:off x="3966" y="2400"/>
-              <a:ext cx="210" cy="358"/>
+              <a:ext cx="210" cy="346"/>
               <a:chOff x="2078" y="1680"/>
-              <a:chExt cx="1615" cy="3013"/>
+              <a:chExt cx="1615" cy="2912"/>
             </a:xfrm>
           </p:grpSpPr>
           <p:sp>
@@ -14958,7 +15046,7 @@
               <a:lstStyle/>
               <a:p>
                 <a:endParaRPr lang="ja-JP" altLang="en-US">
-                  <a:latin typeface="Goudy Old Style"/>
+                  <a:latin typeface="メイリオ"/>
                   <a:ea typeface="Osaka−等幅"/>
                   <a:cs typeface="Osaka−等幅"/>
                 </a:endParaRPr>
@@ -15007,7 +15095,7 @@
               <a:lstStyle/>
               <a:p>
                 <a:endParaRPr lang="ja-JP" altLang="en-US">
-                  <a:latin typeface="Goudy Old Style"/>
+                  <a:latin typeface="メイリオ"/>
                   <a:ea typeface="Osaka−等幅"/>
                   <a:cs typeface="Osaka−等幅"/>
                 </a:endParaRPr>
@@ -15024,8 +15112,8 @@
             </p:nvSpPr>
             <p:spPr bwMode="gray">
               <a:xfrm>
-                <a:off x="2254" y="1856"/>
-                <a:ext cx="1258" cy="2752"/>
+                <a:off x="2309" y="1958"/>
+                <a:ext cx="892" cy="2550"/>
               </a:xfrm>
               <a:prstGeom prst="ellipse">
                 <a:avLst/>
@@ -15058,7 +15146,7 @@
               <a:lstStyle/>
               <a:p>
                 <a:endParaRPr lang="ja-JP" altLang="en-US">
-                  <a:latin typeface="Goudy Old Style"/>
+                  <a:latin typeface="メイリオ"/>
                   <a:ea typeface="Osaka−等幅"/>
                   <a:cs typeface="Osaka−等幅"/>
                 </a:endParaRPr>
@@ -15075,8 +15163,8 @@
             </p:nvSpPr>
             <p:spPr bwMode="gray">
               <a:xfrm>
-                <a:off x="2254" y="1856"/>
-                <a:ext cx="1258" cy="2753"/>
+                <a:off x="2309" y="1958"/>
+                <a:ext cx="892" cy="2550"/>
               </a:xfrm>
               <a:prstGeom prst="ellipse">
                 <a:avLst/>
@@ -15106,7 +15194,7 @@
               <a:lstStyle/>
               <a:p>
                 <a:endParaRPr lang="ja-JP" altLang="en-US">
-                  <a:latin typeface="Goudy Old Style"/>
+                  <a:latin typeface="メイリオ"/>
                   <a:ea typeface="Osaka−等幅"/>
                   <a:cs typeface="Osaka−等幅"/>
                 </a:endParaRPr>
@@ -15123,8 +15211,8 @@
             </p:nvSpPr>
             <p:spPr bwMode="gray">
               <a:xfrm>
-                <a:off x="2337" y="1939"/>
-                <a:ext cx="1096" cy="2754"/>
+                <a:off x="2339" y="2042"/>
+                <a:ext cx="1085" cy="2550"/>
               </a:xfrm>
               <a:prstGeom prst="ellipse">
                 <a:avLst/>
@@ -15157,7 +15245,7 @@
               <a:lstStyle/>
               <a:p>
                 <a:endParaRPr lang="ja-JP" altLang="en-US">
-                  <a:latin typeface="Goudy Old Style"/>
+                  <a:latin typeface="メイリオ"/>
                   <a:ea typeface="Osaka−等幅"/>
                   <a:cs typeface="Osaka−等幅"/>
                 </a:endParaRPr>
@@ -15174,8 +15262,8 @@
             </p:nvSpPr>
             <p:spPr bwMode="gray">
               <a:xfrm>
-                <a:off x="2337" y="1939"/>
-                <a:ext cx="1096" cy="2753"/>
+                <a:off x="2339" y="2042"/>
+                <a:ext cx="1085" cy="2549"/>
               </a:xfrm>
               <a:prstGeom prst="ellipse">
                 <a:avLst/>
@@ -15205,7 +15293,7 @@
               <a:lstStyle/>
               <a:p>
                 <a:endParaRPr lang="ja-JP" altLang="en-US">
-                  <a:latin typeface="Goudy Old Style"/>
+                  <a:latin typeface="メイリオ"/>
                   <a:ea typeface="Osaka−等幅"/>
                   <a:cs typeface="Osaka−等幅"/>
                 </a:endParaRPr>
@@ -15225,9 +15313,9 @@
         <p:grpSpPr bwMode="auto">
           <a:xfrm>
             <a:off x="2276475" y="4394200"/>
-            <a:ext cx="4419600" cy="796925"/>
+            <a:ext cx="4419600" cy="777875"/>
             <a:chOff x="1392" y="2688"/>
-            <a:chExt cx="2784" cy="502"/>
+            <a:chExt cx="2784" cy="490"/>
           </a:xfrm>
         </p:grpSpPr>
         <p:sp>
@@ -15278,7 +15366,7 @@
               <a:pPr eaLnBrk="0" hangingPunct="0"/>
               <a:r>
                 <a:rPr lang="en-US" altLang="ja-JP" sz="1600">
-                  <a:latin typeface="Osaka−等幅"/>
+                  <a:latin typeface="メイリオ"/>
                   <a:ea typeface="Osaka−等幅"/>
                   <a:cs typeface="HGP創英角ｺﾞｼｯｸUB" pitchFamily="50" charset="-128"/>
                 </a:rPr>
@@ -15286,14 +15374,14 @@
               </a:r>
               <a:r>
                 <a:rPr lang="ja-JP" altLang="en-US" sz="1600">
-                  <a:latin typeface="Osaka−等幅"/>
+                  <a:latin typeface="メイリオ"/>
                   <a:ea typeface="Osaka−等幅"/>
                   <a:cs typeface="HGP創英角ｺﾞｼｯｸUB" pitchFamily="50" charset="-128"/>
                 </a:rPr>
                 <a:t>の実行・テストデータの登録の自動</a:t>
               </a:r>
               <a:endParaRPr lang="en-US" altLang="ja-JP" sz="1600">
-                <a:latin typeface="Osaka−等幅"/>
+                <a:latin typeface="メイリオ"/>
                 <a:ea typeface="Osaka−等幅"/>
                 <a:cs typeface="HGP創英角ｺﾞｼｯｸUB" pitchFamily="50" charset="-128"/>
               </a:endParaRPr>
@@ -15302,7 +15390,7 @@
               <a:pPr eaLnBrk="0" hangingPunct="0"/>
               <a:r>
                 <a:rPr lang="en-US" altLang="ja-JP" sz="1000">
-                  <a:latin typeface="Osaka−等幅"/>
+                  <a:latin typeface="メイリオ"/>
                   <a:ea typeface="Osaka−等幅"/>
                   <a:cs typeface="HGP創英角ｺﾞｼｯｸUB" pitchFamily="50" charset="-128"/>
                 </a:rPr>
@@ -15322,9 +15410,9 @@
           <p:grpSpPr bwMode="auto">
             <a:xfrm>
               <a:off x="3966" y="2832"/>
-              <a:ext cx="210" cy="358"/>
+              <a:ext cx="210" cy="346"/>
               <a:chOff x="2078" y="1680"/>
-              <a:chExt cx="1615" cy="3013"/>
+              <a:chExt cx="1615" cy="2912"/>
             </a:xfrm>
           </p:grpSpPr>
           <p:sp>
@@ -15369,7 +15457,7 @@
               <a:lstStyle/>
               <a:p>
                 <a:endParaRPr lang="ja-JP" altLang="en-US">
-                  <a:latin typeface="Goudy Old Style"/>
+                  <a:latin typeface="メイリオ"/>
                   <a:ea typeface="Osaka−等幅"/>
                   <a:cs typeface="Osaka−等幅"/>
                 </a:endParaRPr>
@@ -15418,7 +15506,7 @@
               <a:lstStyle/>
               <a:p>
                 <a:endParaRPr lang="ja-JP" altLang="en-US">
-                  <a:latin typeface="Goudy Old Style"/>
+                  <a:latin typeface="メイリオ"/>
                   <a:ea typeface="Osaka−等幅"/>
                   <a:cs typeface="Osaka−等幅"/>
                 </a:endParaRPr>
@@ -15435,8 +15523,8 @@
             </p:nvSpPr>
             <p:spPr bwMode="gray">
               <a:xfrm>
-                <a:off x="2254" y="1856"/>
-                <a:ext cx="1258" cy="2752"/>
+                <a:off x="2309" y="1958"/>
+                <a:ext cx="892" cy="2550"/>
               </a:xfrm>
               <a:prstGeom prst="ellipse">
                 <a:avLst/>
@@ -15469,7 +15557,7 @@
               <a:lstStyle/>
               <a:p>
                 <a:endParaRPr lang="ja-JP" altLang="en-US">
-                  <a:latin typeface="Goudy Old Style"/>
+                  <a:latin typeface="メイリオ"/>
                   <a:ea typeface="Osaka−等幅"/>
                   <a:cs typeface="Osaka−等幅"/>
                 </a:endParaRPr>
@@ -15486,8 +15574,8 @@
             </p:nvSpPr>
             <p:spPr bwMode="gray">
               <a:xfrm>
-                <a:off x="2254" y="1856"/>
-                <a:ext cx="1258" cy="2753"/>
+                <a:off x="2309" y="1958"/>
+                <a:ext cx="892" cy="2550"/>
               </a:xfrm>
               <a:prstGeom prst="ellipse">
                 <a:avLst/>
@@ -15517,7 +15605,7 @@
               <a:lstStyle/>
               <a:p>
                 <a:endParaRPr lang="ja-JP" altLang="en-US">
-                  <a:latin typeface="Goudy Old Style"/>
+                  <a:latin typeface="メイリオ"/>
                   <a:ea typeface="Osaka−等幅"/>
                   <a:cs typeface="Osaka−等幅"/>
                 </a:endParaRPr>
@@ -15534,8 +15622,8 @@
             </p:nvSpPr>
             <p:spPr bwMode="gray">
               <a:xfrm>
-                <a:off x="2337" y="1939"/>
-                <a:ext cx="1096" cy="2754"/>
+                <a:off x="2339" y="2042"/>
+                <a:ext cx="1085" cy="2550"/>
               </a:xfrm>
               <a:prstGeom prst="ellipse">
                 <a:avLst/>
@@ -15568,7 +15656,7 @@
               <a:lstStyle/>
               <a:p>
                 <a:endParaRPr lang="ja-JP" altLang="en-US">
-                  <a:latin typeface="Goudy Old Style"/>
+                  <a:latin typeface="メイリオ"/>
                   <a:ea typeface="Osaka−等幅"/>
                   <a:cs typeface="Osaka−等幅"/>
                 </a:endParaRPr>
@@ -15585,8 +15673,8 @@
             </p:nvSpPr>
             <p:spPr bwMode="gray">
               <a:xfrm>
-                <a:off x="2337" y="1939"/>
-                <a:ext cx="1096" cy="2753"/>
+                <a:off x="2339" y="2042"/>
+                <a:ext cx="1085" cy="2549"/>
               </a:xfrm>
               <a:prstGeom prst="ellipse">
                 <a:avLst/>
@@ -15616,7 +15704,7 @@
               <a:lstStyle/>
               <a:p>
                 <a:endParaRPr lang="ja-JP" altLang="en-US">
-                  <a:latin typeface="Goudy Old Style"/>
+                  <a:latin typeface="メイリオ"/>
                   <a:ea typeface="Osaka−等幅"/>
                   <a:cs typeface="Osaka−等幅"/>
                 </a:endParaRPr>
@@ -15636,9 +15724,9 @@
         <p:grpSpPr bwMode="auto">
           <a:xfrm>
             <a:off x="2276475" y="5105400"/>
-            <a:ext cx="4419600" cy="796925"/>
+            <a:ext cx="4419600" cy="777875"/>
             <a:chOff x="1392" y="3120"/>
-            <a:chExt cx="2784" cy="502"/>
+            <a:chExt cx="2784" cy="490"/>
           </a:xfrm>
         </p:grpSpPr>
         <p:sp>
@@ -15692,7 +15780,7 @@
                   <a:solidFill>
                     <a:srgbClr val="000000"/>
                   </a:solidFill>
-                  <a:latin typeface="Osaka−等幅"/>
+                  <a:latin typeface="メイリオ"/>
                   <a:ea typeface="Osaka−等幅"/>
                   <a:cs typeface="HGP創英角ｺﾞｼｯｸUB" pitchFamily="50" charset="-128"/>
                 </a:rPr>
@@ -15703,11 +15791,33 @@
                   <a:solidFill>
                     <a:schemeClr val="folHlink"/>
                   </a:solidFill>
+                  <a:latin typeface="メイリオ"/>
+                  <a:ea typeface="Osaka−等幅"/>
+                  <a:cs typeface="HGP創英角ｺﾞｼｯｸUB" pitchFamily="50" charset="-128"/>
+                </a:rPr>
+                <a:t>etc</a:t>
+              </a:r>
+              <a:r>
+                <a:rPr kumimoji="0" lang="en-US" altLang="ja-JP" sz="1200">
+                  <a:solidFill>
+                    <a:schemeClr val="folHlink"/>
+                  </a:solidFill>
                   <a:latin typeface="Osaka−等幅"/>
                   <a:ea typeface="Osaka−等幅"/>
                   <a:cs typeface="HGP創英角ｺﾞｼｯｸUB" pitchFamily="50" charset="-128"/>
                 </a:rPr>
-                <a:t>etc….</a:t>
+                <a:t>…</a:t>
+              </a:r>
+              <a:r>
+                <a:rPr kumimoji="0" lang="en-US" altLang="ja-JP" sz="1200">
+                  <a:solidFill>
+                    <a:schemeClr val="folHlink"/>
+                  </a:solidFill>
+                  <a:latin typeface="メイリオ"/>
+                  <a:ea typeface="Osaka−等幅"/>
+                  <a:cs typeface="HGP創英角ｺﾞｼｯｸUB" pitchFamily="50" charset="-128"/>
+                </a:rPr>
+                <a:t>.</a:t>
               </a:r>
             </a:p>
           </p:txBody>
@@ -15723,9 +15833,9 @@
           <p:grpSpPr bwMode="auto">
             <a:xfrm>
               <a:off x="3966" y="3264"/>
-              <a:ext cx="210" cy="358"/>
+              <a:ext cx="210" cy="346"/>
               <a:chOff x="2078" y="1680"/>
-              <a:chExt cx="1615" cy="3013"/>
+              <a:chExt cx="1615" cy="2912"/>
             </a:xfrm>
           </p:grpSpPr>
           <p:sp>
@@ -15770,7 +15880,7 @@
               <a:lstStyle/>
               <a:p>
                 <a:endParaRPr lang="ja-JP" altLang="en-US">
-                  <a:latin typeface="Goudy Old Style"/>
+                  <a:latin typeface="メイリオ"/>
                   <a:ea typeface="Osaka−等幅"/>
                   <a:cs typeface="Osaka−等幅"/>
                 </a:endParaRPr>
@@ -15819,7 +15929,7 @@
               <a:lstStyle/>
               <a:p>
                 <a:endParaRPr lang="ja-JP" altLang="en-US">
-                  <a:latin typeface="Goudy Old Style"/>
+                  <a:latin typeface="メイリオ"/>
                   <a:ea typeface="Osaka−等幅"/>
                   <a:cs typeface="Osaka−等幅"/>
                 </a:endParaRPr>
@@ -15836,8 +15946,8 @@
             </p:nvSpPr>
             <p:spPr bwMode="gray">
               <a:xfrm>
-                <a:off x="2254" y="1856"/>
-                <a:ext cx="1258" cy="2752"/>
+                <a:off x="2309" y="1958"/>
+                <a:ext cx="892" cy="2550"/>
               </a:xfrm>
               <a:prstGeom prst="ellipse">
                 <a:avLst/>
@@ -15870,7 +15980,7 @@
               <a:lstStyle/>
               <a:p>
                 <a:endParaRPr lang="ja-JP" altLang="en-US">
-                  <a:latin typeface="Goudy Old Style"/>
+                  <a:latin typeface="メイリオ"/>
                   <a:ea typeface="Osaka−等幅"/>
                   <a:cs typeface="Osaka−等幅"/>
                 </a:endParaRPr>
@@ -15887,8 +15997,8 @@
             </p:nvSpPr>
             <p:spPr bwMode="gray">
               <a:xfrm>
-                <a:off x="2254" y="1856"/>
-                <a:ext cx="1258" cy="2753"/>
+                <a:off x="2309" y="1958"/>
+                <a:ext cx="892" cy="2550"/>
               </a:xfrm>
               <a:prstGeom prst="ellipse">
                 <a:avLst/>
@@ -15918,7 +16028,7 @@
               <a:lstStyle/>
               <a:p>
                 <a:endParaRPr lang="ja-JP" altLang="en-US">
-                  <a:latin typeface="Goudy Old Style"/>
+                  <a:latin typeface="メイリオ"/>
                   <a:ea typeface="Osaka−等幅"/>
                   <a:cs typeface="Osaka−等幅"/>
                 </a:endParaRPr>
@@ -15935,8 +16045,8 @@
             </p:nvSpPr>
             <p:spPr bwMode="gray">
               <a:xfrm>
-                <a:off x="2337" y="1939"/>
-                <a:ext cx="1096" cy="2754"/>
+                <a:off x="2339" y="2042"/>
+                <a:ext cx="1085" cy="2550"/>
               </a:xfrm>
               <a:prstGeom prst="ellipse">
                 <a:avLst/>
@@ -15969,7 +16079,7 @@
               <a:lstStyle/>
               <a:p>
                 <a:endParaRPr lang="ja-JP" altLang="en-US">
-                  <a:latin typeface="Goudy Old Style"/>
+                  <a:latin typeface="メイリオ"/>
                   <a:ea typeface="Osaka−等幅"/>
                   <a:cs typeface="Osaka−等幅"/>
                 </a:endParaRPr>
@@ -15986,8 +16096,8 @@
             </p:nvSpPr>
             <p:spPr bwMode="gray">
               <a:xfrm>
-                <a:off x="2337" y="1939"/>
-                <a:ext cx="1096" cy="2753"/>
+                <a:off x="2339" y="2042"/>
+                <a:ext cx="1085" cy="2549"/>
               </a:xfrm>
               <a:prstGeom prst="ellipse">
                 <a:avLst/>
@@ -16017,7 +16127,7 @@
               <a:lstStyle/>
               <a:p>
                 <a:endParaRPr lang="ja-JP" altLang="en-US">
-                  <a:latin typeface="Goudy Old Style"/>
+                  <a:latin typeface="メイリオ"/>
                   <a:ea typeface="Osaka−等幅"/>
                   <a:cs typeface="Osaka−等幅"/>
                 </a:endParaRPr>
@@ -16037,7 +16147,7 @@
         <p:spPr bwMode="auto">
           <a:xfrm>
             <a:off x="2051050" y="5749925"/>
-            <a:ext cx="4860925" cy="492125"/>
+            <a:ext cx="4860925" cy="487363"/>
           </a:xfrm>
           <a:prstGeom prst="rect">
             <a:avLst/>
@@ -16058,14 +16168,14 @@
           <a:p>
             <a:r>
               <a:rPr lang="ja-JP" altLang="en-US" sz="1400">
-                <a:latin typeface="Osaka−等幅"/>
+                <a:latin typeface="メイリオ"/>
                 <a:ea typeface="Osaka−等幅"/>
                 <a:cs typeface="HGP創英角ｺﾞｼｯｸUB" pitchFamily="50" charset="-128"/>
               </a:rPr>
               <a:t>これらは皆、現場から生まれてきた機能である。</a:t>
             </a:r>
             <a:endParaRPr lang="en-US" altLang="ja-JP" sz="1400">
-              <a:latin typeface="Osaka−等幅"/>
+              <a:latin typeface="メイリオ"/>
               <a:ea typeface="Osaka−等幅"/>
               <a:cs typeface="HGP創英角ｺﾞｼｯｸUB" pitchFamily="50" charset="-128"/>
             </a:endParaRPr>
@@ -16073,7 +16183,7 @@
           <a:p>
             <a:r>
               <a:rPr lang="en-US" altLang="ja-JP" sz="1200">
-                <a:latin typeface="Osaka−等幅"/>
+                <a:latin typeface="メイリオ"/>
                 <a:ea typeface="Osaka−等幅"/>
                 <a:cs typeface="HGP創英角ｺﾞｼｯｸUB" pitchFamily="50" charset="-128"/>
               </a:rPr>
@@ -16081,7 +16191,7 @@
             </a:r>
             <a:r>
               <a:rPr lang="ja-JP" altLang="en-US" sz="1200">
-                <a:latin typeface="Osaka−等幅"/>
+                <a:latin typeface="メイリオ"/>
                 <a:ea typeface="Osaka−等幅"/>
                 <a:cs typeface="HGP創英角ｺﾞｼｯｸUB" pitchFamily="50" charset="-128"/>
               </a:rPr>
@@ -16089,7 +16199,7 @@
             </a:r>
             <a:r>
               <a:rPr lang="en-US" altLang="ja-JP" sz="1200">
-                <a:latin typeface="Osaka−等幅"/>
+                <a:latin typeface="メイリオ"/>
                 <a:ea typeface="Osaka−等幅"/>
                 <a:cs typeface="HGP創英角ｺﾞｼｯｸUB" pitchFamily="50" charset="-128"/>
               </a:rPr>
@@ -16097,7 +16207,7 @@
             </a:r>
             <a:r>
               <a:rPr lang="ja-JP" altLang="en-US" sz="1200">
-                <a:latin typeface="Osaka−等幅"/>
+                <a:latin typeface="メイリオ"/>
                 <a:ea typeface="Osaka−等幅"/>
                 <a:cs typeface="HGP創英角ｺﾞｼｯｸUB" pitchFamily="50" charset="-128"/>
               </a:rPr>
@@ -16105,7 +16215,7 @@
             </a:r>
             <a:r>
               <a:rPr lang="en-US" altLang="ja-JP" sz="1200">
-                <a:latin typeface="Osaka−等幅"/>
+                <a:latin typeface="メイリオ"/>
                 <a:ea typeface="Osaka−等幅"/>
                 <a:cs typeface="HGP創英角ｺﾞｼｯｸUB" pitchFamily="50" charset="-128"/>
               </a:rPr>
@@ -16161,6 +16271,7 @@
           <a:bodyPr/>
           <a:lstStyle/>
           <a:p>
+            <a:pPr eaLnBrk="1" hangingPunct="1"/>
             <a:r>
               <a:rPr lang="ja-JP" altLang="en-US" smtClean="0"/>
               <a:t>様々なプラットフォーム</a:t>
@@ -16270,7 +16381,7 @@
           <a:p>
             <a:r>
               <a:rPr lang="en-US" altLang="ja-JP" sz="1600">
-                <a:latin typeface="Osaka−等幅"/>
+                <a:latin typeface="メイリオ"/>
                 <a:ea typeface="Osaka−等幅"/>
                 <a:cs typeface="HGP創英角ｺﾞｼｯｸUB" pitchFamily="50" charset="-128"/>
               </a:rPr>
@@ -16278,21 +16389,21 @@
             </a:r>
             <a:r>
               <a:rPr lang="ja-JP" altLang="en-US" sz="1600">
-                <a:latin typeface="Osaka−等幅"/>
+                <a:latin typeface="メイリオ"/>
                 <a:ea typeface="Osaka−等幅"/>
                 <a:cs typeface="HGP創英角ｺﾞｼｯｸUB" pitchFamily="50" charset="-128"/>
               </a:rPr>
               <a:t>だけでなく</a:t>
             </a:r>
             <a:endParaRPr lang="en-US" altLang="ja-JP" sz="1600">
-              <a:latin typeface="Osaka−等幅"/>
+              <a:latin typeface="メイリオ"/>
               <a:ea typeface="Osaka−等幅"/>
               <a:cs typeface="HGP創英角ｺﾞｼｯｸUB" pitchFamily="50" charset="-128"/>
             </a:endParaRPr>
           </a:p>
           <a:p>
             <a:endParaRPr lang="en-US" altLang="ja-JP" sz="900">
-              <a:latin typeface="Osaka−等幅"/>
+              <a:latin typeface="メイリオ"/>
               <a:ea typeface="Osaka−等幅"/>
               <a:cs typeface="HGP創英角ｺﾞｼｯｸUB" pitchFamily="50" charset="-128"/>
             </a:endParaRPr>
@@ -16300,7 +16411,7 @@
           <a:p>
             <a:r>
               <a:rPr lang="en-US" altLang="ja-JP" sz="1600">
-                <a:latin typeface="Osaka−等幅"/>
+                <a:latin typeface="メイリオ"/>
                 <a:ea typeface="Osaka−等幅"/>
                 <a:cs typeface="HGP創英角ｺﾞｼｯｸUB" pitchFamily="50" charset="-128"/>
               </a:rPr>
@@ -16309,7 +16420,7 @@
           </a:p>
           <a:p>
             <a:endParaRPr lang="en-US" altLang="ja-JP" sz="1000">
-              <a:latin typeface="Osaka−等幅"/>
+              <a:latin typeface="メイリオ"/>
               <a:ea typeface="Osaka−等幅"/>
               <a:cs typeface="HGP創英角ｺﾞｼｯｸUB" pitchFamily="50" charset="-128"/>
             </a:endParaRPr>
@@ -16317,7 +16428,7 @@
           <a:p>
             <a:r>
               <a:rPr lang="en-US" altLang="ja-JP" sz="1600">
-                <a:latin typeface="Osaka−等幅"/>
+                <a:latin typeface="メイリオ"/>
                 <a:ea typeface="Osaka−等幅"/>
                 <a:cs typeface="HGP創英角ｺﾞｼｯｸUB" pitchFamily="50" charset="-128"/>
               </a:rPr>
@@ -16327,14 +16438,14 @@
           <a:p>
             <a:r>
               <a:rPr lang="ja-JP" altLang="en-US" sz="1600">
-                <a:latin typeface="Osaka−等幅"/>
+                <a:latin typeface="メイリオ"/>
                 <a:ea typeface="Osaka−等幅"/>
                 <a:cs typeface="HGP創英角ｺﾞｼｯｸUB" pitchFamily="50" charset="-128"/>
               </a:rPr>
               <a:t>でも動作</a:t>
             </a:r>
             <a:endParaRPr lang="en-US" altLang="ja-JP" sz="1600">
-              <a:latin typeface="Osaka−等幅"/>
+              <a:latin typeface="メイリオ"/>
               <a:ea typeface="Osaka−等幅"/>
               <a:cs typeface="HGP創英角ｺﾞｼｯｸUB" pitchFamily="50" charset="-128"/>
             </a:endParaRPr>
@@ -16342,7 +16453,7 @@
           <a:p>
             <a:r>
               <a:rPr lang="en-US" altLang="ja-JP" sz="1000">
-                <a:latin typeface="Osaka−等幅"/>
+                <a:latin typeface="メイリオ"/>
                 <a:ea typeface="Osaka−等幅"/>
                 <a:cs typeface="HGP創英角ｺﾞｼｯｸUB" pitchFamily="50" charset="-128"/>
               </a:rPr>
@@ -16350,7 +16461,7 @@
             </a:r>
             <a:r>
               <a:rPr lang="ja-JP" altLang="en-US" sz="1000">
-                <a:latin typeface="Osaka−等幅"/>
+                <a:latin typeface="メイリオ"/>
                 <a:ea typeface="Osaka−等幅"/>
                 <a:cs typeface="HGP創英角ｺﾞｼｯｸUB" pitchFamily="50" charset="-128"/>
               </a:rPr>
@@ -16358,7 +16469,7 @@
             </a:r>
             <a:r>
               <a:rPr lang="en-US" altLang="ja-JP" sz="1000">
-                <a:latin typeface="Osaka−等幅"/>
+                <a:latin typeface="メイリオ"/>
                 <a:ea typeface="Osaka−等幅"/>
                 <a:cs typeface="HGP創英角ｺﾞｼｯｸUB" pitchFamily="50" charset="-128"/>
               </a:rPr>
@@ -16367,7 +16478,7 @@
           </a:p>
           <a:p>
             <a:endParaRPr lang="ja-JP" altLang="en-US" sz="1000">
-              <a:latin typeface="Osaka−等幅"/>
+              <a:latin typeface="メイリオ"/>
               <a:ea typeface="Osaka−等幅"/>
               <a:cs typeface="HGP創英角ｺﾞｼｯｸUB" pitchFamily="50" charset="-128"/>
             </a:endParaRPr>
@@ -16476,7 +16587,7 @@
           <a:p>
             <a:r>
               <a:rPr lang="en-US" altLang="ja-JP" sz="1600">
-                <a:latin typeface="Osaka−等幅"/>
+                <a:latin typeface="メイリオ"/>
                 <a:ea typeface="Osaka−等幅"/>
                 <a:cs typeface="HGP創英角ｺﾞｼｯｸUB" pitchFamily="50" charset="-128"/>
               </a:rPr>
@@ -16484,21 +16595,21 @@
             </a:r>
             <a:r>
               <a:rPr lang="ja-JP" altLang="en-US" sz="1600">
-                <a:latin typeface="Osaka−等幅"/>
+                <a:latin typeface="メイリオ"/>
                 <a:ea typeface="Osaka−等幅"/>
                 <a:cs typeface="HGP創英角ｺﾞｼｯｸUB" pitchFamily="50" charset="-128"/>
               </a:rPr>
               <a:t>だけでなく</a:t>
             </a:r>
             <a:endParaRPr lang="en-US" altLang="ja-JP" sz="1600">
-              <a:latin typeface="Osaka−等幅"/>
+              <a:latin typeface="メイリオ"/>
               <a:ea typeface="Osaka−等幅"/>
               <a:cs typeface="HGP創英角ｺﾞｼｯｸUB" pitchFamily="50" charset="-128"/>
             </a:endParaRPr>
           </a:p>
           <a:p>
             <a:endParaRPr lang="en-US" altLang="ja-JP" sz="1000">
-              <a:latin typeface="Osaka−等幅"/>
+              <a:latin typeface="メイリオ"/>
               <a:ea typeface="Osaka−等幅"/>
               <a:cs typeface="HGP創英角ｺﾞｼｯｸUB" pitchFamily="50" charset="-128"/>
             </a:endParaRPr>
@@ -16506,7 +16617,7 @@
           <a:p>
             <a:r>
               <a:rPr lang="en-US" altLang="ja-JP" sz="1600">
-                <a:latin typeface="Osaka−等幅"/>
+                <a:latin typeface="メイリオ"/>
                 <a:ea typeface="Osaka−等幅"/>
                 <a:cs typeface="HGP創英角ｺﾞｼｯｸUB" pitchFamily="50" charset="-128"/>
               </a:rPr>
@@ -16515,7 +16626,7 @@
           </a:p>
           <a:p>
             <a:endParaRPr lang="en-US" altLang="ja-JP" sz="1000">
-              <a:latin typeface="Osaka−等幅"/>
+              <a:latin typeface="メイリオ"/>
               <a:ea typeface="Osaka−等幅"/>
               <a:cs typeface="HGP創英角ｺﾞｼｯｸUB" pitchFamily="50" charset="-128"/>
             </a:endParaRPr>
@@ -16523,7 +16634,7 @@
           <a:p>
             <a:r>
               <a:rPr lang="en-US" altLang="ja-JP" sz="1600">
-                <a:latin typeface="Osaka−等幅"/>
+                <a:latin typeface="メイリオ"/>
                 <a:ea typeface="Osaka−等幅"/>
                 <a:cs typeface="HGP創英角ｺﾞｼｯｸUB" pitchFamily="50" charset="-128"/>
               </a:rPr>
@@ -16533,7 +16644,7 @@
           <a:p>
             <a:r>
               <a:rPr lang="ja-JP" altLang="en-US" sz="1600">
-                <a:latin typeface="Osaka−等幅"/>
+                <a:latin typeface="メイリオ"/>
                 <a:ea typeface="Osaka−等幅"/>
                 <a:cs typeface="HGP創英角ｺﾞｼｯｸUB" pitchFamily="50" charset="-128"/>
               </a:rPr>
@@ -16590,61 +16701,61 @@
           <a:custGeom>
             <a:avLst/>
             <a:gdLst>
-              <a:gd name="T0" fmla="*/ 1406771184 w 580"/>
+              <a:gd name="T0" fmla="*/ 2147483647 w 580"/>
               <a:gd name="T1" fmla="*/ 0 h 798"/>
-              <a:gd name="T2" fmla="*/ 1401919912 w 580"/>
-              <a:gd name="T3" fmla="*/ 217809447 h 798"/>
-              <a:gd name="T4" fmla="*/ 1377665109 w 580"/>
-              <a:gd name="T5" fmla="*/ 421099826 h 798"/>
-              <a:gd name="T6" fmla="*/ 1338858047 w 580"/>
-              <a:gd name="T7" fmla="*/ 609867929 h 798"/>
-              <a:gd name="T8" fmla="*/ 1275796182 w 580"/>
-              <a:gd name="T9" fmla="*/ 784115409 h 798"/>
-              <a:gd name="T10" fmla="*/ 1198180500 w 580"/>
-              <a:gd name="T11" fmla="*/ 943842460 h 798"/>
-              <a:gd name="T12" fmla="*/ 1096311573 w 580"/>
-              <a:gd name="T13" fmla="*/ 1089050249 h 798"/>
-              <a:gd name="T14" fmla="*/ 975037557 w 580"/>
-              <a:gd name="T15" fmla="*/ 1229416793 h 798"/>
-              <a:gd name="T16" fmla="*/ 829510296 w 580"/>
-              <a:gd name="T17" fmla="*/ 1355261158 h 798"/>
-              <a:gd name="T18" fmla="*/ 654876764 w 580"/>
-              <a:gd name="T19" fmla="*/ 1476267389 h 798"/>
-              <a:gd name="T20" fmla="*/ 455988625 w 580"/>
-              <a:gd name="T21" fmla="*/ 1587592686 h 798"/>
-              <a:gd name="T22" fmla="*/ 455988625 w 580"/>
-              <a:gd name="T23" fmla="*/ 1931248346 h 798"/>
+              <a:gd name="T2" fmla="*/ 2147483647 w 580"/>
+              <a:gd name="T3" fmla="*/ 2147483647 h 798"/>
+              <a:gd name="T4" fmla="*/ 2147483647 w 580"/>
+              <a:gd name="T5" fmla="*/ 2147483647 h 798"/>
+              <a:gd name="T6" fmla="*/ 2147483647 w 580"/>
+              <a:gd name="T7" fmla="*/ 2147483647 h 798"/>
+              <a:gd name="T8" fmla="*/ 2147483647 w 580"/>
+              <a:gd name="T9" fmla="*/ 2147483647 h 798"/>
+              <a:gd name="T10" fmla="*/ 2147483647 w 580"/>
+              <a:gd name="T11" fmla="*/ 2147483647 h 798"/>
+              <a:gd name="T12" fmla="*/ 2147483647 w 580"/>
+              <a:gd name="T13" fmla="*/ 2147483647 h 798"/>
+              <a:gd name="T14" fmla="*/ 2147483647 w 580"/>
+              <a:gd name="T15" fmla="*/ 2147483647 h 798"/>
+              <a:gd name="T16" fmla="*/ 2147483647 w 580"/>
+              <a:gd name="T17" fmla="*/ 2147483647 h 798"/>
+              <a:gd name="T18" fmla="*/ 2147483647 w 580"/>
+              <a:gd name="T19" fmla="*/ 2147483647 h 798"/>
+              <a:gd name="T20" fmla="*/ 2147483647 w 580"/>
+              <a:gd name="T21" fmla="*/ 2147483647 h 798"/>
+              <a:gd name="T22" fmla="*/ 2147483647 w 580"/>
+              <a:gd name="T23" fmla="*/ 2147483647 h 798"/>
               <a:gd name="T24" fmla="*/ 0 w 580"/>
-              <a:gd name="T25" fmla="*/ 1243937416 h 798"/>
-              <a:gd name="T26" fmla="*/ 455988625 w 580"/>
-              <a:gd name="T27" fmla="*/ 556625125 h 798"/>
-              <a:gd name="T28" fmla="*/ 455988625 w 580"/>
-              <a:gd name="T29" fmla="*/ 900280590 h 798"/>
-              <a:gd name="T30" fmla="*/ 543305293 w 580"/>
-              <a:gd name="T31" fmla="*/ 890601212 h 798"/>
-              <a:gd name="T32" fmla="*/ 640322948 w 580"/>
-              <a:gd name="T33" fmla="*/ 861559965 h 798"/>
-              <a:gd name="T34" fmla="*/ 742193433 w 580"/>
-              <a:gd name="T35" fmla="*/ 813156656 h 798"/>
-              <a:gd name="T36" fmla="*/ 844062555 w 580"/>
-              <a:gd name="T37" fmla="*/ 750234473 h 798"/>
-              <a:gd name="T38" fmla="*/ 950782754 w 580"/>
-              <a:gd name="T39" fmla="*/ 677631357 h 798"/>
-              <a:gd name="T40" fmla="*/ 1047801967 w 580"/>
-              <a:gd name="T41" fmla="*/ 595347306 h 798"/>
-              <a:gd name="T42" fmla="*/ 1144821179 w 580"/>
-              <a:gd name="T43" fmla="*/ 503382321 h 798"/>
-              <a:gd name="T44" fmla="*/ 1227286575 w 580"/>
-              <a:gd name="T45" fmla="*/ 401737861 h 798"/>
-              <a:gd name="T46" fmla="*/ 1300050985 w 580"/>
-              <a:gd name="T47" fmla="*/ 300093498 h 798"/>
-              <a:gd name="T48" fmla="*/ 1353410306 w 580"/>
-              <a:gd name="T49" fmla="*/ 198449086 h 798"/>
-              <a:gd name="T50" fmla="*/ 1392218925 w 580"/>
-              <a:gd name="T51" fmla="*/ 96804698 h 798"/>
-              <a:gd name="T52" fmla="*/ 1401919912 w 580"/>
+              <a:gd name="T25" fmla="*/ 2147483647 h 798"/>
+              <a:gd name="T26" fmla="*/ 2147483647 w 580"/>
+              <a:gd name="T27" fmla="*/ 2147483647 h 798"/>
+              <a:gd name="T28" fmla="*/ 2147483647 w 580"/>
+              <a:gd name="T29" fmla="*/ 2147483647 h 798"/>
+              <a:gd name="T30" fmla="*/ 2147483647 w 580"/>
+              <a:gd name="T31" fmla="*/ 2147483647 h 798"/>
+              <a:gd name="T32" fmla="*/ 2147483647 w 580"/>
+              <a:gd name="T33" fmla="*/ 2147483647 h 798"/>
+              <a:gd name="T34" fmla="*/ 2147483647 w 580"/>
+              <a:gd name="T35" fmla="*/ 2147483647 h 798"/>
+              <a:gd name="T36" fmla="*/ 2147483647 w 580"/>
+              <a:gd name="T37" fmla="*/ 2147483647 h 798"/>
+              <a:gd name="T38" fmla="*/ 2147483647 w 580"/>
+              <a:gd name="T39" fmla="*/ 2147483647 h 798"/>
+              <a:gd name="T40" fmla="*/ 2147483647 w 580"/>
+              <a:gd name="T41" fmla="*/ 2147483647 h 798"/>
+              <a:gd name="T42" fmla="*/ 2147483647 w 580"/>
+              <a:gd name="T43" fmla="*/ 2147483647 h 798"/>
+              <a:gd name="T44" fmla="*/ 2147483647 w 580"/>
+              <a:gd name="T45" fmla="*/ 2147483647 h 798"/>
+              <a:gd name="T46" fmla="*/ 2147483647 w 580"/>
+              <a:gd name="T47" fmla="*/ 2147483647 h 798"/>
+              <a:gd name="T48" fmla="*/ 2147483647 w 580"/>
+              <a:gd name="T49" fmla="*/ 2147483647 h 798"/>
+              <a:gd name="T50" fmla="*/ 2147483647 w 580"/>
+              <a:gd name="T51" fmla="*/ 2147483647 h 798"/>
+              <a:gd name="T52" fmla="*/ 2147483647 w 580"/>
               <a:gd name="T53" fmla="*/ 0 h 798"/>
-              <a:gd name="T54" fmla="*/ 1406771184 w 580"/>
+              <a:gd name="T54" fmla="*/ 2147483647 w 580"/>
               <a:gd name="T55" fmla="*/ 0 h 798"/>
               <a:gd name="T56" fmla="*/ 0 60000 65536"/>
               <a:gd name="T57" fmla="*/ 0 60000 65536"/>
@@ -16880,7 +16991,7 @@
           <a:lstStyle/>
           <a:p>
             <a:endParaRPr lang="ja-JP" altLang="en-US">
-              <a:latin typeface="Goudy Old Style"/>
+              <a:latin typeface="メイリオ"/>
               <a:ea typeface="Osaka−等幅"/>
               <a:cs typeface="Osaka−等幅"/>
             </a:endParaRPr>
@@ -16935,61 +17046,61 @@
           <a:custGeom>
             <a:avLst/>
             <a:gdLst>
-              <a:gd name="T0" fmla="*/ 1406774299 w 580"/>
+              <a:gd name="T0" fmla="*/ 2147483647 w 580"/>
               <a:gd name="T1" fmla="*/ 0 h 798"/>
-              <a:gd name="T2" fmla="*/ 1401923021 w 580"/>
-              <a:gd name="T3" fmla="*/ 217809447 h 798"/>
-              <a:gd name="T4" fmla="*/ 1377668191 w 580"/>
-              <a:gd name="T5" fmla="*/ 421099826 h 798"/>
-              <a:gd name="T6" fmla="*/ 1338861086 w 580"/>
-              <a:gd name="T7" fmla="*/ 609867929 h 798"/>
-              <a:gd name="T8" fmla="*/ 1275799151 w 580"/>
-              <a:gd name="T9" fmla="*/ 784115409 h 798"/>
-              <a:gd name="T10" fmla="*/ 1198183384 w 580"/>
-              <a:gd name="T11" fmla="*/ 943842460 h 798"/>
-              <a:gd name="T12" fmla="*/ 1096314344 w 580"/>
-              <a:gd name="T13" fmla="*/ 1089050249 h 798"/>
-              <a:gd name="T14" fmla="*/ 975040194 w 580"/>
-              <a:gd name="T15" fmla="*/ 1229416793 h 798"/>
-              <a:gd name="T16" fmla="*/ 829511214 w 580"/>
-              <a:gd name="T17" fmla="*/ 1355261158 h 798"/>
-              <a:gd name="T18" fmla="*/ 654877489 w 580"/>
-              <a:gd name="T19" fmla="*/ 1476267389 h 798"/>
-              <a:gd name="T20" fmla="*/ 455989129 w 580"/>
-              <a:gd name="T21" fmla="*/ 1587592686 h 798"/>
-              <a:gd name="T22" fmla="*/ 455989129 w 580"/>
-              <a:gd name="T23" fmla="*/ 1931248346 h 798"/>
+              <a:gd name="T2" fmla="*/ 2147483647 w 580"/>
+              <a:gd name="T3" fmla="*/ 2147483647 h 798"/>
+              <a:gd name="T4" fmla="*/ 2147483647 w 580"/>
+              <a:gd name="T5" fmla="*/ 2147483647 h 798"/>
+              <a:gd name="T6" fmla="*/ 2147483647 w 580"/>
+              <a:gd name="T7" fmla="*/ 2147483647 h 798"/>
+              <a:gd name="T8" fmla="*/ 2147483647 w 580"/>
+              <a:gd name="T9" fmla="*/ 2147483647 h 798"/>
+              <a:gd name="T10" fmla="*/ 2147483647 w 580"/>
+              <a:gd name="T11" fmla="*/ 2147483647 h 798"/>
+              <a:gd name="T12" fmla="*/ 2147483647 w 580"/>
+              <a:gd name="T13" fmla="*/ 2147483647 h 798"/>
+              <a:gd name="T14" fmla="*/ 2147483647 w 580"/>
+              <a:gd name="T15" fmla="*/ 2147483647 h 798"/>
+              <a:gd name="T16" fmla="*/ 2147483647 w 580"/>
+              <a:gd name="T17" fmla="*/ 2147483647 h 798"/>
+              <a:gd name="T18" fmla="*/ 2147483647 w 580"/>
+              <a:gd name="T19" fmla="*/ 2147483647 h 798"/>
+              <a:gd name="T20" fmla="*/ 2147483647 w 580"/>
+              <a:gd name="T21" fmla="*/ 2147483647 h 798"/>
+              <a:gd name="T22" fmla="*/ 2147483647 w 580"/>
+              <a:gd name="T23" fmla="*/ 2147483647 h 798"/>
               <a:gd name="T24" fmla="*/ 0 w 580"/>
-              <a:gd name="T25" fmla="*/ 1243937416 h 798"/>
-              <a:gd name="T26" fmla="*/ 455989129 w 580"/>
-              <a:gd name="T27" fmla="*/ 556625125 h 798"/>
-              <a:gd name="T28" fmla="*/ 455989129 w 580"/>
-              <a:gd name="T29" fmla="*/ 900280590 h 798"/>
-              <a:gd name="T30" fmla="*/ 543305894 w 580"/>
-              <a:gd name="T31" fmla="*/ 890601212 h 798"/>
-              <a:gd name="T32" fmla="*/ 640325214 w 580"/>
-              <a:gd name="T33" fmla="*/ 861559965 h 798"/>
-              <a:gd name="T34" fmla="*/ 742194254 w 580"/>
-              <a:gd name="T35" fmla="*/ 813156656 h 798"/>
-              <a:gd name="T36" fmla="*/ 844065047 w 580"/>
-              <a:gd name="T37" fmla="*/ 750234473 h 798"/>
-              <a:gd name="T38" fmla="*/ 950785364 w 580"/>
-              <a:gd name="T39" fmla="*/ 677631357 h 798"/>
-              <a:gd name="T40" fmla="*/ 1047804684 w 580"/>
-              <a:gd name="T41" fmla="*/ 595347306 h 798"/>
-              <a:gd name="T42" fmla="*/ 1144824004 w 580"/>
-              <a:gd name="T43" fmla="*/ 503382321 h 798"/>
-              <a:gd name="T44" fmla="*/ 1227289491 w 580"/>
-              <a:gd name="T45" fmla="*/ 401737861 h 798"/>
-              <a:gd name="T46" fmla="*/ 1300053981 w 580"/>
-              <a:gd name="T47" fmla="*/ 300093498 h 798"/>
-              <a:gd name="T48" fmla="*/ 1353413361 w 580"/>
-              <a:gd name="T49" fmla="*/ 198449086 h 798"/>
-              <a:gd name="T50" fmla="*/ 1392222024 w 580"/>
-              <a:gd name="T51" fmla="*/ 96804698 h 798"/>
-              <a:gd name="T52" fmla="*/ 1401923021 w 580"/>
+              <a:gd name="T25" fmla="*/ 2147483647 h 798"/>
+              <a:gd name="T26" fmla="*/ 2147483647 w 580"/>
+              <a:gd name="T27" fmla="*/ 2147483647 h 798"/>
+              <a:gd name="T28" fmla="*/ 2147483647 w 580"/>
+              <a:gd name="T29" fmla="*/ 2147483647 h 798"/>
+              <a:gd name="T30" fmla="*/ 2147483647 w 580"/>
+              <a:gd name="T31" fmla="*/ 2147483647 h 798"/>
+              <a:gd name="T32" fmla="*/ 2147483647 w 580"/>
+              <a:gd name="T33" fmla="*/ 2147483647 h 798"/>
+              <a:gd name="T34" fmla="*/ 2147483647 w 580"/>
+              <a:gd name="T35" fmla="*/ 2147483647 h 798"/>
+              <a:gd name="T36" fmla="*/ 2147483647 w 580"/>
+              <a:gd name="T37" fmla="*/ 2147483647 h 798"/>
+              <a:gd name="T38" fmla="*/ 2147483647 w 580"/>
+              <a:gd name="T39" fmla="*/ 2147483647 h 798"/>
+              <a:gd name="T40" fmla="*/ 2147483647 w 580"/>
+              <a:gd name="T41" fmla="*/ 2147483647 h 798"/>
+              <a:gd name="T42" fmla="*/ 2147483647 w 580"/>
+              <a:gd name="T43" fmla="*/ 2147483647 h 798"/>
+              <a:gd name="T44" fmla="*/ 2147483647 w 580"/>
+              <a:gd name="T45" fmla="*/ 2147483647 h 798"/>
+              <a:gd name="T46" fmla="*/ 2147483647 w 580"/>
+              <a:gd name="T47" fmla="*/ 2147483647 h 798"/>
+              <a:gd name="T48" fmla="*/ 2147483647 w 580"/>
+              <a:gd name="T49" fmla="*/ 2147483647 h 798"/>
+              <a:gd name="T50" fmla="*/ 2147483647 w 580"/>
+              <a:gd name="T51" fmla="*/ 2147483647 h 798"/>
+              <a:gd name="T52" fmla="*/ 2147483647 w 580"/>
               <a:gd name="T53" fmla="*/ 0 h 798"/>
-              <a:gd name="T54" fmla="*/ 1406774299 w 580"/>
+              <a:gd name="T54" fmla="*/ 2147483647 w 580"/>
               <a:gd name="T55" fmla="*/ 0 h 798"/>
               <a:gd name="T56" fmla="*/ 0 60000 65536"/>
               <a:gd name="T57" fmla="*/ 0 60000 65536"/>
@@ -17225,7 +17336,7 @@
           <a:lstStyle/>
           <a:p>
             <a:endParaRPr lang="ja-JP" altLang="en-US">
-              <a:latin typeface="Goudy Old Style"/>
+              <a:latin typeface="メイリオ"/>
               <a:ea typeface="Osaka−等幅"/>
               <a:cs typeface="Osaka−等幅"/>
             </a:endParaRPr>
@@ -17369,7 +17480,7 @@
               <a:lstStyle/>
               <a:p>
                 <a:endParaRPr lang="ja-JP" altLang="en-US">
-                  <a:latin typeface="Goudy Old Style"/>
+                  <a:latin typeface="メイリオ"/>
                   <a:ea typeface="Osaka−等幅"/>
                   <a:cs typeface="Osaka−等幅"/>
                 </a:endParaRPr>
@@ -17416,7 +17527,7 @@
             <a:lstStyle/>
             <a:p>
               <a:endParaRPr lang="ja-JP" altLang="en-US">
-                <a:latin typeface="Goudy Old Style"/>
+                <a:latin typeface="メイリオ"/>
                 <a:ea typeface="Osaka−等幅"/>
                 <a:cs typeface="Osaka−等幅"/>
               </a:endParaRPr>
@@ -17464,7 +17575,7 @@
             <a:lstStyle/>
             <a:p>
               <a:endParaRPr lang="ja-JP" altLang="en-US">
-                <a:latin typeface="Goudy Old Style"/>
+                <a:latin typeface="メイリオ"/>
                 <a:ea typeface="Osaka−等幅"/>
                 <a:cs typeface="Osaka−等幅"/>
               </a:endParaRPr>
@@ -17512,7 +17623,7 @@
             <a:lstStyle/>
             <a:p>
               <a:endParaRPr lang="ja-JP" altLang="en-US">
-                <a:latin typeface="Goudy Old Style"/>
+                <a:latin typeface="メイリオ"/>
                 <a:ea typeface="Osaka−等幅"/>
                 <a:cs typeface="Osaka−等幅"/>
               </a:endParaRPr>
@@ -17560,7 +17671,7 @@
             <a:lstStyle/>
             <a:p>
               <a:endParaRPr lang="ja-JP" altLang="en-US">
-                <a:latin typeface="Goudy Old Style"/>
+                <a:latin typeface="メイリオ"/>
                 <a:ea typeface="Osaka−等幅"/>
                 <a:cs typeface="Osaka−等幅"/>
               </a:endParaRPr>
@@ -17579,7 +17690,7 @@
         <p:spPr bwMode="gray">
           <a:xfrm>
             <a:off x="3508375" y="1914525"/>
-            <a:ext cx="2441575" cy="584200"/>
+            <a:ext cx="2157413" cy="581025"/>
           </a:xfrm>
           <a:prstGeom prst="rect">
             <a:avLst/>
@@ -17600,14 +17711,14 @@
           <a:p>
             <a:r>
               <a:rPr lang="ja-JP" altLang="en-US" sz="1600">
-                <a:latin typeface="Goudy Old Style"/>
+                <a:latin typeface="メイリオ"/>
                 <a:ea typeface="Osaka−等幅"/>
                 <a:cs typeface="HGP創英角ｺﾞｼｯｸUB" pitchFamily="50" charset="-128"/>
               </a:rPr>
               <a:t>ニーズの高いその他の</a:t>
             </a:r>
             <a:endParaRPr lang="en-US" altLang="ja-JP" sz="1600">
-              <a:latin typeface="Goudy Old Style"/>
+              <a:latin typeface="メイリオ"/>
               <a:ea typeface="Osaka−等幅"/>
               <a:cs typeface="HGP創英角ｺﾞｼｯｸUB" pitchFamily="50" charset="-128"/>
             </a:endParaRPr>
@@ -17615,7 +17726,7 @@
           <a:p>
             <a:r>
               <a:rPr lang="ja-JP" altLang="en-US" sz="1600">
-                <a:latin typeface="Goudy Old Style"/>
+                <a:latin typeface="メイリオ"/>
                 <a:ea typeface="Osaka−等幅"/>
                 <a:cs typeface="HGP創英角ｺﾞｼｯｸUB" pitchFamily="50" charset="-128"/>
               </a:rPr>
@@ -17677,18 +17788,9 @@
           <a:bodyPr wrap="none" anchor="ctr"/>
           <a:lstStyle/>
           <a:p>
-            <a:pPr fontAlgn="auto">
-              <a:spcBef>
-                <a:spcPts val="0"/>
-              </a:spcBef>
-              <a:spcAft>
-                <a:spcPts val="0"/>
-              </a:spcAft>
-              <a:defRPr/>
-            </a:pPr>
             <a:r>
               <a:rPr lang="ja-JP" altLang="en-US" sz="1400">
-                <a:latin typeface="Osaka−等幅"/>
+                <a:latin typeface="メイリオ"/>
                 <a:ea typeface="Osaka−等幅"/>
                 <a:cs typeface="HGP創英角ｺﾞｼｯｸUB" pitchFamily="50" charset="-128"/>
               </a:rPr>
@@ -17696,7 +17798,7 @@
             </a:r>
             <a:r>
               <a:rPr lang="en-US" altLang="ja-JP" sz="1400">
-                <a:latin typeface="Osaka−等幅"/>
+                <a:latin typeface="メイリオ"/>
                 <a:ea typeface="Osaka−等幅"/>
                 <a:cs typeface="HGP創英角ｺﾞｼｯｸUB" pitchFamily="50" charset="-128"/>
               </a:rPr>
@@ -17704,7 +17806,7 @@
             </a:r>
             <a:r>
               <a:rPr lang="ja-JP" altLang="en-US" sz="1400">
-                <a:latin typeface="Osaka−等幅"/>
+                <a:latin typeface="メイリオ"/>
                 <a:ea typeface="Osaka−等幅"/>
                 <a:cs typeface="HGP創英角ｺﾞｼｯｸUB" pitchFamily="50" charset="-128"/>
               </a:rPr>
@@ -17712,7 +17814,7 @@
             </a:r>
             <a:r>
               <a:rPr lang="en-US" altLang="ja-JP" sz="1400">
-                <a:latin typeface="Osaka−等幅"/>
+                <a:latin typeface="メイリオ"/>
                 <a:ea typeface="Osaka−等幅"/>
                 <a:cs typeface="HGP創英角ｺﾞｼｯｸUB" pitchFamily="50" charset="-128"/>
               </a:rPr>
@@ -17720,31 +17822,22 @@
             </a:r>
             <a:r>
               <a:rPr lang="ja-JP" altLang="en-US" sz="1400">
-                <a:latin typeface="Osaka−等幅"/>
+                <a:latin typeface="メイリオ"/>
                 <a:ea typeface="Osaka−等幅"/>
                 <a:cs typeface="HGP創英角ｺﾞｼｯｸUB" pitchFamily="50" charset="-128"/>
               </a:rPr>
               <a:t>の</a:t>
             </a:r>
             <a:endParaRPr lang="en-US" altLang="ja-JP" sz="1400">
-              <a:latin typeface="Osaka−等幅"/>
+              <a:latin typeface="メイリオ"/>
               <a:ea typeface="Osaka−等幅"/>
               <a:cs typeface="HGP創英角ｺﾞｼｯｸUB" pitchFamily="50" charset="-128"/>
             </a:endParaRPr>
           </a:p>
           <a:p>
-            <a:pPr fontAlgn="auto">
-              <a:spcBef>
-                <a:spcPts val="0"/>
-              </a:spcBef>
-              <a:spcAft>
-                <a:spcPts val="0"/>
-              </a:spcAft>
-              <a:defRPr/>
-            </a:pPr>
             <a:r>
               <a:rPr lang="ja-JP" altLang="en-US" sz="1400">
-                <a:latin typeface="Osaka−等幅"/>
+                <a:latin typeface="メイリオ"/>
                 <a:ea typeface="Osaka−等幅"/>
                 <a:cs typeface="HGP創英角ｺﾞｼｯｸUB" pitchFamily="50" charset="-128"/>
               </a:rPr>

--- a/dbflute/etc/doc/ref/session/resource/sc2008spring_a2_dbflute.pptx
+++ b/dbflute/etc/doc/ref/session/resource/sc2008spring_a2_dbflute.pptx
@@ -1,16 +1,17 @@
 
 <file path=ppt/presentation.xml><?xml version="1.0" encoding="utf-8"?>
-<p:presentation xmlns:a="http://schemas.openxmlformats.org/drawingml/2006/main" xmlns:r="http://schemas.openxmlformats.org/officeDocument/2006/relationships" xmlns:p="http://schemas.openxmlformats.org/presentationml/2006/main" saveSubsetFonts="1" autoCompressPictures="0">
+<p:presentation xmlns:a="http://schemas.openxmlformats.org/drawingml/2006/main" xmlns:r="http://schemas.openxmlformats.org/officeDocument/2006/relationships" xmlns:mc="http://schemas.openxmlformats.org/markup-compatibility/2006" xmlns:mv="urn:schemas-microsoft-com:mac:vml" xmlns:p="http://schemas.openxmlformats.org/presentationml/2006/main" mc:Ignorable="mv" mc:PreserveAttributes="mv:*" saveSubsetFonts="1" autoCompressPictures="0">
   <p:sldMasterIdLst>
     <p:sldMasterId id="2147483660" r:id="rId1"/>
   </p:sldMasterIdLst>
   <p:sldIdLst>
     <p:sldId id="256" r:id="rId2"/>
     <p:sldId id="257" r:id="rId3"/>
-    <p:sldId id="258" r:id="rId4"/>
-    <p:sldId id="259" r:id="rId5"/>
-    <p:sldId id="260" r:id="rId6"/>
-    <p:sldId id="261" r:id="rId7"/>
+    <p:sldId id="262" r:id="rId4"/>
+    <p:sldId id="258" r:id="rId5"/>
+    <p:sldId id="259" r:id="rId6"/>
+    <p:sldId id="260" r:id="rId7"/>
+    <p:sldId id="261" r:id="rId8"/>
   </p:sldIdLst>
   <p:sldSz cx="9144000" cy="6858000" type="screen4x3"/>
   <p:notesSz cx="6858000" cy="9144000"/>
@@ -143,7 +144,7 @@
 </file>
 
 <file path=ppt/slideLayouts/slideLayout1.xml><?xml version="1.0" encoding="utf-8"?>
-<p:sldLayout xmlns:a="http://schemas.openxmlformats.org/drawingml/2006/main" xmlns:r="http://schemas.openxmlformats.org/officeDocument/2006/relationships" xmlns:p="http://schemas.openxmlformats.org/presentationml/2006/main" type="title" preserve="1">
+<p:sldLayout xmlns:a="http://schemas.openxmlformats.org/drawingml/2006/main" xmlns:r="http://schemas.openxmlformats.org/officeDocument/2006/relationships" xmlns:mc="http://schemas.openxmlformats.org/markup-compatibility/2006" xmlns:mv="urn:schemas-microsoft-com:mac:vml" xmlns:p="http://schemas.openxmlformats.org/presentationml/2006/main" mc:Ignorable="mv" mc:PreserveAttributes="mv:*" type="title" preserve="1">
   <p:cSld name="タイトル スライド">
     <p:bg>
       <p:bgRef idx="1003">
@@ -386,7 +387,7 @@
               <a:pPr>
                 <a:defRPr/>
               </a:pPr>
-              <a:t>2008/5/21</a:t>
+              <a:t>08.5.24</a:t>
             </a:fld>
             <a:endParaRPr lang="en-US" altLang="ja-JP"/>
           </a:p>
@@ -482,7 +483,7 @@
               <a:pPr>
                 <a:defRPr/>
               </a:pPr>
-              <a:t>&lt;#&gt;</a:t>
+              <a:t>‹#›</a:t>
             </a:fld>
             <a:endParaRPr lang="en-US" altLang="ja-JP"/>
           </a:p>
@@ -497,7 +498,7 @@
 </file>
 
 <file path=ppt/slideLayouts/slideLayout10.xml><?xml version="1.0" encoding="utf-8"?>
-<p:sldLayout xmlns:a="http://schemas.openxmlformats.org/drawingml/2006/main" xmlns:r="http://schemas.openxmlformats.org/officeDocument/2006/relationships" xmlns:p="http://schemas.openxmlformats.org/presentationml/2006/main" preserve="1">
+<p:sldLayout xmlns:a="http://schemas.openxmlformats.org/drawingml/2006/main" xmlns:r="http://schemas.openxmlformats.org/officeDocument/2006/relationships" xmlns:mc="http://schemas.openxmlformats.org/markup-compatibility/2006" xmlns:mv="urn:schemas-microsoft-com:mac:vml" xmlns:p="http://schemas.openxmlformats.org/presentationml/2006/main" mc:Ignorable="mv" mc:PreserveAttributes="mv:*" preserve="1">
   <p:cSld name="3 つのコンテンツ">
     <p:spTree>
       <p:nvGrpSpPr>
@@ -914,7 +915,7 @@
               <a:pPr>
                 <a:defRPr/>
               </a:pPr>
-              <a:t>2008/5/21</a:t>
+              <a:t>08.5.24</a:t>
             </a:fld>
             <a:endParaRPr lang="ja-JP" altLang="en-US"/>
           </a:p>
@@ -973,7 +974,7 @@
               <a:pPr>
                 <a:defRPr/>
               </a:pPr>
-              <a:t>&lt;#&gt;</a:t>
+              <a:t>‹#›</a:t>
             </a:fld>
             <a:endParaRPr lang="ja-JP" altLang="en-US"/>
           </a:p>
@@ -988,7 +989,7 @@
 </file>
 
 <file path=ppt/slideLayouts/slideLayout11.xml><?xml version="1.0" encoding="utf-8"?>
-<p:sldLayout xmlns:a="http://schemas.openxmlformats.org/drawingml/2006/main" xmlns:r="http://schemas.openxmlformats.org/officeDocument/2006/relationships" xmlns:p="http://schemas.openxmlformats.org/presentationml/2006/main" preserve="1">
+<p:sldLayout xmlns:a="http://schemas.openxmlformats.org/drawingml/2006/main" xmlns:r="http://schemas.openxmlformats.org/officeDocument/2006/relationships" xmlns:mc="http://schemas.openxmlformats.org/markup-compatibility/2006" xmlns:mv="urn:schemas-microsoft-com:mac:vml" xmlns:p="http://schemas.openxmlformats.org/presentationml/2006/main" mc:Ignorable="mv" mc:PreserveAttributes="mv:*" preserve="1">
   <p:cSld name="4 つのコンテンツ">
     <p:spTree>
       <p:nvGrpSpPr>
@@ -1522,7 +1523,7 @@
               <a:pPr>
                 <a:defRPr/>
               </a:pPr>
-              <a:t>2008/5/21</a:t>
+              <a:t>08.5.24</a:t>
             </a:fld>
             <a:endParaRPr lang="ja-JP" altLang="en-US"/>
           </a:p>
@@ -1581,7 +1582,7 @@
               <a:pPr>
                 <a:defRPr/>
               </a:pPr>
-              <a:t>&lt;#&gt;</a:t>
+              <a:t>‹#›</a:t>
             </a:fld>
             <a:endParaRPr lang="ja-JP" altLang="en-US"/>
           </a:p>
@@ -1596,7 +1597,7 @@
 </file>
 
 <file path=ppt/slideLayouts/slideLayout12.xml><?xml version="1.0" encoding="utf-8"?>
-<p:sldLayout xmlns:a="http://schemas.openxmlformats.org/drawingml/2006/main" xmlns:r="http://schemas.openxmlformats.org/officeDocument/2006/relationships" xmlns:p="http://schemas.openxmlformats.org/presentationml/2006/main" type="titleOnly" preserve="1">
+<p:sldLayout xmlns:a="http://schemas.openxmlformats.org/drawingml/2006/main" xmlns:r="http://schemas.openxmlformats.org/officeDocument/2006/relationships" xmlns:mc="http://schemas.openxmlformats.org/markup-compatibility/2006" xmlns:mv="urn:schemas-microsoft-com:mac:vml" xmlns:p="http://schemas.openxmlformats.org/presentationml/2006/main" mc:Ignorable="mv" mc:PreserveAttributes="mv:*" type="titleOnly" preserve="1">
   <p:cSld name="タイトルのみ">
     <p:spTree>
       <p:nvGrpSpPr>
@@ -1662,7 +1663,7 @@
               <a:pPr>
                 <a:defRPr/>
               </a:pPr>
-              <a:t>2008/5/21</a:t>
+              <a:t>08.5.24</a:t>
             </a:fld>
             <a:endParaRPr lang="ja-JP" altLang="en-US"/>
           </a:p>
@@ -1721,7 +1722,7 @@
               <a:pPr>
                 <a:defRPr/>
               </a:pPr>
-              <a:t>&lt;#&gt;</a:t>
+              <a:t>‹#›</a:t>
             </a:fld>
             <a:endParaRPr lang="ja-JP" altLang="en-US"/>
           </a:p>
@@ -1736,7 +1737,7 @@
 </file>
 
 <file path=ppt/slideLayouts/slideLayout13.xml><?xml version="1.0" encoding="utf-8"?>
-<p:sldLayout xmlns:a="http://schemas.openxmlformats.org/drawingml/2006/main" xmlns:r="http://schemas.openxmlformats.org/officeDocument/2006/relationships" xmlns:p="http://schemas.openxmlformats.org/presentationml/2006/main" type="blank" preserve="1">
+<p:sldLayout xmlns:a="http://schemas.openxmlformats.org/drawingml/2006/main" xmlns:r="http://schemas.openxmlformats.org/officeDocument/2006/relationships" xmlns:mc="http://schemas.openxmlformats.org/markup-compatibility/2006" xmlns:mv="urn:schemas-microsoft-com:mac:vml" xmlns:p="http://schemas.openxmlformats.org/presentationml/2006/main" mc:Ignorable="mv" mc:PreserveAttributes="mv:*" type="blank" preserve="1">
   <p:cSld name="白紙">
     <p:spTree>
       <p:nvGrpSpPr>
@@ -1779,7 +1780,7 @@
               <a:pPr>
                 <a:defRPr/>
               </a:pPr>
-              <a:t>2008/5/21</a:t>
+              <a:t>08.5.24</a:t>
             </a:fld>
             <a:endParaRPr lang="ja-JP" altLang="en-US"/>
           </a:p>
@@ -1838,7 +1839,7 @@
               <a:pPr>
                 <a:defRPr/>
               </a:pPr>
-              <a:t>&lt;#&gt;</a:t>
+              <a:t>‹#›</a:t>
             </a:fld>
             <a:endParaRPr lang="ja-JP" altLang="en-US"/>
           </a:p>
@@ -1853,7 +1854,7 @@
 </file>
 
 <file path=ppt/slideLayouts/slideLayout14.xml><?xml version="1.0" encoding="utf-8"?>
-<p:sldLayout xmlns:a="http://schemas.openxmlformats.org/drawingml/2006/main" xmlns:r="http://schemas.openxmlformats.org/officeDocument/2006/relationships" xmlns:p="http://schemas.openxmlformats.org/presentationml/2006/main" type="objTx" preserve="1">
+<p:sldLayout xmlns:a="http://schemas.openxmlformats.org/drawingml/2006/main" xmlns:r="http://schemas.openxmlformats.org/officeDocument/2006/relationships" xmlns:mc="http://schemas.openxmlformats.org/markup-compatibility/2006" xmlns:mv="urn:schemas-microsoft-com:mac:vml" xmlns:p="http://schemas.openxmlformats.org/presentationml/2006/main" mc:Ignorable="mv" mc:PreserveAttributes="mv:*" type="objTx" preserve="1">
   <p:cSld name="タイトル付きのコンテンツ">
     <p:spTree>
       <p:nvGrpSpPr>
@@ -2113,7 +2114,7 @@
               <a:pPr>
                 <a:defRPr/>
               </a:pPr>
-              <a:t>2008/5/21</a:t>
+              <a:t>08.5.24</a:t>
             </a:fld>
             <a:endParaRPr lang="ja-JP" altLang="en-US"/>
           </a:p>
@@ -2172,7 +2173,7 @@
               <a:pPr>
                 <a:defRPr/>
               </a:pPr>
-              <a:t>&lt;#&gt;</a:t>
+              <a:t>‹#›</a:t>
             </a:fld>
             <a:endParaRPr lang="ja-JP" altLang="en-US"/>
           </a:p>
@@ -2187,7 +2188,7 @@
 </file>
 
 <file path=ppt/slideLayouts/slideLayout15.xml><?xml version="1.0" encoding="utf-8"?>
-<p:sldLayout xmlns:a="http://schemas.openxmlformats.org/drawingml/2006/main" xmlns:r="http://schemas.openxmlformats.org/officeDocument/2006/relationships" xmlns:p="http://schemas.openxmlformats.org/presentationml/2006/main" preserve="1">
+<p:sldLayout xmlns:a="http://schemas.openxmlformats.org/drawingml/2006/main" xmlns:r="http://schemas.openxmlformats.org/officeDocument/2006/relationships" xmlns:mc="http://schemas.openxmlformats.org/markup-compatibility/2006" xmlns:mv="urn:schemas-microsoft-com:mac:vml" xmlns:p="http://schemas.openxmlformats.org/presentationml/2006/main" mc:Ignorable="mv" mc:PreserveAttributes="mv:*" preserve="1">
   <p:cSld name="タイトルと図">
     <p:spTree>
       <p:nvGrpSpPr>
@@ -2534,7 +2535,7 @@
               <a:pPr>
                 <a:defRPr/>
               </a:pPr>
-              <a:t>2008/5/21</a:t>
+              <a:t>08.5.24</a:t>
             </a:fld>
             <a:endParaRPr lang="ja-JP" altLang="en-US"/>
           </a:p>
@@ -2593,7 +2594,7 @@
               <a:pPr>
                 <a:defRPr/>
               </a:pPr>
-              <a:t>&lt;#&gt;</a:t>
+              <a:t>‹#›</a:t>
             </a:fld>
             <a:endParaRPr lang="ja-JP" altLang="en-US"/>
           </a:p>
@@ -2608,7 +2609,7 @@
 </file>
 
 <file path=ppt/slideLayouts/slideLayout16.xml><?xml version="1.0" encoding="utf-8"?>
-<p:sldLayout xmlns:a="http://schemas.openxmlformats.org/drawingml/2006/main" xmlns:r="http://schemas.openxmlformats.org/officeDocument/2006/relationships" xmlns:p="http://schemas.openxmlformats.org/presentationml/2006/main" preserve="1">
+<p:sldLayout xmlns:a="http://schemas.openxmlformats.org/drawingml/2006/main" xmlns:r="http://schemas.openxmlformats.org/officeDocument/2006/relationships" xmlns:mc="http://schemas.openxmlformats.org/markup-compatibility/2006" xmlns:mv="urn:schemas-microsoft-com:mac:vml" xmlns:p="http://schemas.openxmlformats.org/presentationml/2006/main" mc:Ignorable="mv" mc:PreserveAttributes="mv:*" preserve="1">
   <p:cSld name="タイトル付き 2 つの図">
     <p:spTree>
       <p:nvGrpSpPr>
@@ -3159,7 +3160,7 @@
               <a:pPr>
                 <a:defRPr/>
               </a:pPr>
-              <a:t>2008/5/21</a:t>
+              <a:t>08.5.24</a:t>
             </a:fld>
             <a:endParaRPr lang="ja-JP" altLang="en-US"/>
           </a:p>
@@ -3218,7 +3219,7 @@
               <a:pPr>
                 <a:defRPr/>
               </a:pPr>
-              <a:t>&lt;#&gt;</a:t>
+              <a:t>‹#›</a:t>
             </a:fld>
             <a:endParaRPr lang="ja-JP" altLang="en-US"/>
           </a:p>
@@ -3233,7 +3234,7 @@
 </file>
 
 <file path=ppt/slideLayouts/slideLayout17.xml><?xml version="1.0" encoding="utf-8"?>
-<p:sldLayout xmlns:a="http://schemas.openxmlformats.org/drawingml/2006/main" xmlns:r="http://schemas.openxmlformats.org/officeDocument/2006/relationships" xmlns:p="http://schemas.openxmlformats.org/presentationml/2006/main" preserve="1">
+<p:sldLayout xmlns:a="http://schemas.openxmlformats.org/drawingml/2006/main" xmlns:r="http://schemas.openxmlformats.org/officeDocument/2006/relationships" xmlns:mc="http://schemas.openxmlformats.org/markup-compatibility/2006" xmlns:mv="urn:schemas-microsoft-com:mac:vml" xmlns:p="http://schemas.openxmlformats.org/presentationml/2006/main" mc:Ignorable="mv" mc:PreserveAttributes="mv:*" preserve="1">
   <p:cSld name="タイトルの上に図">
     <p:spTree>
       <p:nvGrpSpPr>
@@ -3583,7 +3584,7 @@
               <a:pPr>
                 <a:defRPr/>
               </a:pPr>
-              <a:t>2008/5/21</a:t>
+              <a:t>08.5.24</a:t>
             </a:fld>
             <a:endParaRPr lang="ja-JP" altLang="en-US"/>
           </a:p>
@@ -3642,7 +3643,7 @@
               <a:pPr>
                 <a:defRPr/>
               </a:pPr>
-              <a:t>&lt;#&gt;</a:t>
+              <a:t>‹#›</a:t>
             </a:fld>
             <a:endParaRPr lang="ja-JP" altLang="en-US"/>
           </a:p>
@@ -3657,7 +3658,7 @@
 </file>
 
 <file path=ppt/slideLayouts/slideLayout18.xml><?xml version="1.0" encoding="utf-8"?>
-<p:sldLayout xmlns:a="http://schemas.openxmlformats.org/drawingml/2006/main" xmlns:r="http://schemas.openxmlformats.org/officeDocument/2006/relationships" xmlns:p="http://schemas.openxmlformats.org/presentationml/2006/main" preserve="1">
+<p:sldLayout xmlns:a="http://schemas.openxmlformats.org/drawingml/2006/main" xmlns:r="http://schemas.openxmlformats.org/officeDocument/2006/relationships" xmlns:mc="http://schemas.openxmlformats.org/markup-compatibility/2006" xmlns:mv="urn:schemas-microsoft-com:mac:vml" xmlns:p="http://schemas.openxmlformats.org/presentationml/2006/main" mc:Ignorable="mv" mc:PreserveAttributes="mv:*" preserve="1">
   <p:cSld name="タイトルの上に 2 つの図">
     <p:spTree>
       <p:nvGrpSpPr>
@@ -4211,7 +4212,7 @@
               <a:pPr>
                 <a:defRPr/>
               </a:pPr>
-              <a:t>2008/5/21</a:t>
+              <a:t>08.5.24</a:t>
             </a:fld>
             <a:endParaRPr lang="ja-JP" altLang="en-US"/>
           </a:p>
@@ -4270,7 +4271,7 @@
               <a:pPr>
                 <a:defRPr/>
               </a:pPr>
-              <a:t>&lt;#&gt;</a:t>
+              <a:t>‹#›</a:t>
             </a:fld>
             <a:endParaRPr lang="ja-JP" altLang="en-US"/>
           </a:p>
@@ -4285,7 +4286,7 @@
 </file>
 
 <file path=ppt/slideLayouts/slideLayout19.xml><?xml version="1.0" encoding="utf-8"?>
-<p:sldLayout xmlns:a="http://schemas.openxmlformats.org/drawingml/2006/main" xmlns:r="http://schemas.openxmlformats.org/officeDocument/2006/relationships" xmlns:p="http://schemas.openxmlformats.org/presentationml/2006/main" type="vertTx" preserve="1">
+<p:sldLayout xmlns:a="http://schemas.openxmlformats.org/drawingml/2006/main" xmlns:r="http://schemas.openxmlformats.org/officeDocument/2006/relationships" xmlns:mc="http://schemas.openxmlformats.org/markup-compatibility/2006" xmlns:mv="urn:schemas-microsoft-com:mac:vml" xmlns:p="http://schemas.openxmlformats.org/presentationml/2006/main" mc:Ignorable="mv" mc:PreserveAttributes="mv:*" type="vertTx" preserve="1">
   <p:cSld name="タイトルと縦書きテキスト">
     <p:bg>
       <p:bgPr>
@@ -4447,7 +4448,7 @@
               <a:pPr>
                 <a:defRPr/>
               </a:pPr>
-              <a:t>2008/5/21</a:t>
+              <a:t>08.5.24</a:t>
             </a:fld>
             <a:endParaRPr lang="ja-JP" altLang="en-US"/>
           </a:p>
@@ -4506,7 +4507,7 @@
               <a:pPr>
                 <a:defRPr/>
               </a:pPr>
-              <a:t>&lt;#&gt;</a:t>
+              <a:t>‹#›</a:t>
             </a:fld>
             <a:endParaRPr lang="ja-JP" altLang="en-US"/>
           </a:p>
@@ -4521,7 +4522,7 @@
 </file>
 
 <file path=ppt/slideLayouts/slideLayout2.xml><?xml version="1.0" encoding="utf-8"?>
-<p:sldLayout xmlns:a="http://schemas.openxmlformats.org/drawingml/2006/main" xmlns:r="http://schemas.openxmlformats.org/officeDocument/2006/relationships" xmlns:p="http://schemas.openxmlformats.org/presentationml/2006/main" type="obj" preserve="1">
+<p:sldLayout xmlns:a="http://schemas.openxmlformats.org/drawingml/2006/main" xmlns:r="http://schemas.openxmlformats.org/officeDocument/2006/relationships" xmlns:mc="http://schemas.openxmlformats.org/markup-compatibility/2006" xmlns:mv="urn:schemas-microsoft-com:mac:vml" xmlns:p="http://schemas.openxmlformats.org/presentationml/2006/main" mc:Ignorable="mv" mc:PreserveAttributes="mv:*" type="obj" preserve="1">
   <p:cSld name="タイトルとコンテンツ">
     <p:spTree>
       <p:nvGrpSpPr>
@@ -4671,7 +4672,7 @@
               <a:pPr>
                 <a:defRPr/>
               </a:pPr>
-              <a:t>2008/5/21</a:t>
+              <a:t>08.5.24</a:t>
             </a:fld>
             <a:endParaRPr lang="ja-JP" altLang="en-US"/>
           </a:p>
@@ -4730,7 +4731,7 @@
               <a:pPr>
                 <a:defRPr/>
               </a:pPr>
-              <a:t>&lt;#&gt;</a:t>
+              <a:t>‹#›</a:t>
             </a:fld>
             <a:endParaRPr lang="ja-JP" altLang="en-US"/>
           </a:p>
@@ -4745,7 +4746,7 @@
 </file>
 
 <file path=ppt/slideLayouts/slideLayout20.xml><?xml version="1.0" encoding="utf-8"?>
-<p:sldLayout xmlns:a="http://schemas.openxmlformats.org/drawingml/2006/main" xmlns:r="http://schemas.openxmlformats.org/officeDocument/2006/relationships" xmlns:p="http://schemas.openxmlformats.org/presentationml/2006/main" type="vertTitleAndTx" preserve="1">
+<p:sldLayout xmlns:a="http://schemas.openxmlformats.org/drawingml/2006/main" xmlns:r="http://schemas.openxmlformats.org/officeDocument/2006/relationships" xmlns:mc="http://schemas.openxmlformats.org/markup-compatibility/2006" xmlns:mv="urn:schemas-microsoft-com:mac:vml" xmlns:p="http://schemas.openxmlformats.org/presentationml/2006/main" mc:Ignorable="mv" mc:PreserveAttributes="mv:*" type="vertTitleAndTx" preserve="1">
   <p:cSld name="縦書きタイトル/テキスト">
     <p:bg>
       <p:bgPr>
@@ -4917,7 +4918,7 @@
               <a:pPr>
                 <a:defRPr/>
               </a:pPr>
-              <a:t>2008/5/21</a:t>
+              <a:t>08.5.24</a:t>
             </a:fld>
             <a:endParaRPr lang="ja-JP" altLang="en-US"/>
           </a:p>
@@ -4976,7 +4977,7 @@
               <a:pPr>
                 <a:defRPr/>
               </a:pPr>
-              <a:t>&lt;#&gt;</a:t>
+              <a:t>‹#›</a:t>
             </a:fld>
             <a:endParaRPr lang="ja-JP" altLang="en-US"/>
           </a:p>
@@ -4991,7 +4992,7 @@
 </file>
 
 <file path=ppt/slideLayouts/slideLayout3.xml><?xml version="1.0" encoding="utf-8"?>
-<p:sldLayout xmlns:a="http://schemas.openxmlformats.org/drawingml/2006/main" xmlns:r="http://schemas.openxmlformats.org/officeDocument/2006/relationships" xmlns:p="http://schemas.openxmlformats.org/presentationml/2006/main" preserve="1">
+<p:sldLayout xmlns:a="http://schemas.openxmlformats.org/drawingml/2006/main" xmlns:r="http://schemas.openxmlformats.org/officeDocument/2006/relationships" xmlns:mc="http://schemas.openxmlformats.org/markup-compatibility/2006" xmlns:mv="urn:schemas-microsoft-com:mac:vml" xmlns:p="http://schemas.openxmlformats.org/presentationml/2006/main" mc:Ignorable="mv" mc:PreserveAttributes="mv:*" preserve="1">
   <p:cSld name="透かしとタイトル スライド">
     <p:bg>
       <p:bgRef idx="1003">
@@ -5359,7 +5360,7 @@
               <a:pPr>
                 <a:defRPr/>
               </a:pPr>
-              <a:t>2008/5/21</a:t>
+              <a:t>08.5.24</a:t>
             </a:fld>
             <a:endParaRPr lang="ja-JP" altLang="en-US"/>
           </a:p>
@@ -5433,7 +5434,7 @@
               <a:pPr>
                 <a:defRPr/>
               </a:pPr>
-              <a:t>&lt;#&gt;</a:t>
+              <a:t>‹#›</a:t>
             </a:fld>
             <a:endParaRPr lang="ja-JP" altLang="en-US"/>
           </a:p>
@@ -5448,7 +5449,7 @@
 </file>
 
 <file path=ppt/slideLayouts/slideLayout4.xml><?xml version="1.0" encoding="utf-8"?>
-<p:sldLayout xmlns:a="http://schemas.openxmlformats.org/drawingml/2006/main" xmlns:r="http://schemas.openxmlformats.org/officeDocument/2006/relationships" xmlns:p="http://schemas.openxmlformats.org/presentationml/2006/main" type="secHead" preserve="1">
+<p:sldLayout xmlns:a="http://schemas.openxmlformats.org/drawingml/2006/main" xmlns:r="http://schemas.openxmlformats.org/officeDocument/2006/relationships" xmlns:mc="http://schemas.openxmlformats.org/markup-compatibility/2006" xmlns:mv="urn:schemas-microsoft-com:mac:vml" xmlns:p="http://schemas.openxmlformats.org/presentationml/2006/main" mc:Ignorable="mv" mc:PreserveAttributes="mv:*" type="secHead" preserve="1">
   <p:cSld name="セクション ヘッダー">
     <p:bg>
       <p:bgRef idx="1002">
@@ -5669,7 +5670,7 @@
               <a:pPr>
                 <a:defRPr/>
               </a:pPr>
-              <a:t>2008/5/21</a:t>
+              <a:t>08.5.24</a:t>
             </a:fld>
             <a:endParaRPr lang="ja-JP" altLang="en-US"/>
           </a:p>
@@ -5728,7 +5729,7 @@
               <a:pPr>
                 <a:defRPr/>
               </a:pPr>
-              <a:t>&lt;#&gt;</a:t>
+              <a:t>‹#›</a:t>
             </a:fld>
             <a:endParaRPr lang="ja-JP" altLang="en-US"/>
           </a:p>
@@ -5743,7 +5744,7 @@
 </file>
 
 <file path=ppt/slideLayouts/slideLayout5.xml><?xml version="1.0" encoding="utf-8"?>
-<p:sldLayout xmlns:a="http://schemas.openxmlformats.org/drawingml/2006/main" xmlns:r="http://schemas.openxmlformats.org/officeDocument/2006/relationships" xmlns:p="http://schemas.openxmlformats.org/presentationml/2006/main" preserve="1">
+<p:sldLayout xmlns:a="http://schemas.openxmlformats.org/drawingml/2006/main" xmlns:r="http://schemas.openxmlformats.org/officeDocument/2006/relationships" xmlns:mc="http://schemas.openxmlformats.org/markup-compatibility/2006" xmlns:mv="urn:schemas-microsoft-com:mac:vml" xmlns:p="http://schemas.openxmlformats.org/presentationml/2006/main" mc:Ignorable="mv" mc:PreserveAttributes="mv:*" preserve="1">
   <p:cSld name="透かし付きセクション">
     <p:bg>
       <p:bgRef idx="1002">
@@ -6097,7 +6098,7 @@
               <a:pPr>
                 <a:defRPr/>
               </a:pPr>
-              <a:t>2008/5/21</a:t>
+              <a:t>08.5.24</a:t>
             </a:fld>
             <a:endParaRPr lang="ja-JP" altLang="en-US"/>
           </a:p>
@@ -6156,7 +6157,7 @@
               <a:pPr>
                 <a:defRPr/>
               </a:pPr>
-              <a:t>&lt;#&gt;</a:t>
+              <a:t>‹#›</a:t>
             </a:fld>
             <a:endParaRPr lang="ja-JP" altLang="en-US"/>
           </a:p>
@@ -6171,7 +6172,7 @@
 </file>
 
 <file path=ppt/slideLayouts/slideLayout6.xml><?xml version="1.0" encoding="utf-8"?>
-<p:sldLayout xmlns:a="http://schemas.openxmlformats.org/drawingml/2006/main" xmlns:r="http://schemas.openxmlformats.org/officeDocument/2006/relationships" xmlns:p="http://schemas.openxmlformats.org/presentationml/2006/main" preserve="1">
+<p:sldLayout xmlns:a="http://schemas.openxmlformats.org/drawingml/2006/main" xmlns:r="http://schemas.openxmlformats.org/officeDocument/2006/relationships" xmlns:mc="http://schemas.openxmlformats.org/markup-compatibility/2006" xmlns:mv="urn:schemas-microsoft-com:mac:vml" xmlns:p="http://schemas.openxmlformats.org/presentationml/2006/main" mc:Ignorable="mv" mc:PreserveAttributes="mv:*" preserve="1">
   <p:cSld name="図付きセクション">
     <p:bg>
       <p:bgPr>
@@ -6535,7 +6536,7 @@
               <a:pPr>
                 <a:defRPr/>
               </a:pPr>
-              <a:t>2008/5/21</a:t>
+              <a:t>08.5.24</a:t>
             </a:fld>
             <a:endParaRPr lang="ja-JP" altLang="en-US"/>
           </a:p>
@@ -6594,7 +6595,7 @@
               <a:pPr>
                 <a:defRPr/>
               </a:pPr>
-              <a:t>&lt;#&gt;</a:t>
+              <a:t>‹#›</a:t>
             </a:fld>
             <a:endParaRPr lang="ja-JP" altLang="en-US"/>
           </a:p>
@@ -6609,7 +6610,7 @@
 </file>
 
 <file path=ppt/slideLayouts/slideLayout7.xml><?xml version="1.0" encoding="utf-8"?>
-<p:sldLayout xmlns:a="http://schemas.openxmlformats.org/drawingml/2006/main" xmlns:r="http://schemas.openxmlformats.org/officeDocument/2006/relationships" xmlns:p="http://schemas.openxmlformats.org/presentationml/2006/main" type="twoObj" preserve="1">
+<p:sldLayout xmlns:a="http://schemas.openxmlformats.org/drawingml/2006/main" xmlns:r="http://schemas.openxmlformats.org/officeDocument/2006/relationships" xmlns:mc="http://schemas.openxmlformats.org/markup-compatibility/2006" xmlns:mv="urn:schemas-microsoft-com:mac:vml" xmlns:p="http://schemas.openxmlformats.org/presentationml/2006/main" mc:Ignorable="mv" mc:PreserveAttributes="mv:*" type="twoObj" preserve="1">
   <p:cSld name="2 つのコンテンツ">
     <p:spTree>
       <p:nvGrpSpPr>
@@ -6909,7 +6910,7 @@
               <a:pPr>
                 <a:defRPr/>
               </a:pPr>
-              <a:t>2008/5/21</a:t>
+              <a:t>08.5.24</a:t>
             </a:fld>
             <a:endParaRPr lang="ja-JP" altLang="en-US"/>
           </a:p>
@@ -6968,7 +6969,7 @@
               <a:pPr>
                 <a:defRPr/>
               </a:pPr>
-              <a:t>&lt;#&gt;</a:t>
+              <a:t>‹#›</a:t>
             </a:fld>
             <a:endParaRPr lang="ja-JP" altLang="en-US"/>
           </a:p>
@@ -6983,7 +6984,7 @@
 </file>
 
 <file path=ppt/slideLayouts/slideLayout8.xml><?xml version="1.0" encoding="utf-8"?>
-<p:sldLayout xmlns:a="http://schemas.openxmlformats.org/drawingml/2006/main" xmlns:r="http://schemas.openxmlformats.org/officeDocument/2006/relationships" xmlns:p="http://schemas.openxmlformats.org/presentationml/2006/main" type="twoTxTwoObj" preserve="1">
+<p:sldLayout xmlns:a="http://schemas.openxmlformats.org/drawingml/2006/main" xmlns:r="http://schemas.openxmlformats.org/officeDocument/2006/relationships" xmlns:mc="http://schemas.openxmlformats.org/markup-compatibility/2006" xmlns:mv="urn:schemas-microsoft-com:mac:vml" xmlns:p="http://schemas.openxmlformats.org/presentationml/2006/main" mc:Ignorable="mv" mc:PreserveAttributes="mv:*" type="twoTxTwoObj" preserve="1">
   <p:cSld name="比較">
     <p:spTree>
       <p:nvGrpSpPr>
@@ -7567,7 +7568,7 @@
               <a:pPr>
                 <a:defRPr/>
               </a:pPr>
-              <a:t>2008/5/21</a:t>
+              <a:t>08.5.24</a:t>
             </a:fld>
             <a:endParaRPr lang="ja-JP" altLang="en-US"/>
           </a:p>
@@ -7626,7 +7627,7 @@
               <a:pPr>
                 <a:defRPr/>
               </a:pPr>
-              <a:t>&lt;#&gt;</a:t>
+              <a:t>‹#›</a:t>
             </a:fld>
             <a:endParaRPr lang="ja-JP" altLang="en-US"/>
           </a:p>
@@ -7641,7 +7642,7 @@
 </file>
 
 <file path=ppt/slideLayouts/slideLayout9.xml><?xml version="1.0" encoding="utf-8"?>
-<p:sldLayout xmlns:a="http://schemas.openxmlformats.org/drawingml/2006/main" xmlns:r="http://schemas.openxmlformats.org/officeDocument/2006/relationships" xmlns:p="http://schemas.openxmlformats.org/presentationml/2006/main" preserve="1">
+<p:sldLayout xmlns:a="http://schemas.openxmlformats.org/drawingml/2006/main" xmlns:r="http://schemas.openxmlformats.org/officeDocument/2006/relationships" xmlns:mc="http://schemas.openxmlformats.org/markup-compatibility/2006" xmlns:mv="urn:schemas-microsoft-com:mac:vml" xmlns:p="http://schemas.openxmlformats.org/presentationml/2006/main" mc:Ignorable="mv" mc:PreserveAttributes="mv:*" preserve="1">
   <p:cSld name="2 つの上下のコンテンツ">
     <p:spTree>
       <p:nvGrpSpPr>
@@ -7941,7 +7942,7 @@
               <a:pPr>
                 <a:defRPr/>
               </a:pPr>
-              <a:t>2008/5/21</a:t>
+              <a:t>08.5.24</a:t>
             </a:fld>
             <a:endParaRPr lang="ja-JP" altLang="en-US"/>
           </a:p>
@@ -8000,7 +8001,7 @@
               <a:pPr>
                 <a:defRPr/>
               </a:pPr>
-              <a:t>&lt;#&gt;</a:t>
+              <a:t>‹#›</a:t>
             </a:fld>
             <a:endParaRPr lang="ja-JP" altLang="en-US"/>
           </a:p>
@@ -8015,7 +8016,7 @@
 </file>
 
 <file path=ppt/slideMasters/slideMaster1.xml><?xml version="1.0" encoding="utf-8"?>
-<p:sldMaster xmlns:a="http://schemas.openxmlformats.org/drawingml/2006/main" xmlns:r="http://schemas.openxmlformats.org/officeDocument/2006/relationships" xmlns:p="http://schemas.openxmlformats.org/presentationml/2006/main">
+<p:sldMaster xmlns:a="http://schemas.openxmlformats.org/drawingml/2006/main" xmlns:r="http://schemas.openxmlformats.org/officeDocument/2006/relationships" xmlns:mc="http://schemas.openxmlformats.org/markup-compatibility/2006" xmlns:mv="urn:schemas-microsoft-com:mac:vml" xmlns:p="http://schemas.openxmlformats.org/presentationml/2006/main" mc:Ignorable="mv" mc:PreserveAttributes="mv:*">
   <p:cSld>
     <p:bg>
       <p:bgRef idx="1001">
@@ -8227,7 +8228,7 @@
               <a:pPr>
                 <a:defRPr/>
               </a:pPr>
-              <a:t>2008/5/21</a:t>
+              <a:t>08.5.24</a:t>
             </a:fld>
             <a:endParaRPr lang="ja-JP" altLang="en-US"/>
           </a:p>
@@ -8338,7 +8339,7 @@
               <a:pPr>
                 <a:defRPr/>
               </a:pPr>
-              <a:t>&lt;#&gt;</a:t>
+              <a:t>‹#›</a:t>
             </a:fld>
             <a:endParaRPr lang="ja-JP" altLang="en-US"/>
           </a:p>
@@ -8770,7 +8771,7 @@
 </file>
 
 <file path=ppt/slides/slide1.xml><?xml version="1.0" encoding="utf-8"?>
-<p:sld xmlns:a="http://schemas.openxmlformats.org/drawingml/2006/main" xmlns:r="http://schemas.openxmlformats.org/officeDocument/2006/relationships" xmlns:p="http://schemas.openxmlformats.org/presentationml/2006/main">
+<p:sld xmlns:a="http://schemas.openxmlformats.org/drawingml/2006/main" xmlns:r="http://schemas.openxmlformats.org/officeDocument/2006/relationships" xmlns:mc="http://schemas.openxmlformats.org/markup-compatibility/2006" xmlns:mv="urn:schemas-microsoft-com:mac:vml" xmlns:p="http://schemas.openxmlformats.org/presentationml/2006/main" mc:Ignorable="mv" mc:PreserveAttributes="mv:*">
   <p:cSld>
     <p:spTree>
       <p:nvGrpSpPr>
@@ -8960,7 +8961,7 @@
 </file>
 
 <file path=ppt/slides/slide2.xml><?xml version="1.0" encoding="utf-8"?>
-<p:sld xmlns:a="http://schemas.openxmlformats.org/drawingml/2006/main" xmlns:r="http://schemas.openxmlformats.org/officeDocument/2006/relationships" xmlns:p="http://schemas.openxmlformats.org/presentationml/2006/main">
+<p:sld xmlns:a="http://schemas.openxmlformats.org/drawingml/2006/main" xmlns:r="http://schemas.openxmlformats.org/officeDocument/2006/relationships" xmlns:mc="http://schemas.openxmlformats.org/markup-compatibility/2006" xmlns:mv="urn:schemas-microsoft-com:mac:vml" xmlns:p="http://schemas.openxmlformats.org/presentationml/2006/main" mc:Ignorable="mv" mc:PreserveAttributes="mv:*">
   <p:cSld>
     <p:spTree>
       <p:nvGrpSpPr>
@@ -9607,7 +9608,58 @@
 </file>
 
 <file path=ppt/slides/slide3.xml><?xml version="1.0" encoding="utf-8"?>
-<p:sld xmlns:a="http://schemas.openxmlformats.org/drawingml/2006/main" xmlns:r="http://schemas.openxmlformats.org/officeDocument/2006/relationships" xmlns:p="http://schemas.openxmlformats.org/presentationml/2006/main">
+<p:sld xmlns:a="http://schemas.openxmlformats.org/drawingml/2006/main" xmlns:r="http://schemas.openxmlformats.org/officeDocument/2006/relationships" xmlns:mc="http://schemas.openxmlformats.org/markup-compatibility/2006" xmlns:mv="urn:schemas-microsoft-com:mac:vml" xmlns:p="http://schemas.openxmlformats.org/presentationml/2006/main" mc:Ignorable="mv" mc:PreserveAttributes="mv:*">
+  <p:cSld>
+    <p:spTree>
+      <p:nvGrpSpPr>
+        <p:cNvPr id="1" name=""/>
+        <p:cNvGrpSpPr/>
+        <p:nvPr/>
+      </p:nvGrpSpPr>
+      <p:grpSpPr>
+        <a:xfrm>
+          <a:off x="0" y="0"/>
+          <a:ext cx="0" cy="0"/>
+          <a:chOff x="0" y="0"/>
+          <a:chExt cx="0" cy="0"/>
+        </a:xfrm>
+      </p:grpSpPr>
+      <p:sp>
+        <p:nvSpPr>
+          <p:cNvPr id="2" name="タイトル 1"/>
+          <p:cNvSpPr>
+            <a:spLocks noGrp="1"/>
+          </p:cNvSpPr>
+          <p:nvPr>
+            <p:ph type="title"/>
+          </p:nvPr>
+        </p:nvSpPr>
+        <p:spPr/>
+        <p:txBody>
+          <a:bodyPr/>
+          <a:lstStyle/>
+          <a:p>
+            <a:endParaRPr lang="ja-JP" altLang="en-US"/>
+          </a:p>
+        </p:txBody>
+      </p:sp>
+    </p:spTree>
+  </p:cSld>
+  <p:clrMapOvr>
+    <a:masterClrMapping/>
+  </p:clrMapOvr>
+  <p:timing>
+    <p:tnLst>
+      <p:par>
+        <p:cTn id="1" dur="indefinite" restart="never" nodeType="tmRoot"/>
+      </p:par>
+    </p:tnLst>
+  </p:timing>
+</p:sld>
+</file>
+
+<file path=ppt/slides/slide4.xml><?xml version="1.0" encoding="utf-8"?>
+<p:sld xmlns:a="http://schemas.openxmlformats.org/drawingml/2006/main" xmlns:r="http://schemas.openxmlformats.org/officeDocument/2006/relationships" xmlns:mc="http://schemas.openxmlformats.org/markup-compatibility/2006" xmlns:mv="urn:schemas-microsoft-com:mac:vml" xmlns:p="http://schemas.openxmlformats.org/presentationml/2006/main" mc:Ignorable="mv" mc:PreserveAttributes="mv:*">
   <p:cSld>
     <p:spTree>
       <p:nvGrpSpPr>
@@ -9850,7 +9902,7 @@
         <p:spPr bwMode="gray">
           <a:xfrm>
             <a:off x="914400" y="2982913"/>
-            <a:ext cx="2300288" cy="1646237"/>
+            <a:ext cx="2300288" cy="1661994"/>
           </a:xfrm>
           <a:prstGeom prst="rect">
             <a:avLst/>
@@ -9871,7 +9923,7 @@
           <a:p>
             <a:pPr algn="ctr" eaLnBrk="0" hangingPunct="0"/>
             <a:r>
-              <a:rPr kumimoji="0" lang="ja-JP" altLang="en-US" sz="1600">
+              <a:rPr kumimoji="0" lang="ja-JP" altLang="en-US" sz="1600" dirty="0">
                 <a:solidFill>
                   <a:srgbClr val="000000"/>
                 </a:solidFill>
@@ -9881,7 +9933,7 @@
               </a:rPr>
               <a:t>テーブル名・カラム名</a:t>
             </a:r>
-            <a:endParaRPr kumimoji="0" lang="en-US" altLang="ja-JP" sz="1600">
+            <a:endParaRPr kumimoji="0" lang="en-US" altLang="ja-JP" sz="1600" dirty="0">
               <a:solidFill>
                 <a:srgbClr val="000000"/>
               </a:solidFill>
@@ -9893,7 +9945,7 @@
           <a:p>
             <a:pPr algn="ctr" eaLnBrk="0" hangingPunct="0"/>
             <a:r>
-              <a:rPr kumimoji="0" lang="ja-JP" altLang="en-US" sz="1600">
+              <a:rPr kumimoji="0" lang="ja-JP" altLang="en-US" sz="1600" dirty="0">
                 <a:solidFill>
                   <a:srgbClr val="000000"/>
                 </a:solidFill>
@@ -9903,7 +9955,7 @@
               </a:rPr>
               <a:t>を完全補完</a:t>
             </a:r>
-            <a:endParaRPr kumimoji="0" lang="en-US" altLang="ja-JP" sz="1600">
+            <a:endParaRPr kumimoji="0" lang="en-US" altLang="ja-JP" sz="1600" dirty="0">
               <a:solidFill>
                 <a:srgbClr val="000000"/>
               </a:solidFill>
@@ -9914,7 +9966,7 @@
           </a:p>
           <a:p>
             <a:pPr eaLnBrk="0" hangingPunct="0"/>
-            <a:endParaRPr kumimoji="0" lang="en-US" altLang="ja-JP" sz="1000">
+            <a:endParaRPr kumimoji="0" lang="en-US" altLang="ja-JP" sz="1000" dirty="0">
               <a:solidFill>
                 <a:srgbClr val="000000"/>
               </a:solidFill>
@@ -9926,7 +9978,7 @@
           <a:p>
             <a:pPr eaLnBrk="0" hangingPunct="0"/>
             <a:r>
-              <a:rPr kumimoji="0" lang="en-US" altLang="ja-JP" sz="1200">
+              <a:rPr kumimoji="0" lang="en-US" altLang="ja-JP" sz="1200" dirty="0">
                 <a:solidFill>
                   <a:srgbClr val="000000"/>
                 </a:solidFill>
@@ -9937,7 +9989,7 @@
               <a:t>■Eclipse</a:t>
             </a:r>
             <a:r>
-              <a:rPr kumimoji="0" lang="ja-JP" altLang="en-US" sz="1200">
+              <a:rPr kumimoji="0" lang="ja-JP" altLang="en-US" sz="1200" dirty="0">
                 <a:solidFill>
                   <a:srgbClr val="000000"/>
                 </a:solidFill>
@@ -9948,7 +10000,7 @@
               <a:t>で「</a:t>
             </a:r>
             <a:r>
-              <a:rPr kumimoji="0" lang="en-US" altLang="ja-JP" sz="1200">
+              <a:rPr kumimoji="0" lang="en-US" altLang="ja-JP" sz="1200" dirty="0">
                 <a:solidFill>
                   <a:srgbClr val="000000"/>
                 </a:solidFill>
@@ -9959,7 +10011,7 @@
               <a:t>.(</a:t>
             </a:r>
             <a:r>
-              <a:rPr kumimoji="0" lang="ja-JP" altLang="en-US" sz="1200">
+              <a:rPr kumimoji="0" lang="ja-JP" altLang="en-US" sz="1200" dirty="0">
                 <a:solidFill>
                   <a:srgbClr val="000000"/>
                 </a:solidFill>
@@ -9970,7 +10022,7 @@
               <a:t>ドット</a:t>
             </a:r>
             <a:r>
-              <a:rPr kumimoji="0" lang="en-US" altLang="ja-JP" sz="1200">
+              <a:rPr kumimoji="0" lang="en-US" altLang="ja-JP" sz="1200" dirty="0">
                 <a:solidFill>
                   <a:srgbClr val="000000"/>
                 </a:solidFill>
@@ -9981,7 +10033,7 @@
               <a:t>)</a:t>
             </a:r>
             <a:r>
-              <a:rPr kumimoji="0" lang="ja-JP" altLang="en-US" sz="1200">
+              <a:rPr kumimoji="0" lang="ja-JP" altLang="en-US" sz="1200" dirty="0">
                 <a:solidFill>
                   <a:srgbClr val="000000"/>
                 </a:solidFill>
@@ -9989,13 +10041,10 @@
                 <a:ea typeface="Osaka−等幅"/>
                 <a:cs typeface="HGP創英角ｺﾞｼｯｸUB" pitchFamily="50" charset="-128"/>
               </a:rPr>
-              <a:t>」　補完</a:t>
-            </a:r>
-          </a:p>
-          <a:p>
-            <a:pPr eaLnBrk="0" hangingPunct="0"/>
-            <a:r>
-              <a:rPr kumimoji="0" lang="ja-JP" altLang="en-US" sz="1200">
+              <a:t>」</a:t>
+            </a:r>
+            <a:r>
+              <a:rPr kumimoji="0" lang="ja-JP" altLang="en-US" sz="1200" dirty="0" smtClean="0">
                 <a:solidFill>
                   <a:srgbClr val="000000"/>
                 </a:solidFill>
@@ -10003,9 +10052,42 @@
                 <a:ea typeface="Osaka−等幅"/>
                 <a:cs typeface="HGP創英角ｺﾞｼｯｸUB" pitchFamily="50" charset="-128"/>
               </a:rPr>
-              <a:t>　で安全実装</a:t>
-            </a:r>
-            <a:endParaRPr kumimoji="0" lang="en-US" altLang="ja-JP" sz="1200">
+              <a:t>　</a:t>
+            </a:r>
+            <a:r>
+              <a:rPr kumimoji="0" lang="ja-JP" altLang="en-US" sz="1200" dirty="0" smtClean="0">
+                <a:solidFill>
+                  <a:srgbClr val="000000"/>
+                </a:solidFill>
+                <a:latin typeface="メイリオ"/>
+                <a:ea typeface="Osaka−等幅"/>
+                <a:cs typeface="HGP創英角ｺﾞｼｯｸUB" pitchFamily="50" charset="-128"/>
+              </a:rPr>
+              <a:t>　</a:t>
+            </a:r>
+            <a:r>
+              <a:rPr kumimoji="0" lang="ja-JP" altLang="en-US" sz="1200" dirty="0" smtClean="0">
+                <a:solidFill>
+                  <a:srgbClr val="000000"/>
+                </a:solidFill>
+                <a:latin typeface="メイリオ"/>
+                <a:ea typeface="Osaka−等幅"/>
+                <a:cs typeface="HGP創英角ｺﾞｼｯｸUB" pitchFamily="50" charset="-128"/>
+              </a:rPr>
+              <a:t>補完で</a:t>
+            </a:r>
+            <a:r>
+              <a:rPr kumimoji="0" lang="ja-JP" altLang="en-US" sz="1200" dirty="0">
+                <a:solidFill>
+                  <a:srgbClr val="000000"/>
+                </a:solidFill>
+                <a:latin typeface="メイリオ"/>
+                <a:ea typeface="Osaka−等幅"/>
+                <a:cs typeface="HGP創英角ｺﾞｼｯｸUB" pitchFamily="50" charset="-128"/>
+              </a:rPr>
+              <a:t>安全実装</a:t>
+            </a:r>
+            <a:endParaRPr kumimoji="0" lang="en-US" altLang="ja-JP" sz="1200" dirty="0">
               <a:solidFill>
                 <a:srgbClr val="000000"/>
               </a:solidFill>
@@ -10016,7 +10098,7 @@
           </a:p>
           <a:p>
             <a:pPr eaLnBrk="0" hangingPunct="0"/>
-            <a:endParaRPr kumimoji="0" lang="en-US" altLang="ja-JP" sz="1200">
+            <a:endParaRPr kumimoji="0" lang="en-US" altLang="ja-JP" sz="1200" dirty="0">
               <a:solidFill>
                 <a:srgbClr val="000000"/>
               </a:solidFill>
@@ -10028,7 +10110,7 @@
           <a:p>
             <a:pPr eaLnBrk="0" hangingPunct="0"/>
             <a:r>
-              <a:rPr kumimoji="0" lang="en-US" altLang="ja-JP" sz="1200">
+              <a:rPr kumimoji="0" lang="en-US" altLang="ja-JP" sz="1200" dirty="0">
                 <a:solidFill>
                   <a:srgbClr val="000000"/>
                 </a:solidFill>
@@ -10039,7 +10121,7 @@
               <a:t>■</a:t>
             </a:r>
             <a:r>
-              <a:rPr kumimoji="0" lang="en-US" altLang="ja-JP" sz="1200" b="1">
+              <a:rPr kumimoji="0" lang="en-US" altLang="ja-JP" sz="1200" b="1" dirty="0">
                 <a:solidFill>
                   <a:schemeClr val="accent1"/>
                 </a:solidFill>
@@ -10050,7 +10132,7 @@
               <a:t>DB</a:t>
             </a:r>
             <a:r>
-              <a:rPr kumimoji="0" lang="ja-JP" altLang="en-US" sz="1200" b="1">
+              <a:rPr kumimoji="0" lang="ja-JP" altLang="en-US" sz="1200" b="1" dirty="0">
                 <a:solidFill>
                   <a:schemeClr val="accent1"/>
                 </a:solidFill>
@@ -10061,7 +10143,7 @@
               <a:t>変更に強い</a:t>
             </a:r>
             <a:r>
-              <a:rPr kumimoji="0" lang="en-US" altLang="ja-JP" sz="1200" b="1">
+              <a:rPr kumimoji="0" lang="en-US" altLang="ja-JP" sz="1200" b="1" dirty="0">
                 <a:solidFill>
                   <a:schemeClr val="accent1"/>
                 </a:solidFill>
@@ -10072,7 +10154,7 @@
               <a:t>(</a:t>
             </a:r>
             <a:r>
-              <a:rPr kumimoji="0" lang="ja-JP" altLang="en-US" sz="1200" b="1">
+              <a:rPr kumimoji="0" lang="ja-JP" altLang="en-US" sz="1200" b="1" dirty="0">
                 <a:solidFill>
                   <a:schemeClr val="accent1"/>
                 </a:solidFill>
@@ -10082,7 +10164,7 @@
               </a:rPr>
               <a:t>コンパイル</a:t>
             </a:r>
-            <a:endParaRPr kumimoji="0" lang="en-US" altLang="ja-JP" sz="1200" b="1">
+            <a:endParaRPr kumimoji="0" lang="en-US" altLang="ja-JP" sz="1200" b="1" dirty="0">
               <a:solidFill>
                 <a:schemeClr val="accent1"/>
               </a:solidFill>
@@ -10094,7 +10176,7 @@
           <a:p>
             <a:pPr eaLnBrk="0" hangingPunct="0"/>
             <a:r>
-              <a:rPr kumimoji="0" lang="ja-JP" altLang="en-US" sz="1200" b="1">
+              <a:rPr kumimoji="0" lang="ja-JP" altLang="en-US" sz="1200" b="1" dirty="0">
                 <a:solidFill>
                   <a:schemeClr val="accent1"/>
                 </a:solidFill>
@@ -10105,7 +10187,7 @@
               <a:t>　エラーで検知</a:t>
             </a:r>
             <a:r>
-              <a:rPr kumimoji="0" lang="en-US" altLang="ja-JP" sz="1200" b="1">
+              <a:rPr kumimoji="0" lang="en-US" altLang="ja-JP" sz="1200" b="1" dirty="0">
                 <a:solidFill>
                   <a:schemeClr val="accent1"/>
                 </a:solidFill>
@@ -11980,8 +12062,8 @@
 </p:sld>
 </file>
 
-<file path=ppt/slides/slide4.xml><?xml version="1.0" encoding="utf-8"?>
-<p:sld xmlns:a="http://schemas.openxmlformats.org/drawingml/2006/main" xmlns:r="http://schemas.openxmlformats.org/officeDocument/2006/relationships" xmlns:p="http://schemas.openxmlformats.org/presentationml/2006/main">
+<file path=ppt/slides/slide5.xml><?xml version="1.0" encoding="utf-8"?>
+<p:sld xmlns:a="http://schemas.openxmlformats.org/drawingml/2006/main" xmlns:r="http://schemas.openxmlformats.org/officeDocument/2006/relationships" xmlns:mc="http://schemas.openxmlformats.org/markup-compatibility/2006" xmlns:mv="urn:schemas-microsoft-com:mac:vml" xmlns:p="http://schemas.openxmlformats.org/presentationml/2006/main" mc:Ignorable="mv" mc:PreserveAttributes="mv:*">
   <p:cSld>
     <p:spTree>
       <p:nvGrpSpPr>
@@ -12309,7 +12391,7 @@
         <p:spPr bwMode="gray">
           <a:xfrm>
             <a:off x="914400" y="2982913"/>
-            <a:ext cx="2300288" cy="1098550"/>
+            <a:ext cx="2300288" cy="1292662"/>
           </a:xfrm>
           <a:prstGeom prst="rect">
             <a:avLst/>
@@ -12330,7 +12412,7 @@
           <a:p>
             <a:pPr algn="ctr" eaLnBrk="0" hangingPunct="0"/>
             <a:r>
-              <a:rPr kumimoji="0" lang="ja-JP" altLang="en-US" sz="1600">
+              <a:rPr kumimoji="0" lang="ja-JP" altLang="en-US" sz="1600" dirty="0">
                 <a:solidFill>
                   <a:srgbClr val="000000"/>
                 </a:solidFill>
@@ -12344,7 +12426,7 @@
           <a:p>
             <a:pPr algn="ctr" eaLnBrk="0" hangingPunct="0"/>
             <a:r>
-              <a:rPr kumimoji="0" lang="ja-JP" altLang="en-US" sz="1600">
+              <a:rPr kumimoji="0" lang="ja-JP" altLang="en-US" sz="1600" dirty="0">
                 <a:solidFill>
                   <a:srgbClr val="000000"/>
                 </a:solidFill>
@@ -12354,7 +12436,7 @@
               </a:rPr>
               <a:t>を徹底</a:t>
             </a:r>
-            <a:endParaRPr kumimoji="0" lang="en-US" altLang="ja-JP" sz="1600">
+            <a:endParaRPr kumimoji="0" lang="en-US" altLang="ja-JP" sz="1600" dirty="0">
               <a:solidFill>
                 <a:srgbClr val="000000"/>
               </a:solidFill>
@@ -12365,7 +12447,7 @@
           </a:p>
           <a:p>
             <a:pPr eaLnBrk="0" hangingPunct="0"/>
-            <a:endParaRPr kumimoji="0" lang="en-US" altLang="ja-JP" sz="1000">
+            <a:endParaRPr kumimoji="0" lang="en-US" altLang="ja-JP" sz="1000" dirty="0">
               <a:solidFill>
                 <a:srgbClr val="000000"/>
               </a:solidFill>
@@ -12377,7 +12459,7 @@
           <a:p>
             <a:pPr eaLnBrk="0" hangingPunct="0"/>
             <a:r>
-              <a:rPr kumimoji="0" lang="en-US" altLang="ja-JP" sz="1200">
+              <a:rPr kumimoji="0" lang="en-US" altLang="ja-JP" sz="1200" dirty="0">
                 <a:solidFill>
                   <a:srgbClr val="000000"/>
                 </a:solidFill>
@@ -12388,7 +12470,7 @@
               <a:t>■</a:t>
             </a:r>
             <a:r>
-              <a:rPr kumimoji="0" lang="ja-JP" altLang="en-US" sz="1200">
+              <a:rPr kumimoji="0" lang="ja-JP" altLang="en-US" sz="1200" dirty="0">
                 <a:solidFill>
                   <a:srgbClr val="000000"/>
                 </a:solidFill>
@@ -12402,7 +12484,7 @@
           <a:p>
             <a:pPr eaLnBrk="0" hangingPunct="0"/>
             <a:r>
-              <a:rPr kumimoji="0" lang="ja-JP" altLang="en-US" sz="1200">
+              <a:rPr kumimoji="0" lang="ja-JP" altLang="en-US" sz="1200" dirty="0">
                 <a:solidFill>
                   <a:srgbClr val="000000"/>
                 </a:solidFill>
@@ -12410,9 +12492,53 @@
                 <a:ea typeface="Osaka−等幅"/>
                 <a:cs typeface="HGP創英角ｺﾞｼｯｸUB" pitchFamily="50" charset="-128"/>
               </a:rPr>
-              <a:t>　デバッグのためにとても重要</a:t>
-            </a:r>
-            <a:endParaRPr kumimoji="0" lang="en-US" altLang="ja-JP" sz="1200">
+              <a:t>　デバッグのために</a:t>
+            </a:r>
+            <a:r>
+              <a:rPr kumimoji="0" lang="ja-JP" altLang="en-US" sz="1200" dirty="0" smtClean="0">
+                <a:solidFill>
+                  <a:srgbClr val="000000"/>
+                </a:solidFill>
+                <a:latin typeface="メイリオ"/>
+                <a:ea typeface="Osaka−等幅"/>
+                <a:cs typeface="HGP創英角ｺﾞｼｯｸUB" pitchFamily="50" charset="-128"/>
+              </a:rPr>
+              <a:t>とても</a:t>
+            </a:r>
+            <a:endParaRPr kumimoji="0" lang="en-US" altLang="ja-JP" sz="1200" dirty="0" smtClean="0">
+              <a:solidFill>
+                <a:srgbClr val="000000"/>
+              </a:solidFill>
+              <a:latin typeface="メイリオ"/>
+              <a:ea typeface="Osaka−等幅"/>
+              <a:cs typeface="HGP創英角ｺﾞｼｯｸUB" pitchFamily="50" charset="-128"/>
+            </a:endParaRPr>
+          </a:p>
+          <a:p>
+            <a:pPr eaLnBrk="0" hangingPunct="0"/>
+            <a:r>
+              <a:rPr kumimoji="0" lang="ja-JP" altLang="ja-JP" sz="1200" dirty="0" smtClean="0">
+                <a:solidFill>
+                  <a:srgbClr val="000000"/>
+                </a:solidFill>
+                <a:latin typeface="メイリオ"/>
+                <a:ea typeface="Osaka−等幅"/>
+                <a:cs typeface="HGP創英角ｺﾞｼｯｸUB" pitchFamily="50" charset="-128"/>
+              </a:rPr>
+              <a:t>　</a:t>
+            </a:r>
+            <a:r>
+              <a:rPr kumimoji="0" lang="ja-JP" altLang="en-US" sz="1200" dirty="0" smtClean="0">
+                <a:solidFill>
+                  <a:srgbClr val="000000"/>
+                </a:solidFill>
+                <a:latin typeface="メイリオ"/>
+                <a:ea typeface="Osaka−等幅"/>
+                <a:cs typeface="HGP創英角ｺﾞｼｯｸUB" pitchFamily="50" charset="-128"/>
+              </a:rPr>
+              <a:t>重要</a:t>
+            </a:r>
+            <a:endParaRPr kumimoji="0" lang="en-US" altLang="ja-JP" sz="1200" dirty="0">
               <a:solidFill>
                 <a:srgbClr val="000000"/>
               </a:solidFill>
@@ -14002,8 +14128,8 @@
 </p:sld>
 </file>
 
-<file path=ppt/slides/slide5.xml><?xml version="1.0" encoding="utf-8"?>
-<p:sld xmlns:a="http://schemas.openxmlformats.org/drawingml/2006/main" xmlns:r="http://schemas.openxmlformats.org/officeDocument/2006/relationships" xmlns:p="http://schemas.openxmlformats.org/presentationml/2006/main">
+<file path=ppt/slides/slide6.xml><?xml version="1.0" encoding="utf-8"?>
+<p:sld xmlns:a="http://schemas.openxmlformats.org/drawingml/2006/main" xmlns:r="http://schemas.openxmlformats.org/officeDocument/2006/relationships" xmlns:mc="http://schemas.openxmlformats.org/markup-compatibility/2006" xmlns:mv="urn:schemas-microsoft-com:mac:vml" xmlns:p="http://schemas.openxmlformats.org/presentationml/2006/main" mc:Ignorable="mv" mc:PreserveAttributes="mv:*">
   <p:cSld>
     <p:spTree>
       <p:nvGrpSpPr>
@@ -16239,8 +16365,8 @@
 </p:sld>
 </file>
 
-<file path=ppt/slides/slide6.xml><?xml version="1.0" encoding="utf-8"?>
-<p:sld xmlns:a="http://schemas.openxmlformats.org/drawingml/2006/main" xmlns:r="http://schemas.openxmlformats.org/officeDocument/2006/relationships" xmlns:p="http://schemas.openxmlformats.org/presentationml/2006/main">
+<file path=ppt/slides/slide7.xml><?xml version="1.0" encoding="utf-8"?>
+<p:sld xmlns:a="http://schemas.openxmlformats.org/drawingml/2006/main" xmlns:r="http://schemas.openxmlformats.org/officeDocument/2006/relationships" xmlns:mc="http://schemas.openxmlformats.org/markup-compatibility/2006" xmlns:mv="urn:schemas-microsoft-com:mac:vml" xmlns:p="http://schemas.openxmlformats.org/presentationml/2006/main" mc:Ignorable="mv" mc:PreserveAttributes="mv:*">
   <p:cSld>
     <p:spTree>
       <p:nvGrpSpPr>

--- a/dbflute/etc/doc/ref/session/resource/sc2008spring_a2_dbflute.pptx
+++ b/dbflute/etc/doc/ref/session/resource/sc2008spring_a2_dbflute.pptx
@@ -7,11 +7,10 @@
   <p:sldIdLst>
     <p:sldId id="256" r:id="rId2"/>
     <p:sldId id="257" r:id="rId3"/>
-    <p:sldId id="262" r:id="rId4"/>
-    <p:sldId id="258" r:id="rId5"/>
-    <p:sldId id="259" r:id="rId6"/>
-    <p:sldId id="260" r:id="rId7"/>
-    <p:sldId id="261" r:id="rId8"/>
+    <p:sldId id="258" r:id="rId4"/>
+    <p:sldId id="259" r:id="rId5"/>
+    <p:sldId id="260" r:id="rId6"/>
+    <p:sldId id="261" r:id="rId7"/>
   </p:sldIdLst>
   <p:sldSz cx="9144000" cy="6858000" type="screen4x3"/>
   <p:notesSz cx="6858000" cy="9144000"/>
@@ -387,7 +386,7 @@
               <a:pPr>
                 <a:defRPr/>
               </a:pPr>
-              <a:t>08.5.24</a:t>
+              <a:t>08.7.28</a:t>
             </a:fld>
             <a:endParaRPr lang="en-US" altLang="ja-JP"/>
           </a:p>
@@ -915,7 +914,7 @@
               <a:pPr>
                 <a:defRPr/>
               </a:pPr>
-              <a:t>08.5.24</a:t>
+              <a:t>08.7.28</a:t>
             </a:fld>
             <a:endParaRPr lang="ja-JP" altLang="en-US"/>
           </a:p>
@@ -1523,7 +1522,7 @@
               <a:pPr>
                 <a:defRPr/>
               </a:pPr>
-              <a:t>08.5.24</a:t>
+              <a:t>08.7.28</a:t>
             </a:fld>
             <a:endParaRPr lang="ja-JP" altLang="en-US"/>
           </a:p>
@@ -1663,7 +1662,7 @@
               <a:pPr>
                 <a:defRPr/>
               </a:pPr>
-              <a:t>08.5.24</a:t>
+              <a:t>08.7.28</a:t>
             </a:fld>
             <a:endParaRPr lang="ja-JP" altLang="en-US"/>
           </a:p>
@@ -1780,7 +1779,7 @@
               <a:pPr>
                 <a:defRPr/>
               </a:pPr>
-              <a:t>08.5.24</a:t>
+              <a:t>08.7.28</a:t>
             </a:fld>
             <a:endParaRPr lang="ja-JP" altLang="en-US"/>
           </a:p>
@@ -2114,7 +2113,7 @@
               <a:pPr>
                 <a:defRPr/>
               </a:pPr>
-              <a:t>08.5.24</a:t>
+              <a:t>08.7.28</a:t>
             </a:fld>
             <a:endParaRPr lang="ja-JP" altLang="en-US"/>
           </a:p>
@@ -2535,7 +2534,7 @@
               <a:pPr>
                 <a:defRPr/>
               </a:pPr>
-              <a:t>08.5.24</a:t>
+              <a:t>08.7.28</a:t>
             </a:fld>
             <a:endParaRPr lang="ja-JP" altLang="en-US"/>
           </a:p>
@@ -3160,7 +3159,7 @@
               <a:pPr>
                 <a:defRPr/>
               </a:pPr>
-              <a:t>08.5.24</a:t>
+              <a:t>08.7.28</a:t>
             </a:fld>
             <a:endParaRPr lang="ja-JP" altLang="en-US"/>
           </a:p>
@@ -3584,7 +3583,7 @@
               <a:pPr>
                 <a:defRPr/>
               </a:pPr>
-              <a:t>08.5.24</a:t>
+              <a:t>08.7.28</a:t>
             </a:fld>
             <a:endParaRPr lang="ja-JP" altLang="en-US"/>
           </a:p>
@@ -4212,7 +4211,7 @@
               <a:pPr>
                 <a:defRPr/>
               </a:pPr>
-              <a:t>08.5.24</a:t>
+              <a:t>08.7.28</a:t>
             </a:fld>
             <a:endParaRPr lang="ja-JP" altLang="en-US"/>
           </a:p>
@@ -4448,7 +4447,7 @@
               <a:pPr>
                 <a:defRPr/>
               </a:pPr>
-              <a:t>08.5.24</a:t>
+              <a:t>08.7.28</a:t>
             </a:fld>
             <a:endParaRPr lang="ja-JP" altLang="en-US"/>
           </a:p>
@@ -4672,7 +4671,7 @@
               <a:pPr>
                 <a:defRPr/>
               </a:pPr>
-              <a:t>08.5.24</a:t>
+              <a:t>08.7.28</a:t>
             </a:fld>
             <a:endParaRPr lang="ja-JP" altLang="en-US"/>
           </a:p>
@@ -4918,7 +4917,7 @@
               <a:pPr>
                 <a:defRPr/>
               </a:pPr>
-              <a:t>08.5.24</a:t>
+              <a:t>08.7.28</a:t>
             </a:fld>
             <a:endParaRPr lang="ja-JP" altLang="en-US"/>
           </a:p>
@@ -5360,7 +5359,7 @@
               <a:pPr>
                 <a:defRPr/>
               </a:pPr>
-              <a:t>08.5.24</a:t>
+              <a:t>08.7.28</a:t>
             </a:fld>
             <a:endParaRPr lang="ja-JP" altLang="en-US"/>
           </a:p>
@@ -5670,7 +5669,7 @@
               <a:pPr>
                 <a:defRPr/>
               </a:pPr>
-              <a:t>08.5.24</a:t>
+              <a:t>08.7.28</a:t>
             </a:fld>
             <a:endParaRPr lang="ja-JP" altLang="en-US"/>
           </a:p>
@@ -6098,7 +6097,7 @@
               <a:pPr>
                 <a:defRPr/>
               </a:pPr>
-              <a:t>08.5.24</a:t>
+              <a:t>08.7.28</a:t>
             </a:fld>
             <a:endParaRPr lang="ja-JP" altLang="en-US"/>
           </a:p>
@@ -6536,7 +6535,7 @@
               <a:pPr>
                 <a:defRPr/>
               </a:pPr>
-              <a:t>08.5.24</a:t>
+              <a:t>08.7.28</a:t>
             </a:fld>
             <a:endParaRPr lang="ja-JP" altLang="en-US"/>
           </a:p>
@@ -6910,7 +6909,7 @@
               <a:pPr>
                 <a:defRPr/>
               </a:pPr>
-              <a:t>08.5.24</a:t>
+              <a:t>08.7.28</a:t>
             </a:fld>
             <a:endParaRPr lang="ja-JP" altLang="en-US"/>
           </a:p>
@@ -7568,7 +7567,7 @@
               <a:pPr>
                 <a:defRPr/>
               </a:pPr>
-              <a:t>08.5.24</a:t>
+              <a:t>08.7.28</a:t>
             </a:fld>
             <a:endParaRPr lang="ja-JP" altLang="en-US"/>
           </a:p>
@@ -7942,7 +7941,7 @@
               <a:pPr>
                 <a:defRPr/>
               </a:pPr>
-              <a:t>08.5.24</a:t>
+              <a:t>08.7.28</a:t>
             </a:fld>
             <a:endParaRPr lang="ja-JP" altLang="en-US"/>
           </a:p>
@@ -8228,7 +8227,7 @@
               <a:pPr>
                 <a:defRPr/>
               </a:pPr>
-              <a:t>08.5.24</a:t>
+              <a:t>08.7.28</a:t>
             </a:fld>
             <a:endParaRPr lang="ja-JP" altLang="en-US"/>
           </a:p>
@@ -9626,57 +9625,6 @@
       </p:grpSpPr>
       <p:sp>
         <p:nvSpPr>
-          <p:cNvPr id="2" name="タイトル 1"/>
-          <p:cNvSpPr>
-            <a:spLocks noGrp="1"/>
-          </p:cNvSpPr>
-          <p:nvPr>
-            <p:ph type="title"/>
-          </p:nvPr>
-        </p:nvSpPr>
-        <p:spPr/>
-        <p:txBody>
-          <a:bodyPr/>
-          <a:lstStyle/>
-          <a:p>
-            <a:endParaRPr lang="ja-JP" altLang="en-US"/>
-          </a:p>
-        </p:txBody>
-      </p:sp>
-    </p:spTree>
-  </p:cSld>
-  <p:clrMapOvr>
-    <a:masterClrMapping/>
-  </p:clrMapOvr>
-  <p:timing>
-    <p:tnLst>
-      <p:par>
-        <p:cTn id="1" dur="indefinite" restart="never" nodeType="tmRoot"/>
-      </p:par>
-    </p:tnLst>
-  </p:timing>
-</p:sld>
-</file>
-
-<file path=ppt/slides/slide4.xml><?xml version="1.0" encoding="utf-8"?>
-<p:sld xmlns:a="http://schemas.openxmlformats.org/drawingml/2006/main" xmlns:r="http://schemas.openxmlformats.org/officeDocument/2006/relationships" xmlns:mc="http://schemas.openxmlformats.org/markup-compatibility/2006" xmlns:mv="urn:schemas-microsoft-com:mac:vml" xmlns:p="http://schemas.openxmlformats.org/presentationml/2006/main" mc:Ignorable="mv" mc:PreserveAttributes="mv:*">
-  <p:cSld>
-    <p:spTree>
-      <p:nvGrpSpPr>
-        <p:cNvPr id="1" name=""/>
-        <p:cNvGrpSpPr/>
-        <p:nvPr/>
-      </p:nvGrpSpPr>
-      <p:grpSpPr>
-        <a:xfrm>
-          <a:off x="0" y="0"/>
-          <a:ext cx="0" cy="0"/>
-          <a:chOff x="0" y="0"/>
-          <a:chExt cx="0" cy="0"/>
-        </a:xfrm>
-      </p:grpSpPr>
-      <p:sp>
-        <p:nvSpPr>
           <p:cNvPr id="24577" name="タイトル 1"/>
           <p:cNvSpPr>
             <a:spLocks noGrp="1"/>
@@ -10052,29 +10000,7 @@
                 <a:ea typeface="Osaka−等幅"/>
                 <a:cs typeface="HGP創英角ｺﾞｼｯｸUB" pitchFamily="50" charset="-128"/>
               </a:rPr>
-              <a:t>　</a:t>
-            </a:r>
-            <a:r>
-              <a:rPr kumimoji="0" lang="ja-JP" altLang="en-US" sz="1200" dirty="0" smtClean="0">
-                <a:solidFill>
-                  <a:srgbClr val="000000"/>
-                </a:solidFill>
-                <a:latin typeface="メイリオ"/>
-                <a:ea typeface="Osaka−等幅"/>
-                <a:cs typeface="HGP創英角ｺﾞｼｯｸUB" pitchFamily="50" charset="-128"/>
-              </a:rPr>
-              <a:t>　</a:t>
-            </a:r>
-            <a:r>
-              <a:rPr kumimoji="0" lang="ja-JP" altLang="en-US" sz="1200" dirty="0" smtClean="0">
-                <a:solidFill>
-                  <a:srgbClr val="000000"/>
-                </a:solidFill>
-                <a:latin typeface="メイリオ"/>
-                <a:ea typeface="Osaka−等幅"/>
-                <a:cs typeface="HGP創英角ｺﾞｼｯｸUB" pitchFamily="50" charset="-128"/>
-              </a:rPr>
-              <a:t>補完で</a:t>
+              <a:t>　　補完で</a:t>
             </a:r>
             <a:r>
               <a:rPr kumimoji="0" lang="ja-JP" altLang="en-US" sz="1200" dirty="0">
@@ -12062,7 +11988,7 @@
 </p:sld>
 </file>
 
-<file path=ppt/slides/slide5.xml><?xml version="1.0" encoding="utf-8"?>
+<file path=ppt/slides/slide4.xml><?xml version="1.0" encoding="utf-8"?>
 <p:sld xmlns:a="http://schemas.openxmlformats.org/drawingml/2006/main" xmlns:r="http://schemas.openxmlformats.org/officeDocument/2006/relationships" xmlns:mc="http://schemas.openxmlformats.org/markup-compatibility/2006" xmlns:mv="urn:schemas-microsoft-com:mac:vml" xmlns:p="http://schemas.openxmlformats.org/presentationml/2006/main" mc:Ignorable="mv" mc:PreserveAttributes="mv:*">
   <p:cSld>
     <p:spTree>
@@ -14128,7 +14054,7 @@
 </p:sld>
 </file>
 
-<file path=ppt/slides/slide6.xml><?xml version="1.0" encoding="utf-8"?>
+<file path=ppt/slides/slide5.xml><?xml version="1.0" encoding="utf-8"?>
 <p:sld xmlns:a="http://schemas.openxmlformats.org/drawingml/2006/main" xmlns:r="http://schemas.openxmlformats.org/officeDocument/2006/relationships" xmlns:mc="http://schemas.openxmlformats.org/markup-compatibility/2006" xmlns:mv="urn:schemas-microsoft-com:mac:vml" xmlns:p="http://schemas.openxmlformats.org/presentationml/2006/main" mc:Ignorable="mv" mc:PreserveAttributes="mv:*">
   <p:cSld>
     <p:spTree>
@@ -16365,7 +16291,7 @@
 </p:sld>
 </file>
 
-<file path=ppt/slides/slide7.xml><?xml version="1.0" encoding="utf-8"?>
+<file path=ppt/slides/slide6.xml><?xml version="1.0" encoding="utf-8"?>
 <p:sld xmlns:a="http://schemas.openxmlformats.org/drawingml/2006/main" xmlns:r="http://schemas.openxmlformats.org/officeDocument/2006/relationships" xmlns:mc="http://schemas.openxmlformats.org/markup-compatibility/2006" xmlns:mv="urn:schemas-microsoft-com:mac:vml" xmlns:p="http://schemas.openxmlformats.org/presentationml/2006/main" mc:Ignorable="mv" mc:PreserveAttributes="mv:*">
   <p:cSld>
     <p:spTree>
